--- a/presentation/intermediate_pres.pptx
+++ b/presentation/intermediate_pres.pptx
@@ -5,7 +5,7 @@
     <p:sldMasterId id="2147483714" r:id="rId1"/>
   </p:sldMasterIdLst>
   <p:notesMasterIdLst>
-    <p:notesMasterId r:id="rId9"/>
+    <p:notesMasterId r:id="rId10"/>
   </p:notesMasterIdLst>
   <p:sldIdLst>
     <p:sldId id="256" r:id="rId2"/>
@@ -15,6 +15,7 @@
     <p:sldId id="259" r:id="rId6"/>
     <p:sldId id="260" r:id="rId7"/>
     <p:sldId id="261" r:id="rId8"/>
+    <p:sldId id="263" r:id="rId9"/>
   </p:sldIdLst>
   <p:sldSz cx="12192000" cy="6858000"/>
   <p:notesSz cx="6858000" cy="9144000"/>
@@ -4411,7 +4412,7 @@
         </p:nvSpPr>
         <p:spPr>
           <a:xfrm>
-            <a:off x="1648418" y="5341034"/>
+            <a:off x="1648418" y="5664200"/>
             <a:ext cx="6656439" cy="646331"/>
           </a:xfrm>
           <a:prstGeom prst="rect">
@@ -4475,6 +4476,7 @@
       <p:bgPr>
         <a:blipFill dpi="0" rotWithShape="1">
           <a:blip r:embed="rId2">
+            <a:alphaModFix amt="65000"/>
             <a:lum/>
           </a:blip>
           <a:srcRect/>
@@ -4515,7 +4517,12 @@
             <p:ph type="title"/>
           </p:nvPr>
         </p:nvSpPr>
-        <p:spPr/>
+        <p:spPr>
+          <a:xfrm>
+            <a:off x="1371600" y="685800"/>
+            <a:ext cx="9601200" cy="789039"/>
+          </a:xfrm>
+        </p:spPr>
         <p:txBody>
           <a:bodyPr/>
           <a:lstStyle/>
@@ -4527,14 +4534,6 @@
             <a:r>
               <a:rPr lang="it-IT" dirty="0" err="1"/>
               <a:t>context</a:t>
-            </a:r>
-            <a:r>
-              <a:rPr lang="it-IT" dirty="0"/>
-              <a:t> – clear </a:t>
-            </a:r>
-            <a:r>
-              <a:rPr lang="it-IT" dirty="0" err="1"/>
-              <a:t>requirements</a:t>
             </a:r>
             <a:endParaRPr lang="it-IT" dirty="0"/>
           </a:p>
@@ -4556,10 +4555,15 @@
             <p:ph idx="1"/>
           </p:nvPr>
         </p:nvSpPr>
-        <p:spPr/>
+        <p:spPr>
+          <a:xfrm>
+            <a:off x="1371600" y="1474839"/>
+            <a:ext cx="9601200" cy="3581400"/>
+          </a:xfrm>
+        </p:spPr>
         <p:txBody>
           <a:bodyPr>
-            <a:normAutofit fontScale="92500" lnSpcReduction="10000"/>
+            <a:normAutofit/>
           </a:bodyPr>
           <a:lstStyle/>
           <a:p>
@@ -4632,63 +4636,322 @@
           <a:p>
             <a:endParaRPr lang="it-IT" dirty="0"/>
           </a:p>
-          <a:p>
+        </p:txBody>
+      </p:sp>
+      <p:sp>
+        <p:nvSpPr>
+          <p:cNvPr id="4" name="Titolo 1">
+            <a:extLst>
+              <a:ext uri="{FF2B5EF4-FFF2-40B4-BE49-F238E27FC236}">
+                <a16:creationId xmlns:a16="http://schemas.microsoft.com/office/drawing/2014/main" id="{5DF39EE3-0C8A-0BA4-CBA8-2F9EE74A0893}"/>
+              </a:ext>
+            </a:extLst>
+          </p:cNvPr>
+          <p:cNvSpPr txBox="1">
+            <a:spLocks/>
+          </p:cNvSpPr>
+          <p:nvPr/>
+        </p:nvSpPr>
+        <p:spPr>
+          <a:xfrm>
+            <a:off x="1371600" y="3265364"/>
+            <a:ext cx="9601200" cy="1485900"/>
+          </a:xfrm>
+          <a:prstGeom prst="rect">
+            <a:avLst/>
+          </a:prstGeom>
+        </p:spPr>
+        <p:txBody>
+          <a:bodyPr vert="horz" lIns="91440" tIns="45720" rIns="91440" bIns="45720" rtlCol="0" anchor="t">
+            <a:normAutofit/>
+          </a:bodyPr>
+          <a:lstStyle>
+            <a:lvl1pPr algn="l" defTabSz="914400" rtl="0" eaLnBrk="1" latinLnBrk="0" hangingPunct="1">
+              <a:lnSpc>
+                <a:spcPct val="89000"/>
+              </a:lnSpc>
+              <a:spcBef>
+                <a:spcPct val="0"/>
+              </a:spcBef>
+              <a:buNone/>
+              <a:defRPr sz="4400" kern="1200" baseline="0">
+                <a:solidFill>
+                  <a:schemeClr val="tx2"/>
+                </a:solidFill>
+                <a:latin typeface="+mj-lt"/>
+                <a:ea typeface="+mj-ea"/>
+                <a:cs typeface="+mj-cs"/>
+              </a:defRPr>
+            </a:lvl1pPr>
+          </a:lstStyle>
+          <a:p>
+            <a:pPr algn="r"/>
             <a:r>
               <a:rPr lang="it-IT" dirty="0"/>
-              <a:t>How to </a:t>
+              <a:t>Clear </a:t>
             </a:r>
             <a:r>
               <a:rPr lang="it-IT" dirty="0" err="1"/>
-              <a:t>get</a:t>
+              <a:t>requirements</a:t>
+            </a:r>
+            <a:endParaRPr lang="it-IT" dirty="0"/>
+          </a:p>
+        </p:txBody>
+      </p:sp>
+      <p:sp>
+        <p:nvSpPr>
+          <p:cNvPr id="6" name="Segnaposto contenuto 2">
+            <a:extLst>
+              <a:ext uri="{FF2B5EF4-FFF2-40B4-BE49-F238E27FC236}">
+                <a16:creationId xmlns:a16="http://schemas.microsoft.com/office/drawing/2014/main" id="{9BB76F55-54A1-AFA5-DFE0-216E6C9E5EFE}"/>
+              </a:ext>
+            </a:extLst>
+          </p:cNvPr>
+          <p:cNvSpPr txBox="1">
+            <a:spLocks/>
+          </p:cNvSpPr>
+          <p:nvPr/>
+        </p:nvSpPr>
+        <p:spPr>
+          <a:xfrm>
+            <a:off x="6172200" y="4152272"/>
+            <a:ext cx="9601200" cy="3581400"/>
+          </a:xfrm>
+          <a:prstGeom prst="rect">
+            <a:avLst/>
+          </a:prstGeom>
+        </p:spPr>
+        <p:txBody>
+          <a:bodyPr vert="horz" lIns="91440" tIns="45720" rIns="91440" bIns="45720" rtlCol="0">
+            <a:normAutofit/>
+          </a:bodyPr>
+          <a:lstStyle>
+            <a:lvl1pPr marL="384048" indent="-384048" algn="l" defTabSz="914400" rtl="0" eaLnBrk="1" latinLnBrk="0" hangingPunct="1">
+              <a:lnSpc>
+                <a:spcPct val="94000"/>
+              </a:lnSpc>
+              <a:spcBef>
+                <a:spcPts val="1000"/>
+              </a:spcBef>
+              <a:spcAft>
+                <a:spcPts val="200"/>
+              </a:spcAft>
+              <a:buFont typeface="Franklin Gothic Book" panose="020B0503020102020204" pitchFamily="34" charset="0"/>
+              <a:buChar char="■"/>
+              <a:defRPr sz="2000" kern="1200" baseline="0">
+                <a:solidFill>
+                  <a:schemeClr val="tx2"/>
+                </a:solidFill>
+                <a:latin typeface="+mn-lt"/>
+                <a:ea typeface="+mn-ea"/>
+                <a:cs typeface="+mn-cs"/>
+              </a:defRPr>
+            </a:lvl1pPr>
+            <a:lvl2pPr marL="914400" indent="-384048" algn="l" defTabSz="914400" rtl="0" eaLnBrk="1" latinLnBrk="0" hangingPunct="1">
+              <a:lnSpc>
+                <a:spcPct val="94000"/>
+              </a:lnSpc>
+              <a:spcBef>
+                <a:spcPts val="500"/>
+              </a:spcBef>
+              <a:spcAft>
+                <a:spcPts val="200"/>
+              </a:spcAft>
+              <a:buFont typeface="Franklin Gothic Book" panose="020B0503020102020204" pitchFamily="34" charset="0"/>
+              <a:buChar char="–"/>
+              <a:defRPr sz="2000" i="1" kern="1200" baseline="0">
+                <a:solidFill>
+                  <a:schemeClr val="tx2"/>
+                </a:solidFill>
+                <a:latin typeface="+mn-lt"/>
+                <a:ea typeface="+mn-ea"/>
+                <a:cs typeface="+mn-cs"/>
+              </a:defRPr>
+            </a:lvl2pPr>
+            <a:lvl3pPr marL="1371600" indent="-384048" algn="l" defTabSz="914400" rtl="0" eaLnBrk="1" latinLnBrk="0" hangingPunct="1">
+              <a:lnSpc>
+                <a:spcPct val="94000"/>
+              </a:lnSpc>
+              <a:spcBef>
+                <a:spcPts val="500"/>
+              </a:spcBef>
+              <a:spcAft>
+                <a:spcPts val="200"/>
+              </a:spcAft>
+              <a:buFont typeface="Franklin Gothic Book" panose="020B0503020102020204" pitchFamily="34" charset="0"/>
+              <a:buChar char="■"/>
+              <a:defRPr sz="1800" kern="1200" baseline="0">
+                <a:solidFill>
+                  <a:schemeClr val="tx2"/>
+                </a:solidFill>
+                <a:latin typeface="+mn-lt"/>
+                <a:ea typeface="+mn-ea"/>
+                <a:cs typeface="+mn-cs"/>
+              </a:defRPr>
+            </a:lvl3pPr>
+            <a:lvl4pPr marL="1828800" indent="-384048" algn="l" defTabSz="914400" rtl="0" eaLnBrk="1" latinLnBrk="0" hangingPunct="1">
+              <a:lnSpc>
+                <a:spcPct val="94000"/>
+              </a:lnSpc>
+              <a:spcBef>
+                <a:spcPts val="500"/>
+              </a:spcBef>
+              <a:spcAft>
+                <a:spcPts val="200"/>
+              </a:spcAft>
+              <a:buFont typeface="Franklin Gothic Book" panose="020B0503020102020204" pitchFamily="34" charset="0"/>
+              <a:buChar char="–"/>
+              <a:defRPr sz="1800" i="1" kern="1200" baseline="0">
+                <a:solidFill>
+                  <a:schemeClr val="tx2"/>
+                </a:solidFill>
+                <a:latin typeface="+mn-lt"/>
+                <a:ea typeface="+mn-ea"/>
+                <a:cs typeface="+mn-cs"/>
+              </a:defRPr>
+            </a:lvl4pPr>
+            <a:lvl5pPr marL="2286000" indent="-384048" algn="l" defTabSz="914400" rtl="0" eaLnBrk="1" latinLnBrk="0" hangingPunct="1">
+              <a:lnSpc>
+                <a:spcPct val="94000"/>
+              </a:lnSpc>
+              <a:spcBef>
+                <a:spcPts val="500"/>
+              </a:spcBef>
+              <a:spcAft>
+                <a:spcPts val="200"/>
+              </a:spcAft>
+              <a:buFont typeface="Franklin Gothic Book" panose="020B0503020102020204" pitchFamily="34" charset="0"/>
+              <a:buChar char="■"/>
+              <a:defRPr sz="1600" kern="1200" baseline="0">
+                <a:solidFill>
+                  <a:schemeClr val="tx2"/>
+                </a:solidFill>
+                <a:latin typeface="+mn-lt"/>
+                <a:ea typeface="+mn-ea"/>
+                <a:cs typeface="+mn-cs"/>
+              </a:defRPr>
+            </a:lvl5pPr>
+            <a:lvl6pPr marL="2743200" indent="-384048" algn="l" defTabSz="914400" rtl="0" eaLnBrk="1" latinLnBrk="0" hangingPunct="1">
+              <a:lnSpc>
+                <a:spcPct val="94000"/>
+              </a:lnSpc>
+              <a:spcBef>
+                <a:spcPts val="500"/>
+              </a:spcBef>
+              <a:spcAft>
+                <a:spcPts val="200"/>
+              </a:spcAft>
+              <a:buFont typeface="Franklin Gothic Book" panose="020B0503020102020204" pitchFamily="34" charset="0"/>
+              <a:buChar char="–"/>
+              <a:defRPr sz="1600" i="1" kern="1200" baseline="0">
+                <a:solidFill>
+                  <a:schemeClr val="tx2"/>
+                </a:solidFill>
+                <a:latin typeface="+mn-lt"/>
+                <a:ea typeface="+mn-ea"/>
+                <a:cs typeface="+mn-cs"/>
+              </a:defRPr>
+            </a:lvl6pPr>
+            <a:lvl7pPr marL="3200400" indent="-384048" algn="l" defTabSz="914400" rtl="0" eaLnBrk="1" latinLnBrk="0" hangingPunct="1">
+              <a:lnSpc>
+                <a:spcPct val="94000"/>
+              </a:lnSpc>
+              <a:spcBef>
+                <a:spcPts val="500"/>
+              </a:spcBef>
+              <a:spcAft>
+                <a:spcPts val="200"/>
+              </a:spcAft>
+              <a:buFont typeface="Franklin Gothic Book" panose="020B0503020102020204" pitchFamily="34" charset="0"/>
+              <a:buChar char="■"/>
+              <a:defRPr sz="1400" kern="1200" baseline="0">
+                <a:solidFill>
+                  <a:schemeClr val="tx2"/>
+                </a:solidFill>
+                <a:latin typeface="+mn-lt"/>
+                <a:ea typeface="+mn-ea"/>
+                <a:cs typeface="+mn-cs"/>
+              </a:defRPr>
+            </a:lvl7pPr>
+            <a:lvl8pPr marL="3657600" indent="-384048" algn="l" defTabSz="914400" rtl="0" eaLnBrk="1" latinLnBrk="0" hangingPunct="1">
+              <a:lnSpc>
+                <a:spcPct val="94000"/>
+              </a:lnSpc>
+              <a:spcBef>
+                <a:spcPts val="500"/>
+              </a:spcBef>
+              <a:spcAft>
+                <a:spcPts val="200"/>
+              </a:spcAft>
+              <a:buFont typeface="Franklin Gothic Book" panose="020B0503020102020204" pitchFamily="34" charset="0"/>
+              <a:buChar char="–"/>
+              <a:defRPr sz="1400" i="1" kern="1200" baseline="0">
+                <a:solidFill>
+                  <a:schemeClr val="tx2"/>
+                </a:solidFill>
+                <a:latin typeface="+mn-lt"/>
+                <a:ea typeface="+mn-ea"/>
+                <a:cs typeface="+mn-cs"/>
+              </a:defRPr>
+            </a:lvl8pPr>
+            <a:lvl9pPr marL="4114800" indent="-384048" algn="l" defTabSz="914400" rtl="0" eaLnBrk="1" latinLnBrk="0" hangingPunct="1">
+              <a:lnSpc>
+                <a:spcPct val="94000"/>
+              </a:lnSpc>
+              <a:spcBef>
+                <a:spcPts val="500"/>
+              </a:spcBef>
+              <a:spcAft>
+                <a:spcPts val="200"/>
+              </a:spcAft>
+              <a:buFont typeface="Franklin Gothic Book" panose="020B0503020102020204" pitchFamily="34" charset="0"/>
+              <a:buChar char="■"/>
+              <a:defRPr sz="1400" kern="1200" baseline="0">
+                <a:solidFill>
+                  <a:schemeClr val="tx2"/>
+                </a:solidFill>
+                <a:latin typeface="+mn-lt"/>
+                <a:ea typeface="+mn-ea"/>
+                <a:cs typeface="+mn-cs"/>
+              </a:defRPr>
+            </a:lvl9pPr>
+          </a:lstStyle>
+          <a:p>
+            <a:r>
+              <a:rPr lang="it-IT" dirty="0" err="1"/>
+              <a:t>Getting</a:t>
             </a:r>
             <a:r>
               <a:rPr lang="it-IT" dirty="0"/>
-              <a:t> data? </a:t>
-            </a:r>
-            <a:r>
-              <a:rPr lang="it-IT" dirty="0" err="1"/>
-              <a:t>Which</a:t>
-            </a:r>
-            <a:r>
-              <a:rPr lang="it-IT" dirty="0"/>
-              <a:t> </a:t>
+              <a:t> data and setting </a:t>
             </a:r>
             <a:r>
               <a:rPr lang="it-IT" dirty="0" err="1"/>
               <a:t>thresholds</a:t>
             </a:r>
+            <a:endParaRPr lang="it-IT" dirty="0"/>
+          </a:p>
+          <a:p>
+            <a:r>
+              <a:rPr lang="it-IT" dirty="0" err="1"/>
+              <a:t>Acting</a:t>
+            </a:r>
             <a:r>
               <a:rPr lang="it-IT" dirty="0"/>
-              <a:t>? </a:t>
-            </a:r>
-          </a:p>
-          <a:p>
-            <a:r>
-              <a:rPr lang="it-IT" dirty="0"/>
-              <a:t>How to </a:t>
+              <a:t> on </a:t>
             </a:r>
             <a:r>
               <a:rPr lang="it-IT" dirty="0" err="1"/>
-              <a:t>communicate</a:t>
-            </a:r>
-            <a:r>
-              <a:rPr lang="it-IT" dirty="0"/>
-              <a:t>?</a:t>
-            </a:r>
-          </a:p>
-          <a:p>
-            <a:r>
-              <a:rPr lang="it-IT" dirty="0"/>
-              <a:t>How to </a:t>
-            </a:r>
+              <a:t>environment</a:t>
+            </a:r>
+            <a:endParaRPr lang="it-IT" dirty="0"/>
+          </a:p>
+          <a:p>
             <a:r>
               <a:rPr lang="it-IT" dirty="0" err="1"/>
-              <a:t>evaluate</a:t>
-            </a:r>
-            <a:r>
-              <a:rPr lang="it-IT" dirty="0"/>
-              <a:t> and act?</a:t>
-            </a:r>
+              <a:t>Communication</a:t>
+            </a:r>
+            <a:endParaRPr lang="it-IT" dirty="0"/>
           </a:p>
           <a:p>
             <a:r>
@@ -4744,6 +5007,7 @@
       <p:bgPr>
         <a:blipFill dpi="0" rotWithShape="1">
           <a:blip r:embed="rId2">
+            <a:alphaModFix amt="65000"/>
             <a:lum/>
           </a:blip>
           <a:srcRect/>
@@ -4891,6 +5155,7 @@
       <p:bgPr>
         <a:blipFill dpi="0" rotWithShape="1">
           <a:blip r:embed="rId2">
+            <a:alphaModFix amt="65000"/>
             <a:lum/>
           </a:blip>
           <a:srcRect/>
@@ -4983,7 +5248,7 @@
           <a:p>
             <a:r>
               <a:rPr lang="it-IT" dirty="0"/>
-              <a:t>ADC sampling, </a:t>
+              <a:t>Sampling: </a:t>
             </a:r>
             <a:r>
               <a:rPr lang="it-IT" dirty="0" err="1"/>
@@ -5022,18 +5287,18 @@
             </a:r>
             <a:r>
               <a:rPr lang="it-IT" dirty="0"/>
-              <a:t> ESP-NOW and custom data </a:t>
+              <a:t> ESP-NOW </a:t>
             </a:r>
             <a:r>
               <a:rPr lang="it-IT" dirty="0" err="1"/>
-              <a:t>structure</a:t>
+              <a:t>protocol</a:t>
             </a:r>
             <a:endParaRPr lang="it-IT" dirty="0"/>
           </a:p>
           <a:p>
             <a:r>
               <a:rPr lang="it-IT" dirty="0"/>
-              <a:t>Data transmission to MQTT broker</a:t>
+              <a:t>Data transmission to a MQTT broker</a:t>
             </a:r>
           </a:p>
           <a:p>
@@ -5043,7 +5308,15 @@
             </a:r>
             <a:r>
               <a:rPr lang="it-IT" dirty="0"/>
-              <a:t> mode for energy </a:t>
+              <a:t> </a:t>
+            </a:r>
+            <a:r>
+              <a:rPr lang="it-IT" dirty="0" err="1"/>
+              <a:t>modes</a:t>
+            </a:r>
+            <a:r>
+              <a:rPr lang="it-IT" dirty="0"/>
+              <a:t> for energy </a:t>
             </a:r>
             <a:r>
               <a:rPr lang="it-IT" dirty="0" err="1"/>
@@ -5073,6 +5346,7 @@
       <p:bgPr>
         <a:blipFill dpi="0" rotWithShape="1">
           <a:blip r:embed="rId2">
+            <a:alphaModFix amt="65000"/>
             <a:lum/>
           </a:blip>
           <a:srcRect/>
@@ -5226,7 +5500,13 @@
             </a:r>
             <a:r>
               <a:rPr lang="it-IT" dirty="0"/>
-              <a:t> and energy </a:t>
+              <a:t> </a:t>
+            </a:r>
+          </a:p>
+          <a:p>
+            <a:r>
+              <a:rPr lang="it-IT" dirty="0"/>
+              <a:t>Energy </a:t>
             </a:r>
             <a:r>
               <a:rPr lang="it-IT" dirty="0" err="1"/>
@@ -5256,6 +5536,7 @@
       <p:bgPr>
         <a:blipFill dpi="0" rotWithShape="1">
           <a:blip r:embed="rId2">
+            <a:alphaModFix amt="65000"/>
             <a:lum/>
           </a:blip>
           <a:srcRect/>
@@ -5399,6 +5680,7 @@
       <p:bgPr>
         <a:blipFill dpi="0" rotWithShape="1">
           <a:blip r:embed="rId2">
+            <a:alphaModFix amt="65000"/>
             <a:lum/>
           </a:blip>
           <a:srcRect/>
@@ -5483,24 +5765,67 @@
           </a:xfrm>
         </p:spPr>
         <p:txBody>
-          <a:bodyPr/>
+          <a:bodyPr>
+            <a:normAutofit lnSpcReduction="10000"/>
+          </a:bodyPr>
           <a:lstStyle/>
           <a:p>
             <a:r>
               <a:rPr lang="it-IT" dirty="0"/>
-              <a:t>Air </a:t>
+              <a:t>Development </a:t>
             </a:r>
             <a:r>
               <a:rPr lang="it-IT" dirty="0" err="1"/>
-              <a:t>quality</a:t>
+              <a:t>problems</a:t>
             </a:r>
             <a:r>
               <a:rPr lang="it-IT" dirty="0"/>
-              <a:t> -&gt; </a:t>
-            </a:r>
+              <a:t>:</a:t>
+            </a:r>
+          </a:p>
+          <a:p>
+            <a:pPr lvl="1"/>
             <a:r>
               <a:rPr lang="it-IT" dirty="0" err="1"/>
-              <a:t>almost</a:t>
+              <a:t>Microphone</a:t>
+            </a:r>
+            <a:r>
+              <a:rPr lang="it-IT" dirty="0"/>
+              <a:t>, </a:t>
+            </a:r>
+            <a:r>
+              <a:rPr lang="it-IT" dirty="0" err="1"/>
+              <a:t>analog</a:t>
+            </a:r>
+            <a:r>
+              <a:rPr lang="it-IT" dirty="0"/>
+              <a:t> or </a:t>
+            </a:r>
+            <a:r>
+              <a:rPr lang="it-IT" dirty="0" err="1"/>
+              <a:t>digital</a:t>
+            </a:r>
+            <a:endParaRPr lang="it-IT" dirty="0"/>
+          </a:p>
+          <a:p>
+            <a:pPr lvl="1"/>
+            <a:r>
+              <a:rPr lang="it-IT" dirty="0"/>
+              <a:t>ESP-NOW </a:t>
+            </a:r>
+            <a:r>
+              <a:rPr lang="it-IT" dirty="0" err="1"/>
+              <a:t>wake</a:t>
+            </a:r>
+            <a:r>
+              <a:rPr lang="it-IT" dirty="0"/>
+              <a:t> up</a:t>
+            </a:r>
+          </a:p>
+          <a:p>
+            <a:r>
+              <a:rPr lang="it-IT" dirty="0" err="1"/>
+              <a:t>Measurment</a:t>
             </a:r>
             <a:r>
               <a:rPr lang="it-IT" dirty="0"/>
@@ -5508,14 +5833,24 @@
             </a:r>
             <a:r>
               <a:rPr lang="it-IT" dirty="0" err="1"/>
-              <a:t>done</a:t>
-            </a:r>
-            <a:endParaRPr lang="it-IT" dirty="0"/>
+              <a:t>problem</a:t>
+            </a:r>
+            <a:r>
+              <a:rPr lang="it-IT" dirty="0"/>
+              <a:t>:</a:t>
+            </a:r>
+          </a:p>
+          <a:p>
+            <a:pPr lvl="1"/>
+            <a:r>
+              <a:rPr lang="it-IT" dirty="0"/>
+              <a:t>Good places for sampling</a:t>
+            </a:r>
           </a:p>
           <a:p>
             <a:r>
               <a:rPr lang="it-IT" dirty="0" err="1"/>
-              <a:t>Noise</a:t>
+              <a:t>Acting</a:t>
             </a:r>
             <a:r>
               <a:rPr lang="it-IT" dirty="0"/>
@@ -5523,97 +5858,24 @@
             </a:r>
             <a:r>
               <a:rPr lang="it-IT" dirty="0" err="1"/>
-              <a:t>dection</a:t>
+              <a:t>problem</a:t>
             </a:r>
             <a:r>
               <a:rPr lang="it-IT" dirty="0"/>
-              <a:t> -&gt; on the way to solve </a:t>
+              <a:t>:</a:t>
+            </a:r>
+          </a:p>
+          <a:p>
+            <a:pPr lvl="1"/>
+            <a:r>
+              <a:rPr lang="it-IT" dirty="0"/>
+              <a:t>Setting up the </a:t>
             </a:r>
             <a:r>
               <a:rPr lang="it-IT" dirty="0" err="1"/>
-              <a:t>it</a:t>
-            </a:r>
-            <a:r>
-              <a:rPr lang="it-IT" dirty="0"/>
-              <a:t> </a:t>
-            </a:r>
-            <a:r>
-              <a:rPr lang="it-IT" dirty="0" err="1"/>
-              <a:t>using</a:t>
-            </a:r>
-            <a:r>
-              <a:rPr lang="it-IT" dirty="0"/>
-              <a:t> </a:t>
-            </a:r>
-            <a:r>
-              <a:rPr lang="it-IT" dirty="0" err="1"/>
-              <a:t>digital</a:t>
-            </a:r>
-            <a:r>
-              <a:rPr lang="it-IT" dirty="0"/>
-              <a:t> output</a:t>
-            </a:r>
-          </a:p>
-          <a:p>
-            <a:r>
-              <a:rPr lang="it-IT" dirty="0" err="1"/>
-              <a:t>Nodes</a:t>
-            </a:r>
-            <a:r>
-              <a:rPr lang="it-IT" dirty="0"/>
-              <a:t> </a:t>
-            </a:r>
-            <a:r>
-              <a:rPr lang="it-IT" dirty="0" err="1"/>
-              <a:t>tx</a:t>
-            </a:r>
-            <a:r>
-              <a:rPr lang="it-IT" dirty="0"/>
-              <a:t>/rx  -&gt; </a:t>
-            </a:r>
-            <a:r>
-              <a:rPr lang="it-IT" dirty="0" err="1"/>
-              <a:t>done</a:t>
-            </a:r>
-            <a:r>
-              <a:rPr lang="it-IT" dirty="0"/>
-              <a:t> </a:t>
-            </a:r>
-            <a:r>
-              <a:rPr lang="it-IT" dirty="0" err="1"/>
-              <a:t>using</a:t>
-            </a:r>
-            <a:r>
-              <a:rPr lang="it-IT" dirty="0"/>
-              <a:t> esp </a:t>
-            </a:r>
-            <a:r>
-              <a:rPr lang="it-IT" dirty="0" err="1"/>
-              <a:t>now</a:t>
+              <a:t>actuators</a:t>
             </a:r>
             <a:endParaRPr lang="it-IT" dirty="0"/>
-          </a:p>
-          <a:p>
-            <a:r>
-              <a:rPr lang="it-IT" dirty="0"/>
-              <a:t>Wake up/ </a:t>
-            </a:r>
-            <a:r>
-              <a:rPr lang="it-IT" dirty="0" err="1"/>
-              <a:t>sleep</a:t>
-            </a:r>
-            <a:r>
-              <a:rPr lang="it-IT" dirty="0"/>
-              <a:t> mode -&gt; esp </a:t>
-            </a:r>
-            <a:r>
-              <a:rPr lang="it-IT" dirty="0" err="1"/>
-              <a:t>now</a:t>
-            </a:r>
-            <a:r>
-              <a:rPr lang="it-IT" dirty="0"/>
-              <a:t> and timers</a:t>
-            </a:r>
           </a:p>
         </p:txBody>
       </p:sp>
@@ -5621,6 +5883,98 @@
     <p:extLst>
       <p:ext uri="{BB962C8B-B14F-4D97-AF65-F5344CB8AC3E}">
         <p14:creationId xmlns:p14="http://schemas.microsoft.com/office/powerpoint/2010/main" val="1398389979"/>
+      </p:ext>
+    </p:extLst>
+  </p:cSld>
+  <p:clrMapOvr>
+    <a:masterClrMapping/>
+  </p:clrMapOvr>
+</p:sld>
+</file>
+
+<file path=ppt/slides/slide8.xml><?xml version="1.0" encoding="utf-8"?>
+<p:sld xmlns:a="http://schemas.openxmlformats.org/drawingml/2006/main" xmlns:r="http://schemas.openxmlformats.org/officeDocument/2006/relationships" xmlns:p="http://schemas.openxmlformats.org/presentationml/2006/main">
+  <p:cSld>
+    <p:bg>
+      <p:bgPr>
+        <a:blipFill dpi="0" rotWithShape="1">
+          <a:blip r:embed="rId2">
+            <a:alphaModFix amt="65000"/>
+            <a:lum/>
+          </a:blip>
+          <a:srcRect/>
+          <a:stretch>
+            <a:fillRect l="-1000" r="-1000"/>
+          </a:stretch>
+        </a:blipFill>
+        <a:effectLst/>
+      </p:bgPr>
+    </p:bg>
+    <p:spTree>
+      <p:nvGrpSpPr>
+        <p:cNvPr id="1" name=""/>
+        <p:cNvGrpSpPr/>
+        <p:nvPr/>
+      </p:nvGrpSpPr>
+      <p:grpSpPr>
+        <a:xfrm>
+          <a:off x="0" y="0"/>
+          <a:ext cx="0" cy="0"/>
+          <a:chOff x="0" y="0"/>
+          <a:chExt cx="0" cy="0"/>
+        </a:xfrm>
+      </p:grpSpPr>
+      <p:sp>
+        <p:nvSpPr>
+          <p:cNvPr id="2" name="Titolo 1">
+            <a:extLst>
+              <a:ext uri="{FF2B5EF4-FFF2-40B4-BE49-F238E27FC236}">
+                <a16:creationId xmlns:a16="http://schemas.microsoft.com/office/drawing/2014/main" id="{C202C44E-4310-7A5E-C32B-7D5573232609}"/>
+              </a:ext>
+            </a:extLst>
+          </p:cNvPr>
+          <p:cNvSpPr>
+            <a:spLocks noGrp="1"/>
+          </p:cNvSpPr>
+          <p:nvPr>
+            <p:ph type="title"/>
+          </p:nvPr>
+        </p:nvSpPr>
+        <p:spPr>
+          <a:xfrm>
+            <a:off x="1295400" y="2686050"/>
+            <a:ext cx="9601200" cy="1485900"/>
+          </a:xfrm>
+        </p:spPr>
+        <p:txBody>
+          <a:bodyPr/>
+          <a:lstStyle/>
+          <a:p>
+            <a:pPr algn="ctr"/>
+            <a:r>
+              <a:rPr lang="it-IT" dirty="0"/>
+              <a:t>Thanks for </a:t>
+            </a:r>
+            <a:r>
+              <a:rPr lang="it-IT" dirty="0" err="1"/>
+              <a:t>your</a:t>
+            </a:r>
+            <a:r>
+              <a:rPr lang="it-IT" dirty="0"/>
+              <a:t> </a:t>
+            </a:r>
+            <a:r>
+              <a:rPr lang="it-IT" dirty="0" err="1"/>
+              <a:t>attention</a:t>
+            </a:r>
+            <a:endParaRPr lang="it-IT" dirty="0"/>
+          </a:p>
+        </p:txBody>
+      </p:sp>
+    </p:spTree>
+    <p:extLst>
+      <p:ext uri="{BB962C8B-B14F-4D97-AF65-F5344CB8AC3E}">
+        <p14:creationId xmlns:p14="http://schemas.microsoft.com/office/powerpoint/2010/main" val="982040762"/>
       </p:ext>
     </p:extLst>
   </p:cSld>

--- a/presentation/intermediate_pres.pptx
+++ b/presentation/intermediate_pres.pptx
@@ -4466,6 +4466,425 @@
   <p:clrMapOvr>
     <a:overrideClrMapping bg1="dk1" tx1="lt1" bg2="dk2" tx2="lt2" accent1="accent1" accent2="accent2" accent3="accent3" accent4="accent4" accent5="accent5" accent6="accent6" hlink="hlink" folHlink="folHlink"/>
   </p:clrMapOvr>
+  <mc:AlternateContent xmlns:mc="http://schemas.openxmlformats.org/markup-compatibility/2006">
+    <mc:Choice xmlns:p159="http://schemas.microsoft.com/office/powerpoint/2015/09/main" Requires="p159">
+      <p:transition xmlns:p14="http://schemas.microsoft.com/office/powerpoint/2010/main" spd="slow" p14:dur="2000">
+        <p159:morph option="byObject"/>
+      </p:transition>
+    </mc:Choice>
+    <mc:Fallback>
+      <p:transition spd="slow">
+        <p:fade/>
+      </p:transition>
+    </mc:Fallback>
+  </mc:AlternateContent>
+  <p:timing>
+    <p:tnLst>
+      <p:par>
+        <p:cTn id="1" dur="indefinite" restart="never" nodeType="tmRoot">
+          <p:childTnLst>
+            <p:seq concurrent="1" nextAc="seek">
+              <p:cTn id="2" dur="indefinite" nodeType="mainSeq">
+                <p:childTnLst>
+                  <p:par>
+                    <p:cTn id="3" fill="hold">
+                      <p:stCondLst>
+                        <p:cond delay="indefinite"/>
+                        <p:cond evt="onBegin" delay="0">
+                          <p:tn val="2"/>
+                        </p:cond>
+                      </p:stCondLst>
+                      <p:childTnLst>
+                        <p:par>
+                          <p:cTn id="4" fill="hold">
+                            <p:stCondLst>
+                              <p:cond delay="0"/>
+                            </p:stCondLst>
+                            <p:childTnLst>
+                              <p:par>
+                                <p:cTn id="5" presetID="10" presetClass="entr" presetSubtype="0" fill="hold" grpId="0" nodeType="afterEffect">
+                                  <p:stCondLst>
+                                    <p:cond delay="500"/>
+                                  </p:stCondLst>
+                                  <p:childTnLst>
+                                    <p:set>
+                                      <p:cBhvr>
+                                        <p:cTn id="6" dur="1" fill="hold">
+                                          <p:stCondLst>
+                                            <p:cond delay="0"/>
+                                          </p:stCondLst>
+                                        </p:cTn>
+                                        <p:tgtEl>
+                                          <p:spTgt spid="2"/>
+                                        </p:tgtEl>
+                                        <p:attrNameLst>
+                                          <p:attrName>style.visibility</p:attrName>
+                                        </p:attrNameLst>
+                                      </p:cBhvr>
+                                      <p:to>
+                                        <p:strVal val="visible"/>
+                                      </p:to>
+                                    </p:set>
+                                    <p:animEffect transition="in" filter="fade">
+                                      <p:cBhvr>
+                                        <p:cTn id="7" dur="1000"/>
+                                        <p:tgtEl>
+                                          <p:spTgt spid="2"/>
+                                        </p:tgtEl>
+                                      </p:cBhvr>
+                                    </p:animEffect>
+                                  </p:childTnLst>
+                                </p:cTn>
+                              </p:par>
+                            </p:childTnLst>
+                          </p:cTn>
+                        </p:par>
+                        <p:par>
+                          <p:cTn id="8" fill="hold">
+                            <p:stCondLst>
+                              <p:cond delay="1500"/>
+                            </p:stCondLst>
+                            <p:childTnLst>
+                              <p:par>
+                                <p:cTn id="9" presetID="10" presetClass="entr" presetSubtype="0" fill="hold" grpId="0" nodeType="afterEffect">
+                                  <p:stCondLst>
+                                    <p:cond delay="0"/>
+                                  </p:stCondLst>
+                                  <p:childTnLst>
+                                    <p:set>
+                                      <p:cBhvr>
+                                        <p:cTn id="10" dur="1" fill="hold">
+                                          <p:stCondLst>
+                                            <p:cond delay="0"/>
+                                          </p:stCondLst>
+                                        </p:cTn>
+                                        <p:tgtEl>
+                                          <p:spTgt spid="3">
+                                            <p:txEl>
+                                              <p:pRg st="0" end="0"/>
+                                            </p:txEl>
+                                          </p:spTgt>
+                                        </p:tgtEl>
+                                        <p:attrNameLst>
+                                          <p:attrName>style.visibility</p:attrName>
+                                        </p:attrNameLst>
+                                      </p:cBhvr>
+                                      <p:to>
+                                        <p:strVal val="visible"/>
+                                      </p:to>
+                                    </p:set>
+                                    <p:animEffect transition="in" filter="fade">
+                                      <p:cBhvr>
+                                        <p:cTn id="11" dur="750"/>
+                                        <p:tgtEl>
+                                          <p:spTgt spid="3">
+                                            <p:txEl>
+                                              <p:pRg st="0" end="0"/>
+                                            </p:txEl>
+                                          </p:spTgt>
+                                        </p:tgtEl>
+                                      </p:cBhvr>
+                                    </p:animEffect>
+                                  </p:childTnLst>
+                                </p:cTn>
+                              </p:par>
+                            </p:childTnLst>
+                          </p:cTn>
+                        </p:par>
+                        <p:par>
+                          <p:cTn id="12" fill="hold">
+                            <p:stCondLst>
+                              <p:cond delay="2250"/>
+                            </p:stCondLst>
+                            <p:childTnLst>
+                              <p:par>
+                                <p:cTn id="13" presetID="10" presetClass="entr" presetSubtype="0" fill="hold" grpId="0" nodeType="afterEffect">
+                                  <p:stCondLst>
+                                    <p:cond delay="0"/>
+                                  </p:stCondLst>
+                                  <p:childTnLst>
+                                    <p:set>
+                                      <p:cBhvr>
+                                        <p:cTn id="14" dur="1" fill="hold">
+                                          <p:stCondLst>
+                                            <p:cond delay="0"/>
+                                          </p:stCondLst>
+                                        </p:cTn>
+                                        <p:tgtEl>
+                                          <p:spTgt spid="3">
+                                            <p:txEl>
+                                              <p:pRg st="2" end="2"/>
+                                            </p:txEl>
+                                          </p:spTgt>
+                                        </p:tgtEl>
+                                        <p:attrNameLst>
+                                          <p:attrName>style.visibility</p:attrName>
+                                        </p:attrNameLst>
+                                      </p:cBhvr>
+                                      <p:to>
+                                        <p:strVal val="visible"/>
+                                      </p:to>
+                                    </p:set>
+                                    <p:animEffect transition="in" filter="fade">
+                                      <p:cBhvr>
+                                        <p:cTn id="15" dur="750"/>
+                                        <p:tgtEl>
+                                          <p:spTgt spid="3">
+                                            <p:txEl>
+                                              <p:pRg st="2" end="2"/>
+                                            </p:txEl>
+                                          </p:spTgt>
+                                        </p:tgtEl>
+                                      </p:cBhvr>
+                                    </p:animEffect>
+                                  </p:childTnLst>
+                                </p:cTn>
+                              </p:par>
+                              <p:par>
+                                <p:cTn id="16" presetID="10" presetClass="entr" presetSubtype="0" fill="hold" grpId="0" nodeType="withEffect">
+                                  <p:stCondLst>
+                                    <p:cond delay="0"/>
+                                  </p:stCondLst>
+                                  <p:childTnLst>
+                                    <p:set>
+                                      <p:cBhvr>
+                                        <p:cTn id="17" dur="1" fill="hold">
+                                          <p:stCondLst>
+                                            <p:cond delay="0"/>
+                                          </p:stCondLst>
+                                        </p:cTn>
+                                        <p:tgtEl>
+                                          <p:spTgt spid="4"/>
+                                        </p:tgtEl>
+                                        <p:attrNameLst>
+                                          <p:attrName>style.visibility</p:attrName>
+                                        </p:attrNameLst>
+                                      </p:cBhvr>
+                                      <p:to>
+                                        <p:strVal val="visible"/>
+                                      </p:to>
+                                    </p:set>
+                                    <p:animEffect transition="in" filter="fade">
+                                      <p:cBhvr>
+                                        <p:cTn id="18" dur="750"/>
+                                        <p:tgtEl>
+                                          <p:spTgt spid="4"/>
+                                        </p:tgtEl>
+                                      </p:cBhvr>
+                                    </p:animEffect>
+                                  </p:childTnLst>
+                                </p:cTn>
+                              </p:par>
+                            </p:childTnLst>
+                          </p:cTn>
+                        </p:par>
+                      </p:childTnLst>
+                    </p:cTn>
+                  </p:par>
+                  <p:par>
+                    <p:cTn id="19" fill="hold">
+                      <p:stCondLst>
+                        <p:cond delay="indefinite"/>
+                      </p:stCondLst>
+                      <p:childTnLst>
+                        <p:par>
+                          <p:cTn id="20" fill="hold">
+                            <p:stCondLst>
+                              <p:cond delay="0"/>
+                            </p:stCondLst>
+                            <p:childTnLst>
+                              <p:par>
+                                <p:cTn id="21" presetID="10" presetClass="exit" presetSubtype="0" fill="hold" grpId="1" nodeType="clickEffect">
+                                  <p:stCondLst>
+                                    <p:cond delay="0"/>
+                                  </p:stCondLst>
+                                  <p:childTnLst>
+                                    <p:animEffect transition="out" filter="fade">
+                                      <p:cBhvr>
+                                        <p:cTn id="22" dur="500"/>
+                                        <p:tgtEl>
+                                          <p:spTgt spid="2"/>
+                                        </p:tgtEl>
+                                      </p:cBhvr>
+                                    </p:animEffect>
+                                    <p:set>
+                                      <p:cBhvr>
+                                        <p:cTn id="23" dur="1" fill="hold">
+                                          <p:stCondLst>
+                                            <p:cond delay="499"/>
+                                          </p:stCondLst>
+                                        </p:cTn>
+                                        <p:tgtEl>
+                                          <p:spTgt spid="2"/>
+                                        </p:tgtEl>
+                                        <p:attrNameLst>
+                                          <p:attrName>style.visibility</p:attrName>
+                                        </p:attrNameLst>
+                                      </p:cBhvr>
+                                      <p:to>
+                                        <p:strVal val="hidden"/>
+                                      </p:to>
+                                    </p:set>
+                                  </p:childTnLst>
+                                </p:cTn>
+                              </p:par>
+                              <p:par>
+                                <p:cTn id="24" presetID="10" presetClass="exit" presetSubtype="0" fill="hold" grpId="1" nodeType="withEffect">
+                                  <p:stCondLst>
+                                    <p:cond delay="0"/>
+                                  </p:stCondLst>
+                                  <p:childTnLst>
+                                    <p:animEffect transition="out" filter="fade">
+                                      <p:cBhvr>
+                                        <p:cTn id="25" dur="500"/>
+                                        <p:tgtEl>
+                                          <p:spTgt spid="3">
+                                            <p:txEl>
+                                              <p:pRg st="0" end="0"/>
+                                            </p:txEl>
+                                          </p:spTgt>
+                                        </p:tgtEl>
+                                      </p:cBhvr>
+                                    </p:animEffect>
+                                    <p:set>
+                                      <p:cBhvr>
+                                        <p:cTn id="26" dur="1" fill="hold">
+                                          <p:stCondLst>
+                                            <p:cond delay="499"/>
+                                          </p:stCondLst>
+                                        </p:cTn>
+                                        <p:tgtEl>
+                                          <p:spTgt spid="3">
+                                            <p:txEl>
+                                              <p:pRg st="0" end="0"/>
+                                            </p:txEl>
+                                          </p:spTgt>
+                                        </p:tgtEl>
+                                        <p:attrNameLst>
+                                          <p:attrName>style.visibility</p:attrName>
+                                        </p:attrNameLst>
+                                      </p:cBhvr>
+                                      <p:to>
+                                        <p:strVal val="hidden"/>
+                                      </p:to>
+                                    </p:set>
+                                  </p:childTnLst>
+                                </p:cTn>
+                              </p:par>
+                              <p:par>
+                                <p:cTn id="27" presetID="10" presetClass="exit" presetSubtype="0" fill="hold" grpId="1" nodeType="withEffect">
+                                  <p:stCondLst>
+                                    <p:cond delay="0"/>
+                                  </p:stCondLst>
+                                  <p:childTnLst>
+                                    <p:animEffect transition="out" filter="fade">
+                                      <p:cBhvr>
+                                        <p:cTn id="28" dur="500"/>
+                                        <p:tgtEl>
+                                          <p:spTgt spid="3">
+                                            <p:txEl>
+                                              <p:pRg st="2" end="2"/>
+                                            </p:txEl>
+                                          </p:spTgt>
+                                        </p:tgtEl>
+                                      </p:cBhvr>
+                                    </p:animEffect>
+                                    <p:set>
+                                      <p:cBhvr>
+                                        <p:cTn id="29" dur="1" fill="hold">
+                                          <p:stCondLst>
+                                            <p:cond delay="499"/>
+                                          </p:stCondLst>
+                                        </p:cTn>
+                                        <p:tgtEl>
+                                          <p:spTgt spid="3">
+                                            <p:txEl>
+                                              <p:pRg st="2" end="2"/>
+                                            </p:txEl>
+                                          </p:spTgt>
+                                        </p:tgtEl>
+                                        <p:attrNameLst>
+                                          <p:attrName>style.visibility</p:attrName>
+                                        </p:attrNameLst>
+                                      </p:cBhvr>
+                                      <p:to>
+                                        <p:strVal val="hidden"/>
+                                      </p:to>
+                                    </p:set>
+                                  </p:childTnLst>
+                                </p:cTn>
+                              </p:par>
+                              <p:par>
+                                <p:cTn id="30" presetID="10" presetClass="exit" presetSubtype="0" fill="hold" grpId="1" nodeType="withEffect">
+                                  <p:stCondLst>
+                                    <p:cond delay="0"/>
+                                  </p:stCondLst>
+                                  <p:childTnLst>
+                                    <p:animEffect transition="out" filter="fade">
+                                      <p:cBhvr>
+                                        <p:cTn id="31" dur="500"/>
+                                        <p:tgtEl>
+                                          <p:spTgt spid="4"/>
+                                        </p:tgtEl>
+                                      </p:cBhvr>
+                                    </p:animEffect>
+                                    <p:set>
+                                      <p:cBhvr>
+                                        <p:cTn id="32" dur="1" fill="hold">
+                                          <p:stCondLst>
+                                            <p:cond delay="499"/>
+                                          </p:stCondLst>
+                                        </p:cTn>
+                                        <p:tgtEl>
+                                          <p:spTgt spid="4"/>
+                                        </p:tgtEl>
+                                        <p:attrNameLst>
+                                          <p:attrName>style.visibility</p:attrName>
+                                        </p:attrNameLst>
+                                      </p:cBhvr>
+                                      <p:to>
+                                        <p:strVal val="hidden"/>
+                                      </p:to>
+                                    </p:set>
+                                  </p:childTnLst>
+                                </p:cTn>
+                              </p:par>
+                            </p:childTnLst>
+                          </p:cTn>
+                        </p:par>
+                      </p:childTnLst>
+                    </p:cTn>
+                  </p:par>
+                </p:childTnLst>
+              </p:cTn>
+              <p:prevCondLst>
+                <p:cond evt="onPrev" delay="0">
+                  <p:tgtEl>
+                    <p:sldTgt/>
+                  </p:tgtEl>
+                </p:cond>
+              </p:prevCondLst>
+              <p:nextCondLst>
+                <p:cond evt="onNext" delay="0">
+                  <p:tgtEl>
+                    <p:sldTgt/>
+                  </p:tgtEl>
+                </p:cond>
+              </p:nextCondLst>
+            </p:seq>
+          </p:childTnLst>
+        </p:cTn>
+      </p:par>
+    </p:tnLst>
+    <p:bldLst>
+      <p:bldP spid="2" grpId="0"/>
+      <p:bldP spid="2" grpId="1"/>
+      <p:bldP spid="3" grpId="0" uiExpand="1" build="p"/>
+      <p:bldP spid="3" grpId="1" uiExpand="1" build="p"/>
+      <p:bldP spid="4" grpId="0"/>
+      <p:bldP spid="4" grpId="1"/>
+    </p:bldLst>
+  </p:timing>
 </p:sld>
 </file>
 
@@ -4528,14 +4947,9 @@
           <a:lstStyle/>
           <a:p>
             <a:r>
-              <a:rPr lang="it-IT" dirty="0"/>
-              <a:t>Application </a:t>
-            </a:r>
-            <a:r>
-              <a:rPr lang="it-IT" dirty="0" err="1"/>
-              <a:t>context</a:t>
-            </a:r>
-            <a:endParaRPr lang="it-IT" dirty="0"/>
+              <a:rPr lang="it-IT" b="1" dirty="0"/>
+              <a:t>APPLICATION CONTEXT</a:t>
+            </a:r>
           </a:p>
         </p:txBody>
       </p:sp>
@@ -4567,6 +4981,11 @@
           </a:bodyPr>
           <a:lstStyle/>
           <a:p>
+            <a:pPr>
+              <a:buBlip>
+                <a:blip r:embed="rId3"/>
+              </a:buBlip>
+            </a:pPr>
             <a:r>
               <a:rPr lang="it-IT" dirty="0" err="1"/>
               <a:t>Detecting</a:t>
@@ -4582,6 +5001,11 @@
             <a:endParaRPr lang="it-IT" dirty="0"/>
           </a:p>
           <a:p>
+            <a:pPr>
+              <a:buBlip>
+                <a:blip r:embed="rId3"/>
+              </a:buBlip>
+            </a:pPr>
             <a:r>
               <a:rPr lang="it-IT" dirty="0" err="1"/>
               <a:t>Communication</a:t>
@@ -4608,6 +5032,11 @@
             </a:r>
           </a:p>
           <a:p>
+            <a:pPr>
+              <a:buBlip>
+                <a:blip r:embed="rId3"/>
+              </a:buBlip>
+            </a:pPr>
             <a:r>
               <a:rPr lang="it-IT" dirty="0" err="1"/>
               <a:t>Evaluating</a:t>
@@ -4654,7 +5083,7 @@
         </p:nvSpPr>
         <p:spPr>
           <a:xfrm>
-            <a:off x="1371600" y="3265364"/>
+            <a:off x="2247900" y="3265539"/>
             <a:ext cx="9601200" cy="1485900"/>
           </a:xfrm>
           <a:prstGeom prst="rect">
@@ -4687,14 +5116,9 @@
           <a:p>
             <a:pPr algn="r"/>
             <a:r>
-              <a:rPr lang="it-IT" dirty="0"/>
-              <a:t>Clear </a:t>
-            </a:r>
-            <a:r>
-              <a:rPr lang="it-IT" dirty="0" err="1"/>
-              <a:t>requirements</a:t>
-            </a:r>
-            <a:endParaRPr lang="it-IT" dirty="0"/>
+              <a:rPr lang="it-IT" b="1" dirty="0"/>
+              <a:t>CLEAR REQUIREMENTS</a:t>
+            </a:r>
           </a:p>
         </p:txBody>
       </p:sp>
@@ -4917,6 +5341,11 @@
             </a:lvl9pPr>
           </a:lstStyle>
           <a:p>
+            <a:pPr>
+              <a:buBlip>
+                <a:blip r:embed="rId3"/>
+              </a:buBlip>
+            </a:pPr>
             <a:r>
               <a:rPr lang="it-IT" dirty="0" err="1"/>
               <a:t>Getting</a:t>
@@ -4932,6 +5361,11 @@
             <a:endParaRPr lang="it-IT" dirty="0"/>
           </a:p>
           <a:p>
+            <a:pPr>
+              <a:buBlip>
+                <a:blip r:embed="rId3"/>
+              </a:buBlip>
+            </a:pPr>
             <a:r>
               <a:rPr lang="it-IT" dirty="0" err="1"/>
               <a:t>Acting</a:t>
@@ -4947,6 +5381,11 @@
             <a:endParaRPr lang="it-IT" dirty="0"/>
           </a:p>
           <a:p>
+            <a:pPr>
+              <a:buBlip>
+                <a:blip r:embed="rId3"/>
+              </a:buBlip>
+            </a:pPr>
             <a:r>
               <a:rPr lang="it-IT" dirty="0" err="1"/>
               <a:t>Communication</a:t>
@@ -4954,6 +5393,11 @@
             <a:endParaRPr lang="it-IT" dirty="0"/>
           </a:p>
           <a:p>
+            <a:pPr>
+              <a:buBlip>
+                <a:blip r:embed="rId3"/>
+              </a:buBlip>
+            </a:pPr>
             <a:r>
               <a:rPr lang="it-IT" dirty="0" err="1"/>
               <a:t>Sleep</a:t>
@@ -4980,13 +5424,70 @@
             </a:r>
           </a:p>
           <a:p>
+            <a:pPr>
+              <a:buBlip>
+                <a:blip r:embed="rId3"/>
+              </a:buBlip>
+            </a:pPr>
             <a:endParaRPr lang="it-IT" dirty="0"/>
           </a:p>
           <a:p>
+            <a:pPr>
+              <a:buBlip>
+                <a:blip r:embed="rId3"/>
+              </a:buBlip>
+            </a:pPr>
             <a:endParaRPr lang="it-IT" dirty="0"/>
           </a:p>
         </p:txBody>
       </p:sp>
+      <p:pic>
+        <p:nvPicPr>
+          <p:cNvPr id="7" name="Picture 2" descr="WiFi LoRa 32(V3) – Heltec Automation">
+            <a:extLst>
+              <a:ext uri="{FF2B5EF4-FFF2-40B4-BE49-F238E27FC236}">
+                <a16:creationId xmlns:a16="http://schemas.microsoft.com/office/drawing/2014/main" id="{A447459B-9334-5572-95C5-74050779738E}"/>
+              </a:ext>
+            </a:extLst>
+          </p:cNvPr>
+          <p:cNvPicPr>
+            <a:picLocks noChangeAspect="1" noChangeArrowheads="1"/>
+          </p:cNvPicPr>
+          <p:nvPr/>
+        </p:nvPicPr>
+        <p:blipFill>
+          <a:blip r:embed="rId4" cstate="print">
+            <a:extLst>
+              <a:ext uri="{28A0092B-C50C-407E-A947-70E740481C1C}">
+                <a14:useLocalDpi xmlns:a14="http://schemas.microsoft.com/office/drawing/2010/main" val="0"/>
+              </a:ext>
+            </a:extLst>
+          </a:blip>
+          <a:srcRect/>
+          <a:stretch>
+            <a:fillRect/>
+          </a:stretch>
+        </p:blipFill>
+        <p:spPr bwMode="auto">
+          <a:xfrm rot="3591527">
+            <a:off x="2595441" y="3387612"/>
+            <a:ext cx="2352918" cy="2352918"/>
+          </a:xfrm>
+          <a:prstGeom prst="rect">
+            <a:avLst/>
+          </a:prstGeom>
+          <a:noFill/>
+          <a:extLst>
+            <a:ext uri="{909E8E84-426E-40DD-AFC4-6F175D3DCCD1}">
+              <a14:hiddenFill xmlns:a14="http://schemas.microsoft.com/office/drawing/2010/main">
+                <a:solidFill>
+                  <a:srgbClr val="FFFFFF"/>
+                </a:solidFill>
+              </a14:hiddenFill>
+            </a:ext>
+          </a:extLst>
+        </p:spPr>
+      </p:pic>
     </p:spTree>
     <p:extLst>
       <p:ext uri="{BB962C8B-B14F-4D97-AF65-F5344CB8AC3E}">
@@ -4997,6 +5498,989 @@
   <p:clrMapOvr>
     <a:masterClrMapping/>
   </p:clrMapOvr>
+  <mc:AlternateContent xmlns:mc="http://schemas.openxmlformats.org/markup-compatibility/2006">
+    <mc:Choice xmlns:p159="http://schemas.microsoft.com/office/powerpoint/2015/09/main" Requires="p159">
+      <p:transition xmlns:p14="http://schemas.microsoft.com/office/powerpoint/2010/main" spd="slow" p14:dur="2000">
+        <p159:morph option="byObject"/>
+      </p:transition>
+    </mc:Choice>
+    <mc:Fallback>
+      <p:transition spd="slow">
+        <p:fade/>
+      </p:transition>
+    </mc:Fallback>
+  </mc:AlternateContent>
+  <p:timing>
+    <p:tnLst>
+      <p:par>
+        <p:cTn id="1" dur="indefinite" restart="never" nodeType="tmRoot">
+          <p:childTnLst>
+            <p:seq concurrent="1" nextAc="seek">
+              <p:cTn id="2" dur="indefinite" nodeType="mainSeq">
+                <p:childTnLst>
+                  <p:par>
+                    <p:cTn id="3" fill="hold">
+                      <p:stCondLst>
+                        <p:cond delay="indefinite"/>
+                        <p:cond evt="onBegin" delay="0">
+                          <p:tn val="2"/>
+                        </p:cond>
+                      </p:stCondLst>
+                      <p:childTnLst>
+                        <p:par>
+                          <p:cTn id="4" fill="hold">
+                            <p:stCondLst>
+                              <p:cond delay="0"/>
+                            </p:stCondLst>
+                            <p:childTnLst>
+                              <p:par>
+                                <p:cTn id="5" presetID="10" presetClass="entr" presetSubtype="0" fill="hold" grpId="0" nodeType="afterEffect">
+                                  <p:stCondLst>
+                                    <p:cond delay="0"/>
+                                  </p:stCondLst>
+                                  <p:childTnLst>
+                                    <p:set>
+                                      <p:cBhvr>
+                                        <p:cTn id="6" dur="1" fill="hold">
+                                          <p:stCondLst>
+                                            <p:cond delay="0"/>
+                                          </p:stCondLst>
+                                        </p:cTn>
+                                        <p:tgtEl>
+                                          <p:spTgt spid="2"/>
+                                        </p:tgtEl>
+                                        <p:attrNameLst>
+                                          <p:attrName>style.visibility</p:attrName>
+                                        </p:attrNameLst>
+                                      </p:cBhvr>
+                                      <p:to>
+                                        <p:strVal val="visible"/>
+                                      </p:to>
+                                    </p:set>
+                                    <p:animEffect transition="in" filter="fade">
+                                      <p:cBhvr>
+                                        <p:cTn id="7" dur="750"/>
+                                        <p:tgtEl>
+                                          <p:spTgt spid="2"/>
+                                        </p:tgtEl>
+                                      </p:cBhvr>
+                                    </p:animEffect>
+                                  </p:childTnLst>
+                                </p:cTn>
+                              </p:par>
+                            </p:childTnLst>
+                          </p:cTn>
+                        </p:par>
+                        <p:par>
+                          <p:cTn id="8" fill="hold">
+                            <p:stCondLst>
+                              <p:cond delay="750"/>
+                            </p:stCondLst>
+                            <p:childTnLst>
+                              <p:par>
+                                <p:cTn id="9" presetID="10" presetClass="entr" presetSubtype="0" fill="hold" grpId="0" nodeType="afterEffect">
+                                  <p:stCondLst>
+                                    <p:cond delay="0"/>
+                                  </p:stCondLst>
+                                  <p:childTnLst>
+                                    <p:set>
+                                      <p:cBhvr>
+                                        <p:cTn id="10" dur="1" fill="hold">
+                                          <p:stCondLst>
+                                            <p:cond delay="0"/>
+                                          </p:stCondLst>
+                                        </p:cTn>
+                                        <p:tgtEl>
+                                          <p:spTgt spid="3">
+                                            <p:txEl>
+                                              <p:pRg st="0" end="0"/>
+                                            </p:txEl>
+                                          </p:spTgt>
+                                        </p:tgtEl>
+                                        <p:attrNameLst>
+                                          <p:attrName>style.visibility</p:attrName>
+                                        </p:attrNameLst>
+                                      </p:cBhvr>
+                                      <p:to>
+                                        <p:strVal val="visible"/>
+                                      </p:to>
+                                    </p:set>
+                                    <p:animEffect transition="in" filter="fade">
+                                      <p:cBhvr>
+                                        <p:cTn id="11" dur="500"/>
+                                        <p:tgtEl>
+                                          <p:spTgt spid="3">
+                                            <p:txEl>
+                                              <p:pRg st="0" end="0"/>
+                                            </p:txEl>
+                                          </p:spTgt>
+                                        </p:tgtEl>
+                                      </p:cBhvr>
+                                    </p:animEffect>
+                                  </p:childTnLst>
+                                </p:cTn>
+                              </p:par>
+                            </p:childTnLst>
+                          </p:cTn>
+                        </p:par>
+                        <p:par>
+                          <p:cTn id="12" fill="hold">
+                            <p:stCondLst>
+                              <p:cond delay="1250"/>
+                            </p:stCondLst>
+                            <p:childTnLst>
+                              <p:par>
+                                <p:cTn id="13" presetID="10" presetClass="entr" presetSubtype="0" fill="hold" grpId="0" nodeType="afterEffect">
+                                  <p:stCondLst>
+                                    <p:cond delay="0"/>
+                                  </p:stCondLst>
+                                  <p:childTnLst>
+                                    <p:set>
+                                      <p:cBhvr>
+                                        <p:cTn id="14" dur="1" fill="hold">
+                                          <p:stCondLst>
+                                            <p:cond delay="0"/>
+                                          </p:stCondLst>
+                                        </p:cTn>
+                                        <p:tgtEl>
+                                          <p:spTgt spid="3">
+                                            <p:txEl>
+                                              <p:pRg st="1" end="1"/>
+                                            </p:txEl>
+                                          </p:spTgt>
+                                        </p:tgtEl>
+                                        <p:attrNameLst>
+                                          <p:attrName>style.visibility</p:attrName>
+                                        </p:attrNameLst>
+                                      </p:cBhvr>
+                                      <p:to>
+                                        <p:strVal val="visible"/>
+                                      </p:to>
+                                    </p:set>
+                                    <p:animEffect transition="in" filter="fade">
+                                      <p:cBhvr>
+                                        <p:cTn id="15" dur="500"/>
+                                        <p:tgtEl>
+                                          <p:spTgt spid="3">
+                                            <p:txEl>
+                                              <p:pRg st="1" end="1"/>
+                                            </p:txEl>
+                                          </p:spTgt>
+                                        </p:tgtEl>
+                                      </p:cBhvr>
+                                    </p:animEffect>
+                                  </p:childTnLst>
+                                </p:cTn>
+                              </p:par>
+                            </p:childTnLst>
+                          </p:cTn>
+                        </p:par>
+                        <p:par>
+                          <p:cTn id="16" fill="hold">
+                            <p:stCondLst>
+                              <p:cond delay="1750"/>
+                            </p:stCondLst>
+                            <p:childTnLst>
+                              <p:par>
+                                <p:cTn id="17" presetID="10" presetClass="entr" presetSubtype="0" fill="hold" grpId="0" nodeType="afterEffect">
+                                  <p:stCondLst>
+                                    <p:cond delay="0"/>
+                                  </p:stCondLst>
+                                  <p:childTnLst>
+                                    <p:set>
+                                      <p:cBhvr>
+                                        <p:cTn id="18" dur="1" fill="hold">
+                                          <p:stCondLst>
+                                            <p:cond delay="0"/>
+                                          </p:stCondLst>
+                                        </p:cTn>
+                                        <p:tgtEl>
+                                          <p:spTgt spid="3">
+                                            <p:txEl>
+                                              <p:pRg st="2" end="2"/>
+                                            </p:txEl>
+                                          </p:spTgt>
+                                        </p:tgtEl>
+                                        <p:attrNameLst>
+                                          <p:attrName>style.visibility</p:attrName>
+                                        </p:attrNameLst>
+                                      </p:cBhvr>
+                                      <p:to>
+                                        <p:strVal val="visible"/>
+                                      </p:to>
+                                    </p:set>
+                                    <p:animEffect transition="in" filter="fade">
+                                      <p:cBhvr>
+                                        <p:cTn id="19" dur="500"/>
+                                        <p:tgtEl>
+                                          <p:spTgt spid="3">
+                                            <p:txEl>
+                                              <p:pRg st="2" end="2"/>
+                                            </p:txEl>
+                                          </p:spTgt>
+                                        </p:tgtEl>
+                                      </p:cBhvr>
+                                    </p:animEffect>
+                                  </p:childTnLst>
+                                </p:cTn>
+                              </p:par>
+                            </p:childTnLst>
+                          </p:cTn>
+                        </p:par>
+                        <p:par>
+                          <p:cTn id="20" fill="hold">
+                            <p:stCondLst>
+                              <p:cond delay="2250"/>
+                            </p:stCondLst>
+                            <p:childTnLst>
+                              <p:par>
+                                <p:cTn id="21" presetID="10" presetClass="entr" presetSubtype="0" fill="hold" nodeType="afterEffect">
+                                  <p:stCondLst>
+                                    <p:cond delay="0"/>
+                                  </p:stCondLst>
+                                  <p:childTnLst>
+                                    <p:set>
+                                      <p:cBhvr>
+                                        <p:cTn id="22" dur="1" fill="hold">
+                                          <p:stCondLst>
+                                            <p:cond delay="0"/>
+                                          </p:stCondLst>
+                                        </p:cTn>
+                                        <p:tgtEl>
+                                          <p:spTgt spid="7"/>
+                                        </p:tgtEl>
+                                        <p:attrNameLst>
+                                          <p:attrName>style.visibility</p:attrName>
+                                        </p:attrNameLst>
+                                      </p:cBhvr>
+                                      <p:to>
+                                        <p:strVal val="visible"/>
+                                      </p:to>
+                                    </p:set>
+                                    <p:animEffect transition="in" filter="fade">
+                                      <p:cBhvr>
+                                        <p:cTn id="23" dur="500"/>
+                                        <p:tgtEl>
+                                          <p:spTgt spid="7"/>
+                                        </p:tgtEl>
+                                      </p:cBhvr>
+                                    </p:animEffect>
+                                  </p:childTnLst>
+                                </p:cTn>
+                              </p:par>
+                            </p:childTnLst>
+                          </p:cTn>
+                        </p:par>
+                        <p:par>
+                          <p:cTn id="24" fill="hold">
+                            <p:stCondLst>
+                              <p:cond delay="2750"/>
+                            </p:stCondLst>
+                            <p:childTnLst>
+                              <p:par>
+                                <p:cTn id="25" presetID="10" presetClass="entr" presetSubtype="0" fill="hold" grpId="0" nodeType="afterEffect">
+                                  <p:stCondLst>
+                                    <p:cond delay="0"/>
+                                  </p:stCondLst>
+                                  <p:childTnLst>
+                                    <p:set>
+                                      <p:cBhvr>
+                                        <p:cTn id="26" dur="1" fill="hold">
+                                          <p:stCondLst>
+                                            <p:cond delay="0"/>
+                                          </p:stCondLst>
+                                        </p:cTn>
+                                        <p:tgtEl>
+                                          <p:spTgt spid="4"/>
+                                        </p:tgtEl>
+                                        <p:attrNameLst>
+                                          <p:attrName>style.visibility</p:attrName>
+                                        </p:attrNameLst>
+                                      </p:cBhvr>
+                                      <p:to>
+                                        <p:strVal val="visible"/>
+                                      </p:to>
+                                    </p:set>
+                                    <p:animEffect transition="in" filter="fade">
+                                      <p:cBhvr>
+                                        <p:cTn id="27" dur="750"/>
+                                        <p:tgtEl>
+                                          <p:spTgt spid="4"/>
+                                        </p:tgtEl>
+                                      </p:cBhvr>
+                                    </p:animEffect>
+                                  </p:childTnLst>
+                                </p:cTn>
+                              </p:par>
+                            </p:childTnLst>
+                          </p:cTn>
+                        </p:par>
+                        <p:par>
+                          <p:cTn id="28" fill="hold">
+                            <p:stCondLst>
+                              <p:cond delay="3500"/>
+                            </p:stCondLst>
+                            <p:childTnLst>
+                              <p:par>
+                                <p:cTn id="29" presetID="10" presetClass="entr" presetSubtype="0" fill="hold" nodeType="afterEffect">
+                                  <p:stCondLst>
+                                    <p:cond delay="0"/>
+                                  </p:stCondLst>
+                                  <p:childTnLst>
+                                    <p:set>
+                                      <p:cBhvr>
+                                        <p:cTn id="30" dur="1" fill="hold">
+                                          <p:stCondLst>
+                                            <p:cond delay="0"/>
+                                          </p:stCondLst>
+                                        </p:cTn>
+                                        <p:tgtEl>
+                                          <p:spTgt spid="6">
+                                            <p:txEl>
+                                              <p:pRg st="0" end="0"/>
+                                            </p:txEl>
+                                          </p:spTgt>
+                                        </p:tgtEl>
+                                        <p:attrNameLst>
+                                          <p:attrName>style.visibility</p:attrName>
+                                        </p:attrNameLst>
+                                      </p:cBhvr>
+                                      <p:to>
+                                        <p:strVal val="visible"/>
+                                      </p:to>
+                                    </p:set>
+                                    <p:animEffect transition="in" filter="fade">
+                                      <p:cBhvr>
+                                        <p:cTn id="31" dur="500"/>
+                                        <p:tgtEl>
+                                          <p:spTgt spid="6">
+                                            <p:txEl>
+                                              <p:pRg st="0" end="0"/>
+                                            </p:txEl>
+                                          </p:spTgt>
+                                        </p:tgtEl>
+                                      </p:cBhvr>
+                                    </p:animEffect>
+                                  </p:childTnLst>
+                                </p:cTn>
+                              </p:par>
+                            </p:childTnLst>
+                          </p:cTn>
+                        </p:par>
+                        <p:par>
+                          <p:cTn id="32" fill="hold">
+                            <p:stCondLst>
+                              <p:cond delay="4000"/>
+                            </p:stCondLst>
+                            <p:childTnLst>
+                              <p:par>
+                                <p:cTn id="33" presetID="10" presetClass="entr" presetSubtype="0" fill="hold" nodeType="afterEffect">
+                                  <p:stCondLst>
+                                    <p:cond delay="0"/>
+                                  </p:stCondLst>
+                                  <p:childTnLst>
+                                    <p:set>
+                                      <p:cBhvr>
+                                        <p:cTn id="34" dur="1" fill="hold">
+                                          <p:stCondLst>
+                                            <p:cond delay="0"/>
+                                          </p:stCondLst>
+                                        </p:cTn>
+                                        <p:tgtEl>
+                                          <p:spTgt spid="6">
+                                            <p:txEl>
+                                              <p:pRg st="1" end="1"/>
+                                            </p:txEl>
+                                          </p:spTgt>
+                                        </p:tgtEl>
+                                        <p:attrNameLst>
+                                          <p:attrName>style.visibility</p:attrName>
+                                        </p:attrNameLst>
+                                      </p:cBhvr>
+                                      <p:to>
+                                        <p:strVal val="visible"/>
+                                      </p:to>
+                                    </p:set>
+                                    <p:animEffect transition="in" filter="fade">
+                                      <p:cBhvr>
+                                        <p:cTn id="35" dur="500"/>
+                                        <p:tgtEl>
+                                          <p:spTgt spid="6">
+                                            <p:txEl>
+                                              <p:pRg st="1" end="1"/>
+                                            </p:txEl>
+                                          </p:spTgt>
+                                        </p:tgtEl>
+                                      </p:cBhvr>
+                                    </p:animEffect>
+                                  </p:childTnLst>
+                                </p:cTn>
+                              </p:par>
+                            </p:childTnLst>
+                          </p:cTn>
+                        </p:par>
+                        <p:par>
+                          <p:cTn id="36" fill="hold">
+                            <p:stCondLst>
+                              <p:cond delay="4500"/>
+                            </p:stCondLst>
+                            <p:childTnLst>
+                              <p:par>
+                                <p:cTn id="37" presetID="10" presetClass="entr" presetSubtype="0" fill="hold" nodeType="afterEffect">
+                                  <p:stCondLst>
+                                    <p:cond delay="0"/>
+                                  </p:stCondLst>
+                                  <p:childTnLst>
+                                    <p:set>
+                                      <p:cBhvr>
+                                        <p:cTn id="38" dur="1" fill="hold">
+                                          <p:stCondLst>
+                                            <p:cond delay="0"/>
+                                          </p:stCondLst>
+                                        </p:cTn>
+                                        <p:tgtEl>
+                                          <p:spTgt spid="6">
+                                            <p:txEl>
+                                              <p:pRg st="2" end="2"/>
+                                            </p:txEl>
+                                          </p:spTgt>
+                                        </p:tgtEl>
+                                        <p:attrNameLst>
+                                          <p:attrName>style.visibility</p:attrName>
+                                        </p:attrNameLst>
+                                      </p:cBhvr>
+                                      <p:to>
+                                        <p:strVal val="visible"/>
+                                      </p:to>
+                                    </p:set>
+                                    <p:animEffect transition="in" filter="fade">
+                                      <p:cBhvr>
+                                        <p:cTn id="39" dur="500"/>
+                                        <p:tgtEl>
+                                          <p:spTgt spid="6">
+                                            <p:txEl>
+                                              <p:pRg st="2" end="2"/>
+                                            </p:txEl>
+                                          </p:spTgt>
+                                        </p:tgtEl>
+                                      </p:cBhvr>
+                                    </p:animEffect>
+                                  </p:childTnLst>
+                                </p:cTn>
+                              </p:par>
+                            </p:childTnLst>
+                          </p:cTn>
+                        </p:par>
+                        <p:par>
+                          <p:cTn id="40" fill="hold">
+                            <p:stCondLst>
+                              <p:cond delay="5000"/>
+                            </p:stCondLst>
+                            <p:childTnLst>
+                              <p:par>
+                                <p:cTn id="41" presetID="10" presetClass="entr" presetSubtype="0" fill="hold" nodeType="afterEffect">
+                                  <p:stCondLst>
+                                    <p:cond delay="0"/>
+                                  </p:stCondLst>
+                                  <p:childTnLst>
+                                    <p:set>
+                                      <p:cBhvr>
+                                        <p:cTn id="42" dur="1" fill="hold">
+                                          <p:stCondLst>
+                                            <p:cond delay="0"/>
+                                          </p:stCondLst>
+                                        </p:cTn>
+                                        <p:tgtEl>
+                                          <p:spTgt spid="6">
+                                            <p:txEl>
+                                              <p:pRg st="3" end="3"/>
+                                            </p:txEl>
+                                          </p:spTgt>
+                                        </p:tgtEl>
+                                        <p:attrNameLst>
+                                          <p:attrName>style.visibility</p:attrName>
+                                        </p:attrNameLst>
+                                      </p:cBhvr>
+                                      <p:to>
+                                        <p:strVal val="visible"/>
+                                      </p:to>
+                                    </p:set>
+                                    <p:animEffect transition="in" filter="fade">
+                                      <p:cBhvr>
+                                        <p:cTn id="43" dur="500"/>
+                                        <p:tgtEl>
+                                          <p:spTgt spid="6">
+                                            <p:txEl>
+                                              <p:pRg st="3" end="3"/>
+                                            </p:txEl>
+                                          </p:spTgt>
+                                        </p:tgtEl>
+                                      </p:cBhvr>
+                                    </p:animEffect>
+                                  </p:childTnLst>
+                                </p:cTn>
+                              </p:par>
+                            </p:childTnLst>
+                          </p:cTn>
+                        </p:par>
+                      </p:childTnLst>
+                    </p:cTn>
+                  </p:par>
+                  <p:par>
+                    <p:cTn id="44" fill="hold">
+                      <p:stCondLst>
+                        <p:cond delay="indefinite"/>
+                      </p:stCondLst>
+                      <p:childTnLst>
+                        <p:par>
+                          <p:cTn id="45" fill="hold">
+                            <p:stCondLst>
+                              <p:cond delay="0"/>
+                            </p:stCondLst>
+                            <p:childTnLst>
+                              <p:par>
+                                <p:cTn id="46" presetID="10" presetClass="exit" presetSubtype="0" fill="hold" grpId="1" nodeType="clickEffect">
+                                  <p:stCondLst>
+                                    <p:cond delay="0"/>
+                                  </p:stCondLst>
+                                  <p:childTnLst>
+                                    <p:animEffect transition="out" filter="fade">
+                                      <p:cBhvr>
+                                        <p:cTn id="47" dur="500"/>
+                                        <p:tgtEl>
+                                          <p:spTgt spid="2"/>
+                                        </p:tgtEl>
+                                      </p:cBhvr>
+                                    </p:animEffect>
+                                    <p:set>
+                                      <p:cBhvr>
+                                        <p:cTn id="48" dur="1" fill="hold">
+                                          <p:stCondLst>
+                                            <p:cond delay="499"/>
+                                          </p:stCondLst>
+                                        </p:cTn>
+                                        <p:tgtEl>
+                                          <p:spTgt spid="2"/>
+                                        </p:tgtEl>
+                                        <p:attrNameLst>
+                                          <p:attrName>style.visibility</p:attrName>
+                                        </p:attrNameLst>
+                                      </p:cBhvr>
+                                      <p:to>
+                                        <p:strVal val="hidden"/>
+                                      </p:to>
+                                    </p:set>
+                                  </p:childTnLst>
+                                </p:cTn>
+                              </p:par>
+                              <p:par>
+                                <p:cTn id="49" presetID="10" presetClass="exit" presetSubtype="0" fill="hold" grpId="1" nodeType="withEffect">
+                                  <p:stCondLst>
+                                    <p:cond delay="0"/>
+                                  </p:stCondLst>
+                                  <p:childTnLst>
+                                    <p:animEffect transition="out" filter="fade">
+                                      <p:cBhvr>
+                                        <p:cTn id="50" dur="500"/>
+                                        <p:tgtEl>
+                                          <p:spTgt spid="3">
+                                            <p:txEl>
+                                              <p:pRg st="0" end="0"/>
+                                            </p:txEl>
+                                          </p:spTgt>
+                                        </p:tgtEl>
+                                      </p:cBhvr>
+                                    </p:animEffect>
+                                    <p:set>
+                                      <p:cBhvr>
+                                        <p:cTn id="51" dur="1" fill="hold">
+                                          <p:stCondLst>
+                                            <p:cond delay="499"/>
+                                          </p:stCondLst>
+                                        </p:cTn>
+                                        <p:tgtEl>
+                                          <p:spTgt spid="3">
+                                            <p:txEl>
+                                              <p:pRg st="0" end="0"/>
+                                            </p:txEl>
+                                          </p:spTgt>
+                                        </p:tgtEl>
+                                        <p:attrNameLst>
+                                          <p:attrName>style.visibility</p:attrName>
+                                        </p:attrNameLst>
+                                      </p:cBhvr>
+                                      <p:to>
+                                        <p:strVal val="hidden"/>
+                                      </p:to>
+                                    </p:set>
+                                  </p:childTnLst>
+                                </p:cTn>
+                              </p:par>
+                              <p:par>
+                                <p:cTn id="52" presetID="10" presetClass="exit" presetSubtype="0" fill="hold" grpId="1" nodeType="withEffect">
+                                  <p:stCondLst>
+                                    <p:cond delay="0"/>
+                                  </p:stCondLst>
+                                  <p:childTnLst>
+                                    <p:animEffect transition="out" filter="fade">
+                                      <p:cBhvr>
+                                        <p:cTn id="53" dur="500"/>
+                                        <p:tgtEl>
+                                          <p:spTgt spid="3">
+                                            <p:txEl>
+                                              <p:pRg st="1" end="1"/>
+                                            </p:txEl>
+                                          </p:spTgt>
+                                        </p:tgtEl>
+                                      </p:cBhvr>
+                                    </p:animEffect>
+                                    <p:set>
+                                      <p:cBhvr>
+                                        <p:cTn id="54" dur="1" fill="hold">
+                                          <p:stCondLst>
+                                            <p:cond delay="499"/>
+                                          </p:stCondLst>
+                                        </p:cTn>
+                                        <p:tgtEl>
+                                          <p:spTgt spid="3">
+                                            <p:txEl>
+                                              <p:pRg st="1" end="1"/>
+                                            </p:txEl>
+                                          </p:spTgt>
+                                        </p:tgtEl>
+                                        <p:attrNameLst>
+                                          <p:attrName>style.visibility</p:attrName>
+                                        </p:attrNameLst>
+                                      </p:cBhvr>
+                                      <p:to>
+                                        <p:strVal val="hidden"/>
+                                      </p:to>
+                                    </p:set>
+                                  </p:childTnLst>
+                                </p:cTn>
+                              </p:par>
+                              <p:par>
+                                <p:cTn id="55" presetID="10" presetClass="exit" presetSubtype="0" fill="hold" grpId="1" nodeType="withEffect">
+                                  <p:stCondLst>
+                                    <p:cond delay="0"/>
+                                  </p:stCondLst>
+                                  <p:childTnLst>
+                                    <p:animEffect transition="out" filter="fade">
+                                      <p:cBhvr>
+                                        <p:cTn id="56" dur="500"/>
+                                        <p:tgtEl>
+                                          <p:spTgt spid="3">
+                                            <p:txEl>
+                                              <p:pRg st="2" end="2"/>
+                                            </p:txEl>
+                                          </p:spTgt>
+                                        </p:tgtEl>
+                                      </p:cBhvr>
+                                    </p:animEffect>
+                                    <p:set>
+                                      <p:cBhvr>
+                                        <p:cTn id="57" dur="1" fill="hold">
+                                          <p:stCondLst>
+                                            <p:cond delay="499"/>
+                                          </p:stCondLst>
+                                        </p:cTn>
+                                        <p:tgtEl>
+                                          <p:spTgt spid="3">
+                                            <p:txEl>
+                                              <p:pRg st="2" end="2"/>
+                                            </p:txEl>
+                                          </p:spTgt>
+                                        </p:tgtEl>
+                                        <p:attrNameLst>
+                                          <p:attrName>style.visibility</p:attrName>
+                                        </p:attrNameLst>
+                                      </p:cBhvr>
+                                      <p:to>
+                                        <p:strVal val="hidden"/>
+                                      </p:to>
+                                    </p:set>
+                                  </p:childTnLst>
+                                </p:cTn>
+                              </p:par>
+                              <p:par>
+                                <p:cTn id="58" presetID="10" presetClass="exit" presetSubtype="0" fill="hold" nodeType="withEffect">
+                                  <p:stCondLst>
+                                    <p:cond delay="0"/>
+                                  </p:stCondLst>
+                                  <p:childTnLst>
+                                    <p:animEffect transition="out" filter="fade">
+                                      <p:cBhvr>
+                                        <p:cTn id="59" dur="500"/>
+                                        <p:tgtEl>
+                                          <p:spTgt spid="7"/>
+                                        </p:tgtEl>
+                                      </p:cBhvr>
+                                    </p:animEffect>
+                                    <p:set>
+                                      <p:cBhvr>
+                                        <p:cTn id="60" dur="1" fill="hold">
+                                          <p:stCondLst>
+                                            <p:cond delay="499"/>
+                                          </p:stCondLst>
+                                        </p:cTn>
+                                        <p:tgtEl>
+                                          <p:spTgt spid="7"/>
+                                        </p:tgtEl>
+                                        <p:attrNameLst>
+                                          <p:attrName>style.visibility</p:attrName>
+                                        </p:attrNameLst>
+                                      </p:cBhvr>
+                                      <p:to>
+                                        <p:strVal val="hidden"/>
+                                      </p:to>
+                                    </p:set>
+                                  </p:childTnLst>
+                                </p:cTn>
+                              </p:par>
+                              <p:par>
+                                <p:cTn id="61" presetID="10" presetClass="exit" presetSubtype="0" fill="hold" grpId="1" nodeType="withEffect">
+                                  <p:stCondLst>
+                                    <p:cond delay="0"/>
+                                  </p:stCondLst>
+                                  <p:childTnLst>
+                                    <p:animEffect transition="out" filter="fade">
+                                      <p:cBhvr>
+                                        <p:cTn id="62" dur="500"/>
+                                        <p:tgtEl>
+                                          <p:spTgt spid="4"/>
+                                        </p:tgtEl>
+                                      </p:cBhvr>
+                                    </p:animEffect>
+                                    <p:set>
+                                      <p:cBhvr>
+                                        <p:cTn id="63" dur="1" fill="hold">
+                                          <p:stCondLst>
+                                            <p:cond delay="499"/>
+                                          </p:stCondLst>
+                                        </p:cTn>
+                                        <p:tgtEl>
+                                          <p:spTgt spid="4"/>
+                                        </p:tgtEl>
+                                        <p:attrNameLst>
+                                          <p:attrName>style.visibility</p:attrName>
+                                        </p:attrNameLst>
+                                      </p:cBhvr>
+                                      <p:to>
+                                        <p:strVal val="hidden"/>
+                                      </p:to>
+                                    </p:set>
+                                  </p:childTnLst>
+                                </p:cTn>
+                              </p:par>
+                              <p:par>
+                                <p:cTn id="64" presetID="10" presetClass="exit" presetSubtype="0" fill="hold" grpId="0" nodeType="withEffect">
+                                  <p:stCondLst>
+                                    <p:cond delay="0"/>
+                                  </p:stCondLst>
+                                  <p:childTnLst>
+                                    <p:animEffect transition="out" filter="fade">
+                                      <p:cBhvr>
+                                        <p:cTn id="65" dur="500"/>
+                                        <p:tgtEl>
+                                          <p:spTgt spid="6">
+                                            <p:txEl>
+                                              <p:pRg st="0" end="0"/>
+                                            </p:txEl>
+                                          </p:spTgt>
+                                        </p:tgtEl>
+                                      </p:cBhvr>
+                                    </p:animEffect>
+                                    <p:set>
+                                      <p:cBhvr>
+                                        <p:cTn id="66" dur="1" fill="hold">
+                                          <p:stCondLst>
+                                            <p:cond delay="499"/>
+                                          </p:stCondLst>
+                                        </p:cTn>
+                                        <p:tgtEl>
+                                          <p:spTgt spid="6">
+                                            <p:txEl>
+                                              <p:pRg st="0" end="0"/>
+                                            </p:txEl>
+                                          </p:spTgt>
+                                        </p:tgtEl>
+                                        <p:attrNameLst>
+                                          <p:attrName>style.visibility</p:attrName>
+                                        </p:attrNameLst>
+                                      </p:cBhvr>
+                                      <p:to>
+                                        <p:strVal val="hidden"/>
+                                      </p:to>
+                                    </p:set>
+                                  </p:childTnLst>
+                                </p:cTn>
+                              </p:par>
+                              <p:par>
+                                <p:cTn id="67" presetID="10" presetClass="exit" presetSubtype="0" fill="hold" grpId="0" nodeType="withEffect">
+                                  <p:stCondLst>
+                                    <p:cond delay="0"/>
+                                  </p:stCondLst>
+                                  <p:childTnLst>
+                                    <p:animEffect transition="out" filter="fade">
+                                      <p:cBhvr>
+                                        <p:cTn id="68" dur="500"/>
+                                        <p:tgtEl>
+                                          <p:spTgt spid="6">
+                                            <p:txEl>
+                                              <p:pRg st="1" end="1"/>
+                                            </p:txEl>
+                                          </p:spTgt>
+                                        </p:tgtEl>
+                                      </p:cBhvr>
+                                    </p:animEffect>
+                                    <p:set>
+                                      <p:cBhvr>
+                                        <p:cTn id="69" dur="1" fill="hold">
+                                          <p:stCondLst>
+                                            <p:cond delay="499"/>
+                                          </p:stCondLst>
+                                        </p:cTn>
+                                        <p:tgtEl>
+                                          <p:spTgt spid="6">
+                                            <p:txEl>
+                                              <p:pRg st="1" end="1"/>
+                                            </p:txEl>
+                                          </p:spTgt>
+                                        </p:tgtEl>
+                                        <p:attrNameLst>
+                                          <p:attrName>style.visibility</p:attrName>
+                                        </p:attrNameLst>
+                                      </p:cBhvr>
+                                      <p:to>
+                                        <p:strVal val="hidden"/>
+                                      </p:to>
+                                    </p:set>
+                                  </p:childTnLst>
+                                </p:cTn>
+                              </p:par>
+                              <p:par>
+                                <p:cTn id="70" presetID="10" presetClass="exit" presetSubtype="0" fill="hold" grpId="0" nodeType="withEffect">
+                                  <p:stCondLst>
+                                    <p:cond delay="0"/>
+                                  </p:stCondLst>
+                                  <p:childTnLst>
+                                    <p:animEffect transition="out" filter="fade">
+                                      <p:cBhvr>
+                                        <p:cTn id="71" dur="500"/>
+                                        <p:tgtEl>
+                                          <p:spTgt spid="6">
+                                            <p:txEl>
+                                              <p:pRg st="2" end="2"/>
+                                            </p:txEl>
+                                          </p:spTgt>
+                                        </p:tgtEl>
+                                      </p:cBhvr>
+                                    </p:animEffect>
+                                    <p:set>
+                                      <p:cBhvr>
+                                        <p:cTn id="72" dur="1" fill="hold">
+                                          <p:stCondLst>
+                                            <p:cond delay="499"/>
+                                          </p:stCondLst>
+                                        </p:cTn>
+                                        <p:tgtEl>
+                                          <p:spTgt spid="6">
+                                            <p:txEl>
+                                              <p:pRg st="2" end="2"/>
+                                            </p:txEl>
+                                          </p:spTgt>
+                                        </p:tgtEl>
+                                        <p:attrNameLst>
+                                          <p:attrName>style.visibility</p:attrName>
+                                        </p:attrNameLst>
+                                      </p:cBhvr>
+                                      <p:to>
+                                        <p:strVal val="hidden"/>
+                                      </p:to>
+                                    </p:set>
+                                  </p:childTnLst>
+                                </p:cTn>
+                              </p:par>
+                              <p:par>
+                                <p:cTn id="73" presetID="10" presetClass="exit" presetSubtype="0" fill="hold" grpId="0" nodeType="withEffect">
+                                  <p:stCondLst>
+                                    <p:cond delay="0"/>
+                                  </p:stCondLst>
+                                  <p:childTnLst>
+                                    <p:animEffect transition="out" filter="fade">
+                                      <p:cBhvr>
+                                        <p:cTn id="74" dur="500"/>
+                                        <p:tgtEl>
+                                          <p:spTgt spid="6">
+                                            <p:txEl>
+                                              <p:pRg st="3" end="3"/>
+                                            </p:txEl>
+                                          </p:spTgt>
+                                        </p:tgtEl>
+                                      </p:cBhvr>
+                                    </p:animEffect>
+                                    <p:set>
+                                      <p:cBhvr>
+                                        <p:cTn id="75" dur="1" fill="hold">
+                                          <p:stCondLst>
+                                            <p:cond delay="499"/>
+                                          </p:stCondLst>
+                                        </p:cTn>
+                                        <p:tgtEl>
+                                          <p:spTgt spid="6">
+                                            <p:txEl>
+                                              <p:pRg st="3" end="3"/>
+                                            </p:txEl>
+                                          </p:spTgt>
+                                        </p:tgtEl>
+                                        <p:attrNameLst>
+                                          <p:attrName>style.visibility</p:attrName>
+                                        </p:attrNameLst>
+                                      </p:cBhvr>
+                                      <p:to>
+                                        <p:strVal val="hidden"/>
+                                      </p:to>
+                                    </p:set>
+                                  </p:childTnLst>
+                                </p:cTn>
+                              </p:par>
+                            </p:childTnLst>
+                          </p:cTn>
+                        </p:par>
+                      </p:childTnLst>
+                    </p:cTn>
+                  </p:par>
+                </p:childTnLst>
+              </p:cTn>
+              <p:prevCondLst>
+                <p:cond evt="onPrev" delay="0">
+                  <p:tgtEl>
+                    <p:sldTgt/>
+                  </p:tgtEl>
+                </p:cond>
+              </p:prevCondLst>
+              <p:nextCondLst>
+                <p:cond evt="onNext" delay="0">
+                  <p:tgtEl>
+                    <p:sldTgt/>
+                  </p:tgtEl>
+                </p:cond>
+              </p:nextCondLst>
+            </p:seq>
+          </p:childTnLst>
+        </p:cTn>
+      </p:par>
+    </p:tnLst>
+    <p:bldLst>
+      <p:bldP spid="2" grpId="0"/>
+      <p:bldP spid="2" grpId="1"/>
+      <p:bldP spid="3" grpId="0" build="p"/>
+      <p:bldP spid="3" grpId="1" build="p"/>
+      <p:bldP spid="4" grpId="0"/>
+      <p:bldP spid="4" grpId="1"/>
+      <p:bldP spid="6" grpId="0" build="allAtOnce"/>
+    </p:bldLst>
+  </p:timing>
 </p:sld>
 </file>
 
@@ -5054,18 +6538,9 @@
           <a:lstStyle/>
           <a:p>
             <a:r>
-              <a:rPr lang="it-IT" dirty="0" err="1"/>
-              <a:t>Sensors</a:t>
-            </a:r>
-            <a:r>
-              <a:rPr lang="it-IT" dirty="0"/>
-              <a:t> and </a:t>
-            </a:r>
-            <a:r>
-              <a:rPr lang="it-IT" dirty="0" err="1"/>
-              <a:t>actuators</a:t>
-            </a:r>
-            <a:endParaRPr lang="it-IT" dirty="0"/>
+              <a:rPr lang="it-IT" b="1" dirty="0"/>
+              <a:t>SENSORS				   ACTUATORS</a:t>
+            </a:r>
           </a:p>
         </p:txBody>
       </p:sp>
@@ -5097,6 +6572,11 @@
           </a:bodyPr>
           <a:lstStyle/>
           <a:p>
+            <a:pPr>
+              <a:buBlip>
+                <a:blip r:embed="rId3"/>
+              </a:buBlip>
+            </a:pPr>
             <a:r>
               <a:rPr lang="it-IT" dirty="0"/>
               <a:t>MQ-2  - air </a:t>
@@ -5108,6 +6588,11 @@
             <a:endParaRPr lang="it-IT" dirty="0"/>
           </a:p>
           <a:p>
+            <a:pPr>
+              <a:buBlip>
+                <a:blip r:embed="rId3"/>
+              </a:buBlip>
+            </a:pPr>
             <a:r>
               <a:rPr lang="it-IT" dirty="0" err="1"/>
               <a:t>Microphone</a:t>
@@ -5115,12 +6600,413 @@
             <a:endParaRPr lang="it-IT" dirty="0"/>
           </a:p>
           <a:p>
+            <a:pPr marL="0" indent="0">
+              <a:buNone/>
+            </a:pPr>
+            <a:endParaRPr lang="it-IT" dirty="0"/>
+          </a:p>
+          <a:p>
+            <a:pPr>
+              <a:buBlip>
+                <a:blip r:embed="rId3"/>
+              </a:buBlip>
+            </a:pPr>
+            <a:endParaRPr lang="it-IT" dirty="0"/>
+          </a:p>
+        </p:txBody>
+      </p:sp>
+      <p:pic>
+        <p:nvPicPr>
+          <p:cNvPr id="4" name="Immagine 3" descr="Immagine che contiene elettronica, Componente di circuito, Componente elettrico, Componente di circuito passivo&#10;&#10;Descrizione generata automaticamente">
+            <a:extLst>
+              <a:ext uri="{FF2B5EF4-FFF2-40B4-BE49-F238E27FC236}">
+                <a16:creationId xmlns:a16="http://schemas.microsoft.com/office/drawing/2014/main" id="{4A69BB95-DE9F-81C2-63D2-B184C5BD98BA}"/>
+              </a:ext>
+            </a:extLst>
+          </p:cNvPr>
+          <p:cNvPicPr>
+            <a:picLocks noChangeAspect="1"/>
+          </p:cNvPicPr>
+          <p:nvPr/>
+        </p:nvPicPr>
+        <p:blipFill>
+          <a:blip r:embed="rId4" cstate="print">
+            <a:extLst>
+              <a:ext uri="{28A0092B-C50C-407E-A947-70E740481C1C}">
+                <a14:useLocalDpi xmlns:a14="http://schemas.microsoft.com/office/drawing/2010/main" val="0"/>
+              </a:ext>
+            </a:extLst>
+          </a:blip>
+          <a:stretch>
+            <a:fillRect/>
+          </a:stretch>
+        </p:blipFill>
+        <p:spPr>
+          <a:xfrm>
+            <a:off x="862861" y="4506502"/>
+            <a:ext cx="3000047" cy="1665698"/>
+          </a:xfrm>
+          <a:prstGeom prst="rect">
+            <a:avLst/>
+          </a:prstGeom>
+        </p:spPr>
+      </p:pic>
+      <p:pic>
+        <p:nvPicPr>
+          <p:cNvPr id="5" name="Immagine 4" descr="Immagine che contiene elettronica, altoparlante&#10;&#10;Descrizione generata automaticamente">
+            <a:extLst>
+              <a:ext uri="{FF2B5EF4-FFF2-40B4-BE49-F238E27FC236}">
+                <a16:creationId xmlns:a16="http://schemas.microsoft.com/office/drawing/2014/main" id="{8F8D62E7-4C20-E1C9-E413-D744FDF41B9C}"/>
+              </a:ext>
+            </a:extLst>
+          </p:cNvPr>
+          <p:cNvPicPr>
+            <a:picLocks noChangeAspect="1"/>
+          </p:cNvPicPr>
+          <p:nvPr/>
+        </p:nvPicPr>
+        <p:blipFill>
+          <a:blip r:embed="rId5" cstate="print">
+            <a:extLst>
+              <a:ext uri="{28A0092B-C50C-407E-A947-70E740481C1C}">
+                <a14:useLocalDpi xmlns:a14="http://schemas.microsoft.com/office/drawing/2010/main" val="0"/>
+              </a:ext>
+            </a:extLst>
+          </a:blip>
+          <a:stretch>
+            <a:fillRect/>
+          </a:stretch>
+        </p:blipFill>
+        <p:spPr>
+          <a:xfrm>
+            <a:off x="3279620" y="3097639"/>
+            <a:ext cx="1517202" cy="1517202"/>
+          </a:xfrm>
+          <a:prstGeom prst="rect">
+            <a:avLst/>
+          </a:prstGeom>
+        </p:spPr>
+      </p:pic>
+      <p:pic>
+        <p:nvPicPr>
+          <p:cNvPr id="6" name="Picture 2" descr="technology cooling fan illustration 3d 18869557 PNG">
+            <a:extLst>
+              <a:ext uri="{FF2B5EF4-FFF2-40B4-BE49-F238E27FC236}">
+                <a16:creationId xmlns:a16="http://schemas.microsoft.com/office/drawing/2014/main" id="{203C6840-1617-86B4-551C-A0E1B81ACFE7}"/>
+              </a:ext>
+            </a:extLst>
+          </p:cNvPr>
+          <p:cNvPicPr>
+            <a:picLocks noChangeAspect="1" noChangeArrowheads="1"/>
+          </p:cNvPicPr>
+          <p:nvPr/>
+        </p:nvPicPr>
+        <p:blipFill>
+          <a:blip r:embed="rId6" cstate="print">
+            <a:extLst>
+              <a:ext uri="{28A0092B-C50C-407E-A947-70E740481C1C}">
+                <a14:useLocalDpi xmlns:a14="http://schemas.microsoft.com/office/drawing/2010/main" val="0"/>
+              </a:ext>
+            </a:extLst>
+          </a:blip>
+          <a:srcRect/>
+          <a:stretch>
+            <a:fillRect/>
+          </a:stretch>
+        </p:blipFill>
+        <p:spPr bwMode="auto">
+          <a:xfrm>
+            <a:off x="7363195" y="4499360"/>
+            <a:ext cx="1517201" cy="1517201"/>
+          </a:xfrm>
+          <a:prstGeom prst="rect">
+            <a:avLst/>
+          </a:prstGeom>
+          <a:noFill/>
+          <a:extLst>
+            <a:ext uri="{909E8E84-426E-40DD-AFC4-6F175D3DCCD1}">
+              <a14:hiddenFill xmlns:a14="http://schemas.microsoft.com/office/drawing/2010/main">
+                <a:solidFill>
+                  <a:srgbClr val="FFFFFF"/>
+                </a:solidFill>
+              </a14:hiddenFill>
+            </a:ext>
+          </a:extLst>
+        </p:spPr>
+      </p:pic>
+      <p:pic>
+        <p:nvPicPr>
+          <p:cNvPr id="7" name="Immagine 6" descr="Immagine che contiene strumento, leva&#10;&#10;Descrizione generata automaticamente">
+            <a:extLst>
+              <a:ext uri="{FF2B5EF4-FFF2-40B4-BE49-F238E27FC236}">
+                <a16:creationId xmlns:a16="http://schemas.microsoft.com/office/drawing/2014/main" id="{200D06F8-6173-CEC8-C1C0-A072594D51CC}"/>
+              </a:ext>
+            </a:extLst>
+          </p:cNvPr>
+          <p:cNvPicPr>
+            <a:picLocks noChangeAspect="1"/>
+          </p:cNvPicPr>
+          <p:nvPr/>
+        </p:nvPicPr>
+        <p:blipFill>
+          <a:blip r:embed="rId7" cstate="print">
+            <a:extLst>
+              <a:ext uri="{28A0092B-C50C-407E-A947-70E740481C1C}">
+                <a14:useLocalDpi xmlns:a14="http://schemas.microsoft.com/office/drawing/2010/main" val="0"/>
+              </a:ext>
+            </a:extLst>
+          </a:blip>
+          <a:stretch>
+            <a:fillRect/>
+          </a:stretch>
+        </p:blipFill>
+        <p:spPr>
+          <a:xfrm>
+            <a:off x="9344294" y="3216506"/>
+            <a:ext cx="1469795" cy="1469795"/>
+          </a:xfrm>
+          <a:prstGeom prst="rect">
+            <a:avLst/>
+          </a:prstGeom>
+        </p:spPr>
+      </p:pic>
+      <p:sp>
+        <p:nvSpPr>
+          <p:cNvPr id="8" name="Segnaposto contenuto 2">
+            <a:extLst>
+              <a:ext uri="{FF2B5EF4-FFF2-40B4-BE49-F238E27FC236}">
+                <a16:creationId xmlns:a16="http://schemas.microsoft.com/office/drawing/2014/main" id="{9EFF2328-CEAF-63F2-9566-7C6BFC5A639F}"/>
+              </a:ext>
+            </a:extLst>
+          </p:cNvPr>
+          <p:cNvSpPr txBox="1">
+            <a:spLocks/>
+          </p:cNvSpPr>
+          <p:nvPr/>
+        </p:nvSpPr>
+        <p:spPr>
+          <a:xfrm>
+            <a:off x="7395179" y="1853754"/>
+            <a:ext cx="3898231" cy="1780674"/>
+          </a:xfrm>
+          <a:prstGeom prst="rect">
+            <a:avLst/>
+          </a:prstGeom>
+        </p:spPr>
+        <p:txBody>
+          <a:bodyPr vert="horz" lIns="91440" tIns="45720" rIns="91440" bIns="45720" rtlCol="0">
+            <a:normAutofit/>
+          </a:bodyPr>
+          <a:lstStyle>
+            <a:lvl1pPr marL="384048" indent="-384048" algn="l" defTabSz="914400" rtl="0" eaLnBrk="1" latinLnBrk="0" hangingPunct="1">
+              <a:lnSpc>
+                <a:spcPct val="94000"/>
+              </a:lnSpc>
+              <a:spcBef>
+                <a:spcPts val="1000"/>
+              </a:spcBef>
+              <a:spcAft>
+                <a:spcPts val="200"/>
+              </a:spcAft>
+              <a:buFont typeface="Franklin Gothic Book" panose="020B0503020102020204" pitchFamily="34" charset="0"/>
+              <a:buChar char="■"/>
+              <a:defRPr sz="2000" kern="1200" baseline="0">
+                <a:solidFill>
+                  <a:schemeClr val="tx2"/>
+                </a:solidFill>
+                <a:latin typeface="+mn-lt"/>
+                <a:ea typeface="+mn-ea"/>
+                <a:cs typeface="+mn-cs"/>
+              </a:defRPr>
+            </a:lvl1pPr>
+            <a:lvl2pPr marL="914400" indent="-384048" algn="l" defTabSz="914400" rtl="0" eaLnBrk="1" latinLnBrk="0" hangingPunct="1">
+              <a:lnSpc>
+                <a:spcPct val="94000"/>
+              </a:lnSpc>
+              <a:spcBef>
+                <a:spcPts val="500"/>
+              </a:spcBef>
+              <a:spcAft>
+                <a:spcPts val="200"/>
+              </a:spcAft>
+              <a:buFont typeface="Franklin Gothic Book" panose="020B0503020102020204" pitchFamily="34" charset="0"/>
+              <a:buChar char="–"/>
+              <a:defRPr sz="2000" i="1" kern="1200" baseline="0">
+                <a:solidFill>
+                  <a:schemeClr val="tx2"/>
+                </a:solidFill>
+                <a:latin typeface="+mn-lt"/>
+                <a:ea typeface="+mn-ea"/>
+                <a:cs typeface="+mn-cs"/>
+              </a:defRPr>
+            </a:lvl2pPr>
+            <a:lvl3pPr marL="1371600" indent="-384048" algn="l" defTabSz="914400" rtl="0" eaLnBrk="1" latinLnBrk="0" hangingPunct="1">
+              <a:lnSpc>
+                <a:spcPct val="94000"/>
+              </a:lnSpc>
+              <a:spcBef>
+                <a:spcPts val="500"/>
+              </a:spcBef>
+              <a:spcAft>
+                <a:spcPts val="200"/>
+              </a:spcAft>
+              <a:buFont typeface="Franklin Gothic Book" panose="020B0503020102020204" pitchFamily="34" charset="0"/>
+              <a:buChar char="■"/>
+              <a:defRPr sz="1800" kern="1200" baseline="0">
+                <a:solidFill>
+                  <a:schemeClr val="tx2"/>
+                </a:solidFill>
+                <a:latin typeface="+mn-lt"/>
+                <a:ea typeface="+mn-ea"/>
+                <a:cs typeface="+mn-cs"/>
+              </a:defRPr>
+            </a:lvl3pPr>
+            <a:lvl4pPr marL="1828800" indent="-384048" algn="l" defTabSz="914400" rtl="0" eaLnBrk="1" latinLnBrk="0" hangingPunct="1">
+              <a:lnSpc>
+                <a:spcPct val="94000"/>
+              </a:lnSpc>
+              <a:spcBef>
+                <a:spcPts val="500"/>
+              </a:spcBef>
+              <a:spcAft>
+                <a:spcPts val="200"/>
+              </a:spcAft>
+              <a:buFont typeface="Franklin Gothic Book" panose="020B0503020102020204" pitchFamily="34" charset="0"/>
+              <a:buChar char="–"/>
+              <a:defRPr sz="1800" i="1" kern="1200" baseline="0">
+                <a:solidFill>
+                  <a:schemeClr val="tx2"/>
+                </a:solidFill>
+                <a:latin typeface="+mn-lt"/>
+                <a:ea typeface="+mn-ea"/>
+                <a:cs typeface="+mn-cs"/>
+              </a:defRPr>
+            </a:lvl4pPr>
+            <a:lvl5pPr marL="2286000" indent="-384048" algn="l" defTabSz="914400" rtl="0" eaLnBrk="1" latinLnBrk="0" hangingPunct="1">
+              <a:lnSpc>
+                <a:spcPct val="94000"/>
+              </a:lnSpc>
+              <a:spcBef>
+                <a:spcPts val="500"/>
+              </a:spcBef>
+              <a:spcAft>
+                <a:spcPts val="200"/>
+              </a:spcAft>
+              <a:buFont typeface="Franklin Gothic Book" panose="020B0503020102020204" pitchFamily="34" charset="0"/>
+              <a:buChar char="■"/>
+              <a:defRPr sz="1600" kern="1200" baseline="0">
+                <a:solidFill>
+                  <a:schemeClr val="tx2"/>
+                </a:solidFill>
+                <a:latin typeface="+mn-lt"/>
+                <a:ea typeface="+mn-ea"/>
+                <a:cs typeface="+mn-cs"/>
+              </a:defRPr>
+            </a:lvl5pPr>
+            <a:lvl6pPr marL="2743200" indent="-384048" algn="l" defTabSz="914400" rtl="0" eaLnBrk="1" latinLnBrk="0" hangingPunct="1">
+              <a:lnSpc>
+                <a:spcPct val="94000"/>
+              </a:lnSpc>
+              <a:spcBef>
+                <a:spcPts val="500"/>
+              </a:spcBef>
+              <a:spcAft>
+                <a:spcPts val="200"/>
+              </a:spcAft>
+              <a:buFont typeface="Franklin Gothic Book" panose="020B0503020102020204" pitchFamily="34" charset="0"/>
+              <a:buChar char="–"/>
+              <a:defRPr sz="1600" i="1" kern="1200" baseline="0">
+                <a:solidFill>
+                  <a:schemeClr val="tx2"/>
+                </a:solidFill>
+                <a:latin typeface="+mn-lt"/>
+                <a:ea typeface="+mn-ea"/>
+                <a:cs typeface="+mn-cs"/>
+              </a:defRPr>
+            </a:lvl6pPr>
+            <a:lvl7pPr marL="3200400" indent="-384048" algn="l" defTabSz="914400" rtl="0" eaLnBrk="1" latinLnBrk="0" hangingPunct="1">
+              <a:lnSpc>
+                <a:spcPct val="94000"/>
+              </a:lnSpc>
+              <a:spcBef>
+                <a:spcPts val="500"/>
+              </a:spcBef>
+              <a:spcAft>
+                <a:spcPts val="200"/>
+              </a:spcAft>
+              <a:buFont typeface="Franklin Gothic Book" panose="020B0503020102020204" pitchFamily="34" charset="0"/>
+              <a:buChar char="■"/>
+              <a:defRPr sz="1400" kern="1200" baseline="0">
+                <a:solidFill>
+                  <a:schemeClr val="tx2"/>
+                </a:solidFill>
+                <a:latin typeface="+mn-lt"/>
+                <a:ea typeface="+mn-ea"/>
+                <a:cs typeface="+mn-cs"/>
+              </a:defRPr>
+            </a:lvl7pPr>
+            <a:lvl8pPr marL="3657600" indent="-384048" algn="l" defTabSz="914400" rtl="0" eaLnBrk="1" latinLnBrk="0" hangingPunct="1">
+              <a:lnSpc>
+                <a:spcPct val="94000"/>
+              </a:lnSpc>
+              <a:spcBef>
+                <a:spcPts val="500"/>
+              </a:spcBef>
+              <a:spcAft>
+                <a:spcPts val="200"/>
+              </a:spcAft>
+              <a:buFont typeface="Franklin Gothic Book" panose="020B0503020102020204" pitchFamily="34" charset="0"/>
+              <a:buChar char="–"/>
+              <a:defRPr sz="1400" i="1" kern="1200" baseline="0">
+                <a:solidFill>
+                  <a:schemeClr val="tx2"/>
+                </a:solidFill>
+                <a:latin typeface="+mn-lt"/>
+                <a:ea typeface="+mn-ea"/>
+                <a:cs typeface="+mn-cs"/>
+              </a:defRPr>
+            </a:lvl8pPr>
+            <a:lvl9pPr marL="4114800" indent="-384048" algn="l" defTabSz="914400" rtl="0" eaLnBrk="1" latinLnBrk="0" hangingPunct="1">
+              <a:lnSpc>
+                <a:spcPct val="94000"/>
+              </a:lnSpc>
+              <a:spcBef>
+                <a:spcPts val="500"/>
+              </a:spcBef>
+              <a:spcAft>
+                <a:spcPts val="200"/>
+              </a:spcAft>
+              <a:buFont typeface="Franklin Gothic Book" panose="020B0503020102020204" pitchFamily="34" charset="0"/>
+              <a:buChar char="■"/>
+              <a:defRPr sz="1400" kern="1200" baseline="0">
+                <a:solidFill>
+                  <a:schemeClr val="tx2"/>
+                </a:solidFill>
+                <a:latin typeface="+mn-lt"/>
+                <a:ea typeface="+mn-ea"/>
+                <a:cs typeface="+mn-cs"/>
+              </a:defRPr>
+            </a:lvl9pPr>
+          </a:lstStyle>
+          <a:p>
+            <a:pPr>
+              <a:buFont typeface="Franklin Gothic Book" panose="020B0503020102020204" pitchFamily="34" charset="0"/>
+              <a:buBlip>
+                <a:blip r:embed="rId3"/>
+              </a:buBlip>
+            </a:pPr>
             <a:r>
               <a:rPr lang="it-IT" dirty="0"/>
               <a:t>Fan</a:t>
             </a:r>
           </a:p>
           <a:p>
+            <a:pPr>
+              <a:buFont typeface="Franklin Gothic Book" panose="020B0503020102020204" pitchFamily="34" charset="0"/>
+              <a:buBlip>
+                <a:blip r:embed="rId3"/>
+              </a:buBlip>
+            </a:pPr>
             <a:r>
               <a:rPr lang="it-IT" dirty="0" err="1"/>
               <a:t>Servomotor</a:t>
@@ -5128,9 +7014,21 @@
             <a:endParaRPr lang="it-IT" dirty="0"/>
           </a:p>
           <a:p>
+            <a:pPr>
+              <a:buFont typeface="Franklin Gothic Book" panose="020B0503020102020204" pitchFamily="34" charset="0"/>
+              <a:buBlip>
+                <a:blip r:embed="rId3"/>
+              </a:buBlip>
+            </a:pPr>
             <a:endParaRPr lang="it-IT" dirty="0"/>
           </a:p>
           <a:p>
+            <a:pPr>
+              <a:buFont typeface="Franklin Gothic Book" panose="020B0503020102020204" pitchFamily="34" charset="0"/>
+              <a:buBlip>
+                <a:blip r:embed="rId3"/>
+              </a:buBlip>
+            </a:pPr>
             <a:endParaRPr lang="it-IT" dirty="0"/>
           </a:p>
         </p:txBody>
@@ -5145,6 +7043,847 @@
   <p:clrMapOvr>
     <a:masterClrMapping/>
   </p:clrMapOvr>
+  <p:timing>
+    <p:tnLst>
+      <p:par>
+        <p:cTn id="1" dur="indefinite" restart="never" nodeType="tmRoot">
+          <p:childTnLst>
+            <p:seq concurrent="1" nextAc="seek">
+              <p:cTn id="2" dur="indefinite" nodeType="mainSeq">
+                <p:childTnLst>
+                  <p:par>
+                    <p:cTn id="3" fill="hold">
+                      <p:stCondLst>
+                        <p:cond delay="indefinite"/>
+                        <p:cond evt="onBegin" delay="0">
+                          <p:tn val="2"/>
+                        </p:cond>
+                      </p:stCondLst>
+                      <p:childTnLst>
+                        <p:par>
+                          <p:cTn id="4" fill="hold">
+                            <p:stCondLst>
+                              <p:cond delay="0"/>
+                            </p:stCondLst>
+                            <p:childTnLst>
+                              <p:par>
+                                <p:cTn id="5" presetID="10" presetClass="entr" presetSubtype="0" fill="hold" grpId="0" nodeType="afterEffect">
+                                  <p:stCondLst>
+                                    <p:cond delay="0"/>
+                                  </p:stCondLst>
+                                  <p:childTnLst>
+                                    <p:set>
+                                      <p:cBhvr>
+                                        <p:cTn id="6" dur="1" fill="hold">
+                                          <p:stCondLst>
+                                            <p:cond delay="0"/>
+                                          </p:stCondLst>
+                                        </p:cTn>
+                                        <p:tgtEl>
+                                          <p:spTgt spid="2"/>
+                                        </p:tgtEl>
+                                        <p:attrNameLst>
+                                          <p:attrName>style.visibility</p:attrName>
+                                        </p:attrNameLst>
+                                      </p:cBhvr>
+                                      <p:to>
+                                        <p:strVal val="visible"/>
+                                      </p:to>
+                                    </p:set>
+                                    <p:animEffect transition="in" filter="fade">
+                                      <p:cBhvr>
+                                        <p:cTn id="7" dur="750"/>
+                                        <p:tgtEl>
+                                          <p:spTgt spid="2"/>
+                                        </p:tgtEl>
+                                      </p:cBhvr>
+                                    </p:animEffect>
+                                  </p:childTnLst>
+                                </p:cTn>
+                              </p:par>
+                            </p:childTnLst>
+                          </p:cTn>
+                        </p:par>
+                        <p:par>
+                          <p:cTn id="8" fill="hold">
+                            <p:stCondLst>
+                              <p:cond delay="750"/>
+                            </p:stCondLst>
+                            <p:childTnLst>
+                              <p:par>
+                                <p:cTn id="9" presetID="10" presetClass="entr" presetSubtype="0" fill="hold" nodeType="afterEffect">
+                                  <p:stCondLst>
+                                    <p:cond delay="0"/>
+                                  </p:stCondLst>
+                                  <p:childTnLst>
+                                    <p:set>
+                                      <p:cBhvr>
+                                        <p:cTn id="10" dur="1" fill="hold">
+                                          <p:stCondLst>
+                                            <p:cond delay="0"/>
+                                          </p:stCondLst>
+                                        </p:cTn>
+                                        <p:tgtEl>
+                                          <p:spTgt spid="3">
+                                            <p:txEl>
+                                              <p:pRg st="0" end="0"/>
+                                            </p:txEl>
+                                          </p:spTgt>
+                                        </p:tgtEl>
+                                        <p:attrNameLst>
+                                          <p:attrName>style.visibility</p:attrName>
+                                        </p:attrNameLst>
+                                      </p:cBhvr>
+                                      <p:to>
+                                        <p:strVal val="visible"/>
+                                      </p:to>
+                                    </p:set>
+                                    <p:animEffect transition="in" filter="fade">
+                                      <p:cBhvr>
+                                        <p:cTn id="11" dur="500"/>
+                                        <p:tgtEl>
+                                          <p:spTgt spid="3">
+                                            <p:txEl>
+                                              <p:pRg st="0" end="0"/>
+                                            </p:txEl>
+                                          </p:spTgt>
+                                        </p:tgtEl>
+                                      </p:cBhvr>
+                                    </p:animEffect>
+                                  </p:childTnLst>
+                                </p:cTn>
+                              </p:par>
+                            </p:childTnLst>
+                          </p:cTn>
+                        </p:par>
+                        <p:par>
+                          <p:cTn id="12" fill="hold">
+                            <p:stCondLst>
+                              <p:cond delay="1250"/>
+                            </p:stCondLst>
+                            <p:childTnLst>
+                              <p:par>
+                                <p:cTn id="13" presetID="10" presetClass="entr" presetSubtype="0" fill="hold" nodeType="afterEffect">
+                                  <p:stCondLst>
+                                    <p:cond delay="0"/>
+                                  </p:stCondLst>
+                                  <p:childTnLst>
+                                    <p:set>
+                                      <p:cBhvr>
+                                        <p:cTn id="14" dur="1" fill="hold">
+                                          <p:stCondLst>
+                                            <p:cond delay="0"/>
+                                          </p:stCondLst>
+                                        </p:cTn>
+                                        <p:tgtEl>
+                                          <p:spTgt spid="3">
+                                            <p:txEl>
+                                              <p:pRg st="1" end="1"/>
+                                            </p:txEl>
+                                          </p:spTgt>
+                                        </p:tgtEl>
+                                        <p:attrNameLst>
+                                          <p:attrName>style.visibility</p:attrName>
+                                        </p:attrNameLst>
+                                      </p:cBhvr>
+                                      <p:to>
+                                        <p:strVal val="visible"/>
+                                      </p:to>
+                                    </p:set>
+                                    <p:animEffect transition="in" filter="fade">
+                                      <p:cBhvr>
+                                        <p:cTn id="15" dur="500"/>
+                                        <p:tgtEl>
+                                          <p:spTgt spid="3">
+                                            <p:txEl>
+                                              <p:pRg st="1" end="1"/>
+                                            </p:txEl>
+                                          </p:spTgt>
+                                        </p:tgtEl>
+                                      </p:cBhvr>
+                                    </p:animEffect>
+                                  </p:childTnLst>
+                                </p:cTn>
+                              </p:par>
+                            </p:childTnLst>
+                          </p:cTn>
+                        </p:par>
+                        <p:par>
+                          <p:cTn id="16" fill="hold">
+                            <p:stCondLst>
+                              <p:cond delay="1750"/>
+                            </p:stCondLst>
+                            <p:childTnLst>
+                              <p:par>
+                                <p:cTn id="17" presetID="10" presetClass="entr" presetSubtype="0" fill="hold" nodeType="afterEffect">
+                                  <p:stCondLst>
+                                    <p:cond delay="0"/>
+                                  </p:stCondLst>
+                                  <p:childTnLst>
+                                    <p:set>
+                                      <p:cBhvr>
+                                        <p:cTn id="18" dur="1" fill="hold">
+                                          <p:stCondLst>
+                                            <p:cond delay="0"/>
+                                          </p:stCondLst>
+                                        </p:cTn>
+                                        <p:tgtEl>
+                                          <p:spTgt spid="5"/>
+                                        </p:tgtEl>
+                                        <p:attrNameLst>
+                                          <p:attrName>style.visibility</p:attrName>
+                                        </p:attrNameLst>
+                                      </p:cBhvr>
+                                      <p:to>
+                                        <p:strVal val="visible"/>
+                                      </p:to>
+                                    </p:set>
+                                    <p:animEffect transition="in" filter="fade">
+                                      <p:cBhvr>
+                                        <p:cTn id="19" dur="500"/>
+                                        <p:tgtEl>
+                                          <p:spTgt spid="5"/>
+                                        </p:tgtEl>
+                                      </p:cBhvr>
+                                    </p:animEffect>
+                                  </p:childTnLst>
+                                </p:cTn>
+                              </p:par>
+                            </p:childTnLst>
+                          </p:cTn>
+                        </p:par>
+                        <p:par>
+                          <p:cTn id="20" fill="hold">
+                            <p:stCondLst>
+                              <p:cond delay="2250"/>
+                            </p:stCondLst>
+                            <p:childTnLst>
+                              <p:par>
+                                <p:cTn id="21" presetID="10" presetClass="entr" presetSubtype="0" fill="hold" nodeType="afterEffect">
+                                  <p:stCondLst>
+                                    <p:cond delay="0"/>
+                                  </p:stCondLst>
+                                  <p:childTnLst>
+                                    <p:set>
+                                      <p:cBhvr>
+                                        <p:cTn id="22" dur="1" fill="hold">
+                                          <p:stCondLst>
+                                            <p:cond delay="0"/>
+                                          </p:stCondLst>
+                                        </p:cTn>
+                                        <p:tgtEl>
+                                          <p:spTgt spid="4"/>
+                                        </p:tgtEl>
+                                        <p:attrNameLst>
+                                          <p:attrName>style.visibility</p:attrName>
+                                        </p:attrNameLst>
+                                      </p:cBhvr>
+                                      <p:to>
+                                        <p:strVal val="visible"/>
+                                      </p:to>
+                                    </p:set>
+                                    <p:animEffect transition="in" filter="fade">
+                                      <p:cBhvr>
+                                        <p:cTn id="23" dur="500"/>
+                                        <p:tgtEl>
+                                          <p:spTgt spid="4"/>
+                                        </p:tgtEl>
+                                      </p:cBhvr>
+                                    </p:animEffect>
+                                  </p:childTnLst>
+                                </p:cTn>
+                              </p:par>
+                            </p:childTnLst>
+                          </p:cTn>
+                        </p:par>
+                        <p:par>
+                          <p:cTn id="24" fill="hold">
+                            <p:stCondLst>
+                              <p:cond delay="2750"/>
+                            </p:stCondLst>
+                            <p:childTnLst>
+                              <p:par>
+                                <p:cTn id="25" presetID="10" presetClass="entr" presetSubtype="0" fill="hold" nodeType="afterEffect">
+                                  <p:stCondLst>
+                                    <p:cond delay="0"/>
+                                  </p:stCondLst>
+                                  <p:childTnLst>
+                                    <p:set>
+                                      <p:cBhvr>
+                                        <p:cTn id="26" dur="1" fill="hold">
+                                          <p:stCondLst>
+                                            <p:cond delay="0"/>
+                                          </p:stCondLst>
+                                        </p:cTn>
+                                        <p:tgtEl>
+                                          <p:spTgt spid="8">
+                                            <p:txEl>
+                                              <p:pRg st="0" end="0"/>
+                                            </p:txEl>
+                                          </p:spTgt>
+                                        </p:tgtEl>
+                                        <p:attrNameLst>
+                                          <p:attrName>style.visibility</p:attrName>
+                                        </p:attrNameLst>
+                                      </p:cBhvr>
+                                      <p:to>
+                                        <p:strVal val="visible"/>
+                                      </p:to>
+                                    </p:set>
+                                    <p:animEffect transition="in" filter="fade">
+                                      <p:cBhvr>
+                                        <p:cTn id="27" dur="500"/>
+                                        <p:tgtEl>
+                                          <p:spTgt spid="8">
+                                            <p:txEl>
+                                              <p:pRg st="0" end="0"/>
+                                            </p:txEl>
+                                          </p:spTgt>
+                                        </p:tgtEl>
+                                      </p:cBhvr>
+                                    </p:animEffect>
+                                  </p:childTnLst>
+                                </p:cTn>
+                              </p:par>
+                            </p:childTnLst>
+                          </p:cTn>
+                        </p:par>
+                        <p:par>
+                          <p:cTn id="28" fill="hold">
+                            <p:stCondLst>
+                              <p:cond delay="3250"/>
+                            </p:stCondLst>
+                            <p:childTnLst>
+                              <p:par>
+                                <p:cTn id="29" presetID="10" presetClass="entr" presetSubtype="0" fill="hold" nodeType="afterEffect">
+                                  <p:stCondLst>
+                                    <p:cond delay="0"/>
+                                  </p:stCondLst>
+                                  <p:childTnLst>
+                                    <p:set>
+                                      <p:cBhvr>
+                                        <p:cTn id="30" dur="1" fill="hold">
+                                          <p:stCondLst>
+                                            <p:cond delay="0"/>
+                                          </p:stCondLst>
+                                        </p:cTn>
+                                        <p:tgtEl>
+                                          <p:spTgt spid="8">
+                                            <p:txEl>
+                                              <p:pRg st="1" end="1"/>
+                                            </p:txEl>
+                                          </p:spTgt>
+                                        </p:tgtEl>
+                                        <p:attrNameLst>
+                                          <p:attrName>style.visibility</p:attrName>
+                                        </p:attrNameLst>
+                                      </p:cBhvr>
+                                      <p:to>
+                                        <p:strVal val="visible"/>
+                                      </p:to>
+                                    </p:set>
+                                    <p:animEffect transition="in" filter="fade">
+                                      <p:cBhvr>
+                                        <p:cTn id="31" dur="500"/>
+                                        <p:tgtEl>
+                                          <p:spTgt spid="8">
+                                            <p:txEl>
+                                              <p:pRg st="1" end="1"/>
+                                            </p:txEl>
+                                          </p:spTgt>
+                                        </p:tgtEl>
+                                      </p:cBhvr>
+                                    </p:animEffect>
+                                  </p:childTnLst>
+                                </p:cTn>
+                              </p:par>
+                            </p:childTnLst>
+                          </p:cTn>
+                        </p:par>
+                        <p:par>
+                          <p:cTn id="32" fill="hold">
+                            <p:stCondLst>
+                              <p:cond delay="3750"/>
+                            </p:stCondLst>
+                            <p:childTnLst>
+                              <p:par>
+                                <p:cTn id="33" presetID="10" presetClass="entr" presetSubtype="0" fill="hold" nodeType="afterEffect">
+                                  <p:stCondLst>
+                                    <p:cond delay="0"/>
+                                  </p:stCondLst>
+                                  <p:childTnLst>
+                                    <p:set>
+                                      <p:cBhvr>
+                                        <p:cTn id="34" dur="1" fill="hold">
+                                          <p:stCondLst>
+                                            <p:cond delay="0"/>
+                                          </p:stCondLst>
+                                        </p:cTn>
+                                        <p:tgtEl>
+                                          <p:spTgt spid="7"/>
+                                        </p:tgtEl>
+                                        <p:attrNameLst>
+                                          <p:attrName>style.visibility</p:attrName>
+                                        </p:attrNameLst>
+                                      </p:cBhvr>
+                                      <p:to>
+                                        <p:strVal val="visible"/>
+                                      </p:to>
+                                    </p:set>
+                                    <p:animEffect transition="in" filter="fade">
+                                      <p:cBhvr>
+                                        <p:cTn id="35" dur="500"/>
+                                        <p:tgtEl>
+                                          <p:spTgt spid="7"/>
+                                        </p:tgtEl>
+                                      </p:cBhvr>
+                                    </p:animEffect>
+                                  </p:childTnLst>
+                                </p:cTn>
+                              </p:par>
+                            </p:childTnLst>
+                          </p:cTn>
+                        </p:par>
+                        <p:par>
+                          <p:cTn id="36" fill="hold">
+                            <p:stCondLst>
+                              <p:cond delay="4250"/>
+                            </p:stCondLst>
+                            <p:childTnLst>
+                              <p:par>
+                                <p:cTn id="37" presetID="10" presetClass="entr" presetSubtype="0" fill="hold" nodeType="afterEffect">
+                                  <p:stCondLst>
+                                    <p:cond delay="0"/>
+                                  </p:stCondLst>
+                                  <p:childTnLst>
+                                    <p:set>
+                                      <p:cBhvr>
+                                        <p:cTn id="38" dur="1" fill="hold">
+                                          <p:stCondLst>
+                                            <p:cond delay="0"/>
+                                          </p:stCondLst>
+                                        </p:cTn>
+                                        <p:tgtEl>
+                                          <p:spTgt spid="6"/>
+                                        </p:tgtEl>
+                                        <p:attrNameLst>
+                                          <p:attrName>style.visibility</p:attrName>
+                                        </p:attrNameLst>
+                                      </p:cBhvr>
+                                      <p:to>
+                                        <p:strVal val="visible"/>
+                                      </p:to>
+                                    </p:set>
+                                    <p:animEffect transition="in" filter="fade">
+                                      <p:cBhvr>
+                                        <p:cTn id="39" dur="500"/>
+                                        <p:tgtEl>
+                                          <p:spTgt spid="6"/>
+                                        </p:tgtEl>
+                                      </p:cBhvr>
+                                    </p:animEffect>
+                                  </p:childTnLst>
+                                </p:cTn>
+                              </p:par>
+                            </p:childTnLst>
+                          </p:cTn>
+                        </p:par>
+                      </p:childTnLst>
+                    </p:cTn>
+                  </p:par>
+                  <p:par>
+                    <p:cTn id="40" fill="hold">
+                      <p:stCondLst>
+                        <p:cond delay="indefinite"/>
+                      </p:stCondLst>
+                      <p:childTnLst>
+                        <p:par>
+                          <p:cTn id="41" fill="hold">
+                            <p:stCondLst>
+                              <p:cond delay="0"/>
+                            </p:stCondLst>
+                            <p:childTnLst>
+                              <p:par>
+                                <p:cTn id="42" presetID="10" presetClass="exit" presetSubtype="0" fill="hold" grpId="1" nodeType="clickEffect">
+                                  <p:stCondLst>
+                                    <p:cond delay="0"/>
+                                  </p:stCondLst>
+                                  <p:childTnLst>
+                                    <p:animEffect transition="out" filter="fade">
+                                      <p:cBhvr>
+                                        <p:cTn id="43" dur="500"/>
+                                        <p:tgtEl>
+                                          <p:spTgt spid="2"/>
+                                        </p:tgtEl>
+                                      </p:cBhvr>
+                                    </p:animEffect>
+                                    <p:set>
+                                      <p:cBhvr>
+                                        <p:cTn id="44" dur="1" fill="hold">
+                                          <p:stCondLst>
+                                            <p:cond delay="499"/>
+                                          </p:stCondLst>
+                                        </p:cTn>
+                                        <p:tgtEl>
+                                          <p:spTgt spid="2"/>
+                                        </p:tgtEl>
+                                        <p:attrNameLst>
+                                          <p:attrName>style.visibility</p:attrName>
+                                        </p:attrNameLst>
+                                      </p:cBhvr>
+                                      <p:to>
+                                        <p:strVal val="hidden"/>
+                                      </p:to>
+                                    </p:set>
+                                  </p:childTnLst>
+                                </p:cTn>
+                              </p:par>
+                              <p:par>
+                                <p:cTn id="45" presetID="10" presetClass="exit" presetSubtype="0" fill="hold" grpId="0" nodeType="withEffect">
+                                  <p:stCondLst>
+                                    <p:cond delay="0"/>
+                                  </p:stCondLst>
+                                  <p:childTnLst>
+                                    <p:animEffect transition="out" filter="fade">
+                                      <p:cBhvr>
+                                        <p:cTn id="46" dur="500"/>
+                                        <p:tgtEl>
+                                          <p:spTgt spid="3">
+                                            <p:txEl>
+                                              <p:pRg st="0" end="0"/>
+                                            </p:txEl>
+                                          </p:spTgt>
+                                        </p:tgtEl>
+                                      </p:cBhvr>
+                                    </p:animEffect>
+                                    <p:set>
+                                      <p:cBhvr>
+                                        <p:cTn id="47" dur="1" fill="hold">
+                                          <p:stCondLst>
+                                            <p:cond delay="499"/>
+                                          </p:stCondLst>
+                                        </p:cTn>
+                                        <p:tgtEl>
+                                          <p:spTgt spid="3">
+                                            <p:txEl>
+                                              <p:pRg st="0" end="0"/>
+                                            </p:txEl>
+                                          </p:spTgt>
+                                        </p:tgtEl>
+                                        <p:attrNameLst>
+                                          <p:attrName>style.visibility</p:attrName>
+                                        </p:attrNameLst>
+                                      </p:cBhvr>
+                                      <p:to>
+                                        <p:strVal val="hidden"/>
+                                      </p:to>
+                                    </p:set>
+                                  </p:childTnLst>
+                                </p:cTn>
+                              </p:par>
+                              <p:par>
+                                <p:cTn id="48" presetID="10" presetClass="exit" presetSubtype="0" fill="hold" grpId="0" nodeType="withEffect">
+                                  <p:stCondLst>
+                                    <p:cond delay="0"/>
+                                  </p:stCondLst>
+                                  <p:childTnLst>
+                                    <p:animEffect transition="out" filter="fade">
+                                      <p:cBhvr>
+                                        <p:cTn id="49" dur="500"/>
+                                        <p:tgtEl>
+                                          <p:spTgt spid="3">
+                                            <p:txEl>
+                                              <p:pRg st="1" end="1"/>
+                                            </p:txEl>
+                                          </p:spTgt>
+                                        </p:tgtEl>
+                                      </p:cBhvr>
+                                    </p:animEffect>
+                                    <p:set>
+                                      <p:cBhvr>
+                                        <p:cTn id="50" dur="1" fill="hold">
+                                          <p:stCondLst>
+                                            <p:cond delay="499"/>
+                                          </p:stCondLst>
+                                        </p:cTn>
+                                        <p:tgtEl>
+                                          <p:spTgt spid="3">
+                                            <p:txEl>
+                                              <p:pRg st="1" end="1"/>
+                                            </p:txEl>
+                                          </p:spTgt>
+                                        </p:tgtEl>
+                                        <p:attrNameLst>
+                                          <p:attrName>style.visibility</p:attrName>
+                                        </p:attrNameLst>
+                                      </p:cBhvr>
+                                      <p:to>
+                                        <p:strVal val="hidden"/>
+                                      </p:to>
+                                    </p:set>
+                                  </p:childTnLst>
+                                </p:cTn>
+                              </p:par>
+                              <p:par>
+                                <p:cTn id="51" presetID="10" presetClass="exit" presetSubtype="0" fill="hold" nodeType="withEffect">
+                                  <p:stCondLst>
+                                    <p:cond delay="0"/>
+                                  </p:stCondLst>
+                                  <p:childTnLst>
+                                    <p:animEffect transition="out" filter="fade">
+                                      <p:cBhvr>
+                                        <p:cTn id="52" dur="500"/>
+                                        <p:tgtEl>
+                                          <p:spTgt spid="5"/>
+                                        </p:tgtEl>
+                                      </p:cBhvr>
+                                    </p:animEffect>
+                                    <p:set>
+                                      <p:cBhvr>
+                                        <p:cTn id="53" dur="1" fill="hold">
+                                          <p:stCondLst>
+                                            <p:cond delay="499"/>
+                                          </p:stCondLst>
+                                        </p:cTn>
+                                        <p:tgtEl>
+                                          <p:spTgt spid="5"/>
+                                        </p:tgtEl>
+                                        <p:attrNameLst>
+                                          <p:attrName>style.visibility</p:attrName>
+                                        </p:attrNameLst>
+                                      </p:cBhvr>
+                                      <p:to>
+                                        <p:strVal val="hidden"/>
+                                      </p:to>
+                                    </p:set>
+                                  </p:childTnLst>
+                                </p:cTn>
+                              </p:par>
+                              <p:par>
+                                <p:cTn id="54" presetID="10" presetClass="exit" presetSubtype="0" fill="hold" nodeType="withEffect">
+                                  <p:stCondLst>
+                                    <p:cond delay="0"/>
+                                  </p:stCondLst>
+                                  <p:childTnLst>
+                                    <p:animEffect transition="out" filter="fade">
+                                      <p:cBhvr>
+                                        <p:cTn id="55" dur="500"/>
+                                        <p:tgtEl>
+                                          <p:spTgt spid="4"/>
+                                        </p:tgtEl>
+                                      </p:cBhvr>
+                                    </p:animEffect>
+                                    <p:set>
+                                      <p:cBhvr>
+                                        <p:cTn id="56" dur="1" fill="hold">
+                                          <p:stCondLst>
+                                            <p:cond delay="499"/>
+                                          </p:stCondLst>
+                                        </p:cTn>
+                                        <p:tgtEl>
+                                          <p:spTgt spid="4"/>
+                                        </p:tgtEl>
+                                        <p:attrNameLst>
+                                          <p:attrName>style.visibility</p:attrName>
+                                        </p:attrNameLst>
+                                      </p:cBhvr>
+                                      <p:to>
+                                        <p:strVal val="hidden"/>
+                                      </p:to>
+                                    </p:set>
+                                  </p:childTnLst>
+                                </p:cTn>
+                              </p:par>
+                              <p:par>
+                                <p:cTn id="57" presetID="10" presetClass="exit" presetSubtype="0" fill="hold" grpId="0" nodeType="withEffect">
+                                  <p:stCondLst>
+                                    <p:cond delay="0"/>
+                                  </p:stCondLst>
+                                  <p:childTnLst>
+                                    <p:animEffect transition="out" filter="fade">
+                                      <p:cBhvr>
+                                        <p:cTn id="58" dur="500"/>
+                                        <p:tgtEl>
+                                          <p:spTgt spid="8">
+                                            <p:txEl>
+                                              <p:pRg st="0" end="0"/>
+                                            </p:txEl>
+                                          </p:spTgt>
+                                        </p:tgtEl>
+                                      </p:cBhvr>
+                                    </p:animEffect>
+                                    <p:set>
+                                      <p:cBhvr>
+                                        <p:cTn id="59" dur="1" fill="hold">
+                                          <p:stCondLst>
+                                            <p:cond delay="499"/>
+                                          </p:stCondLst>
+                                        </p:cTn>
+                                        <p:tgtEl>
+                                          <p:spTgt spid="8">
+                                            <p:txEl>
+                                              <p:pRg st="0" end="0"/>
+                                            </p:txEl>
+                                          </p:spTgt>
+                                        </p:tgtEl>
+                                        <p:attrNameLst>
+                                          <p:attrName>style.visibility</p:attrName>
+                                        </p:attrNameLst>
+                                      </p:cBhvr>
+                                      <p:to>
+                                        <p:strVal val="hidden"/>
+                                      </p:to>
+                                    </p:set>
+                                  </p:childTnLst>
+                                </p:cTn>
+                              </p:par>
+                              <p:par>
+                                <p:cTn id="60" presetID="10" presetClass="exit" presetSubtype="0" fill="hold" grpId="0" nodeType="withEffect">
+                                  <p:stCondLst>
+                                    <p:cond delay="0"/>
+                                  </p:stCondLst>
+                                  <p:childTnLst>
+                                    <p:animEffect transition="out" filter="fade">
+                                      <p:cBhvr>
+                                        <p:cTn id="61" dur="500"/>
+                                        <p:tgtEl>
+                                          <p:spTgt spid="8">
+                                            <p:txEl>
+                                              <p:pRg st="1" end="1"/>
+                                            </p:txEl>
+                                          </p:spTgt>
+                                        </p:tgtEl>
+                                      </p:cBhvr>
+                                    </p:animEffect>
+                                    <p:set>
+                                      <p:cBhvr>
+                                        <p:cTn id="62" dur="1" fill="hold">
+                                          <p:stCondLst>
+                                            <p:cond delay="499"/>
+                                          </p:stCondLst>
+                                        </p:cTn>
+                                        <p:tgtEl>
+                                          <p:spTgt spid="8">
+                                            <p:txEl>
+                                              <p:pRg st="1" end="1"/>
+                                            </p:txEl>
+                                          </p:spTgt>
+                                        </p:tgtEl>
+                                        <p:attrNameLst>
+                                          <p:attrName>style.visibility</p:attrName>
+                                        </p:attrNameLst>
+                                      </p:cBhvr>
+                                      <p:to>
+                                        <p:strVal val="hidden"/>
+                                      </p:to>
+                                    </p:set>
+                                  </p:childTnLst>
+                                </p:cTn>
+                              </p:par>
+                              <p:par>
+                                <p:cTn id="63" presetID="10" presetClass="exit" presetSubtype="0" fill="hold" nodeType="withEffect">
+                                  <p:stCondLst>
+                                    <p:cond delay="0"/>
+                                  </p:stCondLst>
+                                  <p:childTnLst>
+                                    <p:animEffect transition="out" filter="fade">
+                                      <p:cBhvr>
+                                        <p:cTn id="64" dur="500"/>
+                                        <p:tgtEl>
+                                          <p:spTgt spid="7"/>
+                                        </p:tgtEl>
+                                      </p:cBhvr>
+                                    </p:animEffect>
+                                    <p:set>
+                                      <p:cBhvr>
+                                        <p:cTn id="65" dur="1" fill="hold">
+                                          <p:stCondLst>
+                                            <p:cond delay="499"/>
+                                          </p:stCondLst>
+                                        </p:cTn>
+                                        <p:tgtEl>
+                                          <p:spTgt spid="7"/>
+                                        </p:tgtEl>
+                                        <p:attrNameLst>
+                                          <p:attrName>style.visibility</p:attrName>
+                                        </p:attrNameLst>
+                                      </p:cBhvr>
+                                      <p:to>
+                                        <p:strVal val="hidden"/>
+                                      </p:to>
+                                    </p:set>
+                                  </p:childTnLst>
+                                </p:cTn>
+                              </p:par>
+                              <p:par>
+                                <p:cTn id="66" presetID="10" presetClass="exit" presetSubtype="0" fill="hold" nodeType="withEffect">
+                                  <p:stCondLst>
+                                    <p:cond delay="0"/>
+                                  </p:stCondLst>
+                                  <p:childTnLst>
+                                    <p:animEffect transition="out" filter="fade">
+                                      <p:cBhvr>
+                                        <p:cTn id="67" dur="500"/>
+                                        <p:tgtEl>
+                                          <p:spTgt spid="6"/>
+                                        </p:tgtEl>
+                                      </p:cBhvr>
+                                    </p:animEffect>
+                                    <p:set>
+                                      <p:cBhvr>
+                                        <p:cTn id="68" dur="1" fill="hold">
+                                          <p:stCondLst>
+                                            <p:cond delay="499"/>
+                                          </p:stCondLst>
+                                        </p:cTn>
+                                        <p:tgtEl>
+                                          <p:spTgt spid="6"/>
+                                        </p:tgtEl>
+                                        <p:attrNameLst>
+                                          <p:attrName>style.visibility</p:attrName>
+                                        </p:attrNameLst>
+                                      </p:cBhvr>
+                                      <p:to>
+                                        <p:strVal val="hidden"/>
+                                      </p:to>
+                                    </p:set>
+                                  </p:childTnLst>
+                                </p:cTn>
+                              </p:par>
+                            </p:childTnLst>
+                          </p:cTn>
+                        </p:par>
+                      </p:childTnLst>
+                    </p:cTn>
+                  </p:par>
+                </p:childTnLst>
+              </p:cTn>
+              <p:prevCondLst>
+                <p:cond evt="onPrev" delay="0">
+                  <p:tgtEl>
+                    <p:sldTgt/>
+                  </p:tgtEl>
+                </p:cond>
+              </p:prevCondLst>
+              <p:nextCondLst>
+                <p:cond evt="onNext" delay="0">
+                  <p:tgtEl>
+                    <p:sldTgt/>
+                  </p:tgtEl>
+                </p:cond>
+              </p:nextCondLst>
+            </p:seq>
+          </p:childTnLst>
+        </p:cTn>
+      </p:par>
+    </p:tnLst>
+    <p:bldLst>
+      <p:bldP spid="2" grpId="0"/>
+      <p:bldP spid="2" grpId="1"/>
+      <p:bldP spid="3" grpId="0" build="p"/>
+      <p:bldP spid="8" grpId="0" build="allAtOnce"/>
+    </p:bldLst>
+  </p:timing>
 </p:sld>
 </file>
 
@@ -5202,20 +7941,8 @@
           <a:lstStyle/>
           <a:p>
             <a:r>
-              <a:rPr lang="it-IT" dirty="0" err="1"/>
-              <a:t>Algorithms</a:t>
-            </a:r>
-            <a:r>
-              <a:rPr lang="it-IT" dirty="0"/>
-              <a:t> and </a:t>
-            </a:r>
-            <a:r>
-              <a:rPr lang="it-IT" dirty="0" err="1"/>
-              <a:t>technologies</a:t>
-            </a:r>
-            <a:r>
-              <a:rPr lang="it-IT" dirty="0"/>
-              <a:t> </a:t>
+              <a:rPr lang="it-IT" b="1" dirty="0"/>
+              <a:t>ALGORITHMS AND TECHNOLOGIES</a:t>
             </a:r>
           </a:p>
         </p:txBody>
@@ -5238,14 +7965,21 @@
         </p:nvSpPr>
         <p:spPr>
           <a:xfrm>
-            <a:off x="1451579" y="1853754"/>
-            <a:ext cx="6749716" cy="3355975"/>
+            <a:off x="1451579" y="1853755"/>
+            <a:ext cx="6749716" cy="1899096"/>
           </a:xfrm>
         </p:spPr>
         <p:txBody>
-          <a:bodyPr/>
+          <a:bodyPr>
+            <a:normAutofit/>
+          </a:bodyPr>
           <a:lstStyle/>
           <a:p>
+            <a:pPr>
+              <a:buBlip>
+                <a:blip r:embed="rId3"/>
+              </a:buBlip>
+            </a:pPr>
             <a:r>
               <a:rPr lang="it-IT" dirty="0"/>
               <a:t>Sampling: </a:t>
@@ -5264,7 +7998,7 @@
             </a:r>
             <a:r>
               <a:rPr lang="it-IT" dirty="0"/>
-              <a:t> output </a:t>
+              <a:t> input </a:t>
             </a:r>
             <a:r>
               <a:rPr lang="it-IT" dirty="0" err="1"/>
@@ -5273,6 +8007,22 @@
             <a:endParaRPr lang="it-IT" dirty="0"/>
           </a:p>
           <a:p>
+            <a:pPr>
+              <a:buBlip>
+                <a:blip r:embed="rId3"/>
+              </a:buBlip>
+            </a:pPr>
+            <a:r>
+              <a:rPr lang="it-IT" dirty="0"/>
+              <a:t>Data transmission to a MQTT broker</a:t>
+            </a:r>
+          </a:p>
+          <a:p>
+            <a:pPr>
+              <a:buBlip>
+                <a:blip r:embed="rId3"/>
+              </a:buBlip>
+            </a:pPr>
             <a:r>
               <a:rPr lang="it-IT" dirty="0" err="1"/>
               <a:t>Communication</a:t>
@@ -5296,12 +8046,11 @@
             <a:endParaRPr lang="it-IT" dirty="0"/>
           </a:p>
           <a:p>
-            <a:r>
-              <a:rPr lang="it-IT" dirty="0"/>
-              <a:t>Data transmission to a MQTT broker</a:t>
-            </a:r>
-          </a:p>
-          <a:p>
+            <a:pPr>
+              <a:buBlip>
+                <a:blip r:embed="rId3"/>
+              </a:buBlip>
+            </a:pPr>
             <a:r>
               <a:rPr lang="it-IT" dirty="0" err="1"/>
               <a:t>Sleep</a:t>
@@ -5326,6 +8075,53 @@
           </a:p>
         </p:txBody>
       </p:sp>
+      <p:pic>
+        <p:nvPicPr>
+          <p:cNvPr id="1026" name="Picture 2" descr="Getting Started with ESP-NOW (ESP32 with Arduino IDE) | Random Nerd  Tutorials">
+            <a:extLst>
+              <a:ext uri="{FF2B5EF4-FFF2-40B4-BE49-F238E27FC236}">
+                <a16:creationId xmlns:a16="http://schemas.microsoft.com/office/drawing/2014/main" id="{32104881-0CE9-1CDD-17EC-6C5AA07AC63E}"/>
+              </a:ext>
+            </a:extLst>
+          </p:cNvPr>
+          <p:cNvPicPr>
+            <a:picLocks noChangeAspect="1" noChangeArrowheads="1"/>
+          </p:cNvPicPr>
+          <p:nvPr/>
+        </p:nvPicPr>
+        <p:blipFill>
+          <a:blip r:embed="rId4">
+            <a:extLst>
+              <a:ext uri="{28A0092B-C50C-407E-A947-70E740481C1C}">
+                <a14:useLocalDpi xmlns:a14="http://schemas.microsoft.com/office/drawing/2010/main" val="0"/>
+              </a:ext>
+            </a:extLst>
+          </a:blip>
+          <a:srcRect/>
+          <a:stretch>
+            <a:fillRect/>
+          </a:stretch>
+        </p:blipFill>
+        <p:spPr bwMode="auto">
+          <a:xfrm>
+            <a:off x="6612677" y="4314825"/>
+            <a:ext cx="4126762" cy="1028700"/>
+          </a:xfrm>
+          <a:prstGeom prst="rect">
+            <a:avLst/>
+          </a:prstGeom>
+          <a:noFill/>
+          <a:extLst>
+            <a:ext uri="{909E8E84-426E-40DD-AFC4-6F175D3DCCD1}">
+              <a14:hiddenFill xmlns:a14="http://schemas.microsoft.com/office/drawing/2010/main">
+                <a:solidFill>
+                  <a:srgbClr val="FFFFFF"/>
+                </a:solidFill>
+              </a14:hiddenFill>
+            </a:ext>
+          </a:extLst>
+        </p:spPr>
+      </p:pic>
     </p:spTree>
     <p:extLst>
       <p:ext uri="{BB962C8B-B14F-4D97-AF65-F5344CB8AC3E}">
@@ -5336,6 +8132,610 @@
   <p:clrMapOvr>
     <a:masterClrMapping/>
   </p:clrMapOvr>
+  <p:timing>
+    <p:tnLst>
+      <p:par>
+        <p:cTn id="1" dur="indefinite" restart="never" nodeType="tmRoot">
+          <p:childTnLst>
+            <p:seq concurrent="1" nextAc="seek">
+              <p:cTn id="2" dur="indefinite" nodeType="mainSeq">
+                <p:childTnLst>
+                  <p:par>
+                    <p:cTn id="3" fill="hold">
+                      <p:stCondLst>
+                        <p:cond delay="indefinite"/>
+                        <p:cond evt="onBegin" delay="0">
+                          <p:tn val="2"/>
+                        </p:cond>
+                      </p:stCondLst>
+                      <p:childTnLst>
+                        <p:par>
+                          <p:cTn id="4" fill="hold">
+                            <p:stCondLst>
+                              <p:cond delay="0"/>
+                            </p:stCondLst>
+                            <p:childTnLst>
+                              <p:par>
+                                <p:cTn id="5" presetID="10" presetClass="entr" presetSubtype="0" fill="hold" grpId="0" nodeType="afterEffect">
+                                  <p:stCondLst>
+                                    <p:cond delay="0"/>
+                                  </p:stCondLst>
+                                  <p:childTnLst>
+                                    <p:set>
+                                      <p:cBhvr>
+                                        <p:cTn id="6" dur="1" fill="hold">
+                                          <p:stCondLst>
+                                            <p:cond delay="0"/>
+                                          </p:stCondLst>
+                                        </p:cTn>
+                                        <p:tgtEl>
+                                          <p:spTgt spid="2"/>
+                                        </p:tgtEl>
+                                        <p:attrNameLst>
+                                          <p:attrName>style.visibility</p:attrName>
+                                        </p:attrNameLst>
+                                      </p:cBhvr>
+                                      <p:to>
+                                        <p:strVal val="visible"/>
+                                      </p:to>
+                                    </p:set>
+                                    <p:animEffect transition="in" filter="fade">
+                                      <p:cBhvr>
+                                        <p:cTn id="7" dur="750"/>
+                                        <p:tgtEl>
+                                          <p:spTgt spid="2"/>
+                                        </p:tgtEl>
+                                      </p:cBhvr>
+                                    </p:animEffect>
+                                  </p:childTnLst>
+                                </p:cTn>
+                              </p:par>
+                            </p:childTnLst>
+                          </p:cTn>
+                        </p:par>
+                        <p:par>
+                          <p:cTn id="8" fill="hold">
+                            <p:stCondLst>
+                              <p:cond delay="750"/>
+                            </p:stCondLst>
+                            <p:childTnLst>
+                              <p:par>
+                                <p:cTn id="9" presetID="10" presetClass="entr" presetSubtype="0" fill="hold" grpId="0" nodeType="afterEffect">
+                                  <p:stCondLst>
+                                    <p:cond delay="0"/>
+                                  </p:stCondLst>
+                                  <p:childTnLst>
+                                    <p:set>
+                                      <p:cBhvr>
+                                        <p:cTn id="10" dur="1" fill="hold">
+                                          <p:stCondLst>
+                                            <p:cond delay="0"/>
+                                          </p:stCondLst>
+                                        </p:cTn>
+                                        <p:tgtEl>
+                                          <p:spTgt spid="3">
+                                            <p:txEl>
+                                              <p:pRg st="0" end="0"/>
+                                            </p:txEl>
+                                          </p:spTgt>
+                                        </p:tgtEl>
+                                        <p:attrNameLst>
+                                          <p:attrName>style.visibility</p:attrName>
+                                        </p:attrNameLst>
+                                      </p:cBhvr>
+                                      <p:to>
+                                        <p:strVal val="visible"/>
+                                      </p:to>
+                                    </p:set>
+                                    <p:animEffect transition="in" filter="fade">
+                                      <p:cBhvr>
+                                        <p:cTn id="11" dur="500"/>
+                                        <p:tgtEl>
+                                          <p:spTgt spid="3">
+                                            <p:txEl>
+                                              <p:pRg st="0" end="0"/>
+                                            </p:txEl>
+                                          </p:spTgt>
+                                        </p:tgtEl>
+                                      </p:cBhvr>
+                                    </p:animEffect>
+                                  </p:childTnLst>
+                                </p:cTn>
+                              </p:par>
+                            </p:childTnLst>
+                          </p:cTn>
+                        </p:par>
+                        <p:par>
+                          <p:cTn id="12" fill="hold">
+                            <p:stCondLst>
+                              <p:cond delay="1250"/>
+                            </p:stCondLst>
+                            <p:childTnLst>
+                              <p:par>
+                                <p:cTn id="13" presetID="10" presetClass="entr" presetSubtype="0" fill="hold" grpId="0" nodeType="afterEffect">
+                                  <p:stCondLst>
+                                    <p:cond delay="0"/>
+                                  </p:stCondLst>
+                                  <p:childTnLst>
+                                    <p:set>
+                                      <p:cBhvr>
+                                        <p:cTn id="14" dur="1" fill="hold">
+                                          <p:stCondLst>
+                                            <p:cond delay="0"/>
+                                          </p:stCondLst>
+                                        </p:cTn>
+                                        <p:tgtEl>
+                                          <p:spTgt spid="3">
+                                            <p:txEl>
+                                              <p:pRg st="1" end="1"/>
+                                            </p:txEl>
+                                          </p:spTgt>
+                                        </p:tgtEl>
+                                        <p:attrNameLst>
+                                          <p:attrName>style.visibility</p:attrName>
+                                        </p:attrNameLst>
+                                      </p:cBhvr>
+                                      <p:to>
+                                        <p:strVal val="visible"/>
+                                      </p:to>
+                                    </p:set>
+                                    <p:animEffect transition="in" filter="fade">
+                                      <p:cBhvr>
+                                        <p:cTn id="15" dur="500"/>
+                                        <p:tgtEl>
+                                          <p:spTgt spid="3">
+                                            <p:txEl>
+                                              <p:pRg st="1" end="1"/>
+                                            </p:txEl>
+                                          </p:spTgt>
+                                        </p:tgtEl>
+                                      </p:cBhvr>
+                                    </p:animEffect>
+                                  </p:childTnLst>
+                                </p:cTn>
+                              </p:par>
+                            </p:childTnLst>
+                          </p:cTn>
+                        </p:par>
+                        <p:par>
+                          <p:cTn id="16" fill="hold">
+                            <p:stCondLst>
+                              <p:cond delay="1750"/>
+                            </p:stCondLst>
+                            <p:childTnLst>
+                              <p:par>
+                                <p:cTn id="17" presetID="10" presetClass="entr" presetSubtype="0" fill="hold" grpId="0" nodeType="afterEffect">
+                                  <p:stCondLst>
+                                    <p:cond delay="0"/>
+                                  </p:stCondLst>
+                                  <p:childTnLst>
+                                    <p:set>
+                                      <p:cBhvr>
+                                        <p:cTn id="18" dur="1" fill="hold">
+                                          <p:stCondLst>
+                                            <p:cond delay="0"/>
+                                          </p:stCondLst>
+                                        </p:cTn>
+                                        <p:tgtEl>
+                                          <p:spTgt spid="3">
+                                            <p:txEl>
+                                              <p:pRg st="2" end="2"/>
+                                            </p:txEl>
+                                          </p:spTgt>
+                                        </p:tgtEl>
+                                        <p:attrNameLst>
+                                          <p:attrName>style.visibility</p:attrName>
+                                        </p:attrNameLst>
+                                      </p:cBhvr>
+                                      <p:to>
+                                        <p:strVal val="visible"/>
+                                      </p:to>
+                                    </p:set>
+                                    <p:animEffect transition="in" filter="fade">
+                                      <p:cBhvr>
+                                        <p:cTn id="19" dur="500"/>
+                                        <p:tgtEl>
+                                          <p:spTgt spid="3">
+                                            <p:txEl>
+                                              <p:pRg st="2" end="2"/>
+                                            </p:txEl>
+                                          </p:spTgt>
+                                        </p:tgtEl>
+                                      </p:cBhvr>
+                                    </p:animEffect>
+                                  </p:childTnLst>
+                                </p:cTn>
+                              </p:par>
+                            </p:childTnLst>
+                          </p:cTn>
+                        </p:par>
+                        <p:par>
+                          <p:cTn id="20" fill="hold">
+                            <p:stCondLst>
+                              <p:cond delay="2250"/>
+                            </p:stCondLst>
+                            <p:childTnLst>
+                              <p:par>
+                                <p:cTn id="21" presetID="10" presetClass="entr" presetSubtype="0" fill="hold" grpId="0" nodeType="afterEffect">
+                                  <p:stCondLst>
+                                    <p:cond delay="0"/>
+                                  </p:stCondLst>
+                                  <p:childTnLst>
+                                    <p:set>
+                                      <p:cBhvr>
+                                        <p:cTn id="22" dur="1" fill="hold">
+                                          <p:stCondLst>
+                                            <p:cond delay="0"/>
+                                          </p:stCondLst>
+                                        </p:cTn>
+                                        <p:tgtEl>
+                                          <p:spTgt spid="3">
+                                            <p:txEl>
+                                              <p:pRg st="3" end="3"/>
+                                            </p:txEl>
+                                          </p:spTgt>
+                                        </p:tgtEl>
+                                        <p:attrNameLst>
+                                          <p:attrName>style.visibility</p:attrName>
+                                        </p:attrNameLst>
+                                      </p:cBhvr>
+                                      <p:to>
+                                        <p:strVal val="visible"/>
+                                      </p:to>
+                                    </p:set>
+                                    <p:animEffect transition="in" filter="fade">
+                                      <p:cBhvr>
+                                        <p:cTn id="23" dur="500"/>
+                                        <p:tgtEl>
+                                          <p:spTgt spid="3">
+                                            <p:txEl>
+                                              <p:pRg st="3" end="3"/>
+                                            </p:txEl>
+                                          </p:spTgt>
+                                        </p:tgtEl>
+                                      </p:cBhvr>
+                                    </p:animEffect>
+                                  </p:childTnLst>
+                                </p:cTn>
+                              </p:par>
+                            </p:childTnLst>
+                          </p:cTn>
+                        </p:par>
+                        <p:par>
+                          <p:cTn id="24" fill="hold">
+                            <p:stCondLst>
+                              <p:cond delay="2750"/>
+                            </p:stCondLst>
+                            <p:childTnLst>
+                              <p:par>
+                                <p:cTn id="25" presetID="10" presetClass="entr" presetSubtype="0" fill="hold" nodeType="afterEffect">
+                                  <p:stCondLst>
+                                    <p:cond delay="0"/>
+                                  </p:stCondLst>
+                                  <p:childTnLst>
+                                    <p:set>
+                                      <p:cBhvr>
+                                        <p:cTn id="26" dur="1" fill="hold">
+                                          <p:stCondLst>
+                                            <p:cond delay="0"/>
+                                          </p:stCondLst>
+                                        </p:cTn>
+                                        <p:tgtEl>
+                                          <p:spTgt spid="1026"/>
+                                        </p:tgtEl>
+                                        <p:attrNameLst>
+                                          <p:attrName>style.visibility</p:attrName>
+                                        </p:attrNameLst>
+                                      </p:cBhvr>
+                                      <p:to>
+                                        <p:strVal val="visible"/>
+                                      </p:to>
+                                    </p:set>
+                                    <p:animEffect transition="in" filter="fade">
+                                      <p:cBhvr>
+                                        <p:cTn id="27" dur="500"/>
+                                        <p:tgtEl>
+                                          <p:spTgt spid="1026"/>
+                                        </p:tgtEl>
+                                      </p:cBhvr>
+                                    </p:animEffect>
+                                  </p:childTnLst>
+                                </p:cTn>
+                              </p:par>
+                            </p:childTnLst>
+                          </p:cTn>
+                        </p:par>
+                      </p:childTnLst>
+                    </p:cTn>
+                  </p:par>
+                  <p:par>
+                    <p:cTn id="28" fill="hold">
+                      <p:stCondLst>
+                        <p:cond delay="indefinite"/>
+                      </p:stCondLst>
+                      <p:childTnLst>
+                        <p:par>
+                          <p:cTn id="29" fill="hold">
+                            <p:stCondLst>
+                              <p:cond delay="0"/>
+                            </p:stCondLst>
+                            <p:childTnLst>
+                              <p:par>
+                                <p:cTn id="30" presetID="10" presetClass="exit" presetSubtype="0" fill="hold" grpId="1" nodeType="clickEffect">
+                                  <p:stCondLst>
+                                    <p:cond delay="0"/>
+                                  </p:stCondLst>
+                                  <p:childTnLst>
+                                    <p:animEffect transition="out" filter="fade">
+                                      <p:cBhvr>
+                                        <p:cTn id="31" dur="500"/>
+                                        <p:tgtEl>
+                                          <p:spTgt spid="2"/>
+                                        </p:tgtEl>
+                                      </p:cBhvr>
+                                    </p:animEffect>
+                                    <p:set>
+                                      <p:cBhvr>
+                                        <p:cTn id="32" dur="1" fill="hold">
+                                          <p:stCondLst>
+                                            <p:cond delay="499"/>
+                                          </p:stCondLst>
+                                        </p:cTn>
+                                        <p:tgtEl>
+                                          <p:spTgt spid="2"/>
+                                        </p:tgtEl>
+                                        <p:attrNameLst>
+                                          <p:attrName>style.visibility</p:attrName>
+                                        </p:attrNameLst>
+                                      </p:cBhvr>
+                                      <p:to>
+                                        <p:strVal val="hidden"/>
+                                      </p:to>
+                                    </p:set>
+                                  </p:childTnLst>
+                                </p:cTn>
+                              </p:par>
+                              <p:par>
+                                <p:cTn id="33" presetID="10" presetClass="exit" presetSubtype="0" fill="hold" grpId="1" nodeType="withEffect">
+                                  <p:stCondLst>
+                                    <p:cond delay="0"/>
+                                  </p:stCondLst>
+                                  <p:childTnLst>
+                                    <p:animEffect transition="out" filter="fade">
+                                      <p:cBhvr>
+                                        <p:cTn id="34" dur="500"/>
+                                        <p:tgtEl>
+                                          <p:spTgt spid="3">
+                                            <p:txEl>
+                                              <p:pRg st="0" end="0"/>
+                                            </p:txEl>
+                                          </p:spTgt>
+                                        </p:tgtEl>
+                                      </p:cBhvr>
+                                    </p:animEffect>
+                                    <p:set>
+                                      <p:cBhvr>
+                                        <p:cTn id="35" dur="1" fill="hold">
+                                          <p:stCondLst>
+                                            <p:cond delay="499"/>
+                                          </p:stCondLst>
+                                        </p:cTn>
+                                        <p:tgtEl>
+                                          <p:spTgt spid="3">
+                                            <p:txEl>
+                                              <p:pRg st="0" end="0"/>
+                                            </p:txEl>
+                                          </p:spTgt>
+                                        </p:tgtEl>
+                                        <p:attrNameLst>
+                                          <p:attrName>style.visibility</p:attrName>
+                                        </p:attrNameLst>
+                                      </p:cBhvr>
+                                      <p:to>
+                                        <p:strVal val="hidden"/>
+                                      </p:to>
+                                    </p:set>
+                                  </p:childTnLst>
+                                </p:cTn>
+                              </p:par>
+                              <p:par>
+                                <p:cTn id="36" presetID="10" presetClass="exit" presetSubtype="0" fill="hold" grpId="1" nodeType="withEffect">
+                                  <p:stCondLst>
+                                    <p:cond delay="0"/>
+                                  </p:stCondLst>
+                                  <p:childTnLst>
+                                    <p:animEffect transition="out" filter="fade">
+                                      <p:cBhvr>
+                                        <p:cTn id="37" dur="500"/>
+                                        <p:tgtEl>
+                                          <p:spTgt spid="3">
+                                            <p:txEl>
+                                              <p:pRg st="1" end="1"/>
+                                            </p:txEl>
+                                          </p:spTgt>
+                                        </p:tgtEl>
+                                      </p:cBhvr>
+                                    </p:animEffect>
+                                    <p:set>
+                                      <p:cBhvr>
+                                        <p:cTn id="38" dur="1" fill="hold">
+                                          <p:stCondLst>
+                                            <p:cond delay="499"/>
+                                          </p:stCondLst>
+                                        </p:cTn>
+                                        <p:tgtEl>
+                                          <p:spTgt spid="3">
+                                            <p:txEl>
+                                              <p:pRg st="1" end="1"/>
+                                            </p:txEl>
+                                          </p:spTgt>
+                                        </p:tgtEl>
+                                        <p:attrNameLst>
+                                          <p:attrName>style.visibility</p:attrName>
+                                        </p:attrNameLst>
+                                      </p:cBhvr>
+                                      <p:to>
+                                        <p:strVal val="hidden"/>
+                                      </p:to>
+                                    </p:set>
+                                  </p:childTnLst>
+                                </p:cTn>
+                              </p:par>
+                              <p:par>
+                                <p:cTn id="39" presetID="10" presetClass="exit" presetSubtype="0" fill="hold" grpId="1" nodeType="withEffect">
+                                  <p:stCondLst>
+                                    <p:cond delay="0"/>
+                                  </p:stCondLst>
+                                  <p:childTnLst>
+                                    <p:animEffect transition="out" filter="fade">
+                                      <p:cBhvr>
+                                        <p:cTn id="40" dur="500"/>
+                                        <p:tgtEl>
+                                          <p:spTgt spid="3">
+                                            <p:txEl>
+                                              <p:pRg st="2" end="2"/>
+                                            </p:txEl>
+                                          </p:spTgt>
+                                        </p:tgtEl>
+                                      </p:cBhvr>
+                                    </p:animEffect>
+                                    <p:set>
+                                      <p:cBhvr>
+                                        <p:cTn id="41" dur="1" fill="hold">
+                                          <p:stCondLst>
+                                            <p:cond delay="499"/>
+                                          </p:stCondLst>
+                                        </p:cTn>
+                                        <p:tgtEl>
+                                          <p:spTgt spid="3">
+                                            <p:txEl>
+                                              <p:pRg st="2" end="2"/>
+                                            </p:txEl>
+                                          </p:spTgt>
+                                        </p:tgtEl>
+                                        <p:attrNameLst>
+                                          <p:attrName>style.visibility</p:attrName>
+                                        </p:attrNameLst>
+                                      </p:cBhvr>
+                                      <p:to>
+                                        <p:strVal val="hidden"/>
+                                      </p:to>
+                                    </p:set>
+                                  </p:childTnLst>
+                                </p:cTn>
+                              </p:par>
+                              <p:par>
+                                <p:cTn id="42" presetID="10" presetClass="exit" presetSubtype="0" fill="hold" grpId="1" nodeType="withEffect">
+                                  <p:stCondLst>
+                                    <p:cond delay="0"/>
+                                  </p:stCondLst>
+                                  <p:childTnLst>
+                                    <p:animEffect transition="out" filter="fade">
+                                      <p:cBhvr>
+                                        <p:cTn id="43" dur="500"/>
+                                        <p:tgtEl>
+                                          <p:spTgt spid="3">
+                                            <p:txEl>
+                                              <p:pRg st="3" end="3"/>
+                                            </p:txEl>
+                                          </p:spTgt>
+                                        </p:tgtEl>
+                                      </p:cBhvr>
+                                    </p:animEffect>
+                                    <p:set>
+                                      <p:cBhvr>
+                                        <p:cTn id="44" dur="1" fill="hold">
+                                          <p:stCondLst>
+                                            <p:cond delay="499"/>
+                                          </p:stCondLst>
+                                        </p:cTn>
+                                        <p:tgtEl>
+                                          <p:spTgt spid="3">
+                                            <p:txEl>
+                                              <p:pRg st="3" end="3"/>
+                                            </p:txEl>
+                                          </p:spTgt>
+                                        </p:tgtEl>
+                                        <p:attrNameLst>
+                                          <p:attrName>style.visibility</p:attrName>
+                                        </p:attrNameLst>
+                                      </p:cBhvr>
+                                      <p:to>
+                                        <p:strVal val="hidden"/>
+                                      </p:to>
+                                    </p:set>
+                                  </p:childTnLst>
+                                </p:cTn>
+                              </p:par>
+                              <p:par>
+                                <p:cTn id="45" presetID="10" presetClass="exit" presetSubtype="0" fill="hold" nodeType="withEffect">
+                                  <p:stCondLst>
+                                    <p:cond delay="0"/>
+                                  </p:stCondLst>
+                                  <p:childTnLst>
+                                    <p:animEffect transition="out" filter="fade">
+                                      <p:cBhvr>
+                                        <p:cTn id="46" dur="500"/>
+                                        <p:tgtEl>
+                                          <p:spTgt spid="1026"/>
+                                        </p:tgtEl>
+                                      </p:cBhvr>
+                                    </p:animEffect>
+                                    <p:set>
+                                      <p:cBhvr>
+                                        <p:cTn id="47" dur="1" fill="hold">
+                                          <p:stCondLst>
+                                            <p:cond delay="499"/>
+                                          </p:stCondLst>
+                                        </p:cTn>
+                                        <p:tgtEl>
+                                          <p:spTgt spid="1026"/>
+                                        </p:tgtEl>
+                                        <p:attrNameLst>
+                                          <p:attrName>style.visibility</p:attrName>
+                                        </p:attrNameLst>
+                                      </p:cBhvr>
+                                      <p:to>
+                                        <p:strVal val="hidden"/>
+                                      </p:to>
+                                    </p:set>
+                                  </p:childTnLst>
+                                </p:cTn>
+                              </p:par>
+                            </p:childTnLst>
+                          </p:cTn>
+                        </p:par>
+                      </p:childTnLst>
+                    </p:cTn>
+                  </p:par>
+                </p:childTnLst>
+              </p:cTn>
+              <p:prevCondLst>
+                <p:cond evt="onPrev" delay="0">
+                  <p:tgtEl>
+                    <p:sldTgt/>
+                  </p:tgtEl>
+                </p:cond>
+              </p:prevCondLst>
+              <p:nextCondLst>
+                <p:cond evt="onNext" delay="0">
+                  <p:tgtEl>
+                    <p:sldTgt/>
+                  </p:tgtEl>
+                </p:cond>
+              </p:nextCondLst>
+            </p:seq>
+          </p:childTnLst>
+        </p:cTn>
+      </p:par>
+    </p:tnLst>
+    <p:bldLst>
+      <p:bldP spid="2" grpId="0"/>
+      <p:bldP spid="2" grpId="1"/>
+      <p:bldP spid="3" grpId="0" build="p"/>
+      <p:bldP spid="3" grpId="1" build="p"/>
+    </p:bldLst>
+  </p:timing>
 </p:sld>
 </file>
 
@@ -5393,10 +8793,9 @@
           <a:lstStyle/>
           <a:p>
             <a:r>
-              <a:rPr lang="it-IT" dirty="0" err="1"/>
-              <a:t>Experiments</a:t>
-            </a:r>
-            <a:endParaRPr lang="it-IT" dirty="0"/>
+              <a:rPr lang="it-IT" b="1" dirty="0"/>
+              <a:t>EXPERIMENTS</a:t>
+            </a:r>
           </a:p>
         </p:txBody>
       </p:sp>
@@ -5426,6 +8825,11 @@
           <a:bodyPr/>
           <a:lstStyle/>
           <a:p>
+            <a:pPr>
+              <a:buBlip>
+                <a:blip r:embed="rId3"/>
+              </a:buBlip>
+            </a:pPr>
             <a:r>
               <a:rPr lang="it-IT" dirty="0" err="1"/>
               <a:t>Actuators</a:t>
@@ -5449,6 +8853,11 @@
             <a:endParaRPr lang="it-IT" dirty="0"/>
           </a:p>
           <a:p>
+            <a:pPr>
+              <a:buBlip>
+                <a:blip r:embed="rId3"/>
+              </a:buBlip>
+            </a:pPr>
             <a:r>
               <a:rPr lang="it-IT" dirty="0"/>
               <a:t>Air </a:t>
@@ -5476,6 +8885,11 @@
             <a:endParaRPr lang="it-IT" dirty="0"/>
           </a:p>
           <a:p>
+            <a:pPr>
+              <a:buBlip>
+                <a:blip r:embed="rId3"/>
+              </a:buBlip>
+            </a:pPr>
             <a:r>
               <a:rPr lang="it-IT" dirty="0" err="1"/>
               <a:t>Noises</a:t>
@@ -5494,6 +8908,11 @@
             </a:r>
           </a:p>
           <a:p>
+            <a:pPr>
+              <a:buBlip>
+                <a:blip r:embed="rId3"/>
+              </a:buBlip>
+            </a:pPr>
             <a:r>
               <a:rPr lang="it-IT" dirty="0" err="1"/>
               <a:t>Communication</a:t>
@@ -5504,6 +8923,11 @@
             </a:r>
           </a:p>
           <a:p>
+            <a:pPr>
+              <a:buBlip>
+                <a:blip r:embed="rId3"/>
+              </a:buBlip>
+            </a:pPr>
             <a:r>
               <a:rPr lang="it-IT" dirty="0"/>
               <a:t>Energy </a:t>
@@ -5516,6 +8940,42 @@
           </a:p>
         </p:txBody>
       </p:sp>
+      <p:pic>
+        <p:nvPicPr>
+          <p:cNvPr id="5" name="Immagine 4" descr="Immagine che contiene schermata, cerchio, Elementi grafici, Blu elettrico&#10;&#10;Descrizione generata automaticamente">
+            <a:extLst>
+              <a:ext uri="{FF2B5EF4-FFF2-40B4-BE49-F238E27FC236}">
+                <a16:creationId xmlns:a16="http://schemas.microsoft.com/office/drawing/2014/main" id="{9D41E7F2-1536-1CA7-BAAB-AF3556B51E17}"/>
+              </a:ext>
+            </a:extLst>
+          </p:cNvPr>
+          <p:cNvPicPr>
+            <a:picLocks noChangeAspect="1"/>
+          </p:cNvPicPr>
+          <p:nvPr/>
+        </p:nvPicPr>
+        <p:blipFill>
+          <a:blip r:embed="rId4">
+            <a:extLst>
+              <a:ext uri="{28A0092B-C50C-407E-A947-70E740481C1C}">
+                <a14:useLocalDpi xmlns:a14="http://schemas.microsoft.com/office/drawing/2010/main" val="0"/>
+              </a:ext>
+            </a:extLst>
+          </a:blip>
+          <a:stretch>
+            <a:fillRect/>
+          </a:stretch>
+        </p:blipFill>
+        <p:spPr>
+          <a:xfrm>
+            <a:off x="7275754" y="3339654"/>
+            <a:ext cx="3225694" cy="3225694"/>
+          </a:xfrm>
+          <a:prstGeom prst="rect">
+            <a:avLst/>
+          </a:prstGeom>
+        </p:spPr>
+      </p:pic>
     </p:spTree>
     <p:extLst>
       <p:ext uri="{BB962C8B-B14F-4D97-AF65-F5344CB8AC3E}">
@@ -5526,6 +8986,705 @@
   <p:clrMapOvr>
     <a:masterClrMapping/>
   </p:clrMapOvr>
+  <p:timing>
+    <p:tnLst>
+      <p:par>
+        <p:cTn id="1" dur="indefinite" restart="never" nodeType="tmRoot">
+          <p:childTnLst>
+            <p:seq concurrent="1" nextAc="seek">
+              <p:cTn id="2" dur="indefinite" nodeType="mainSeq">
+                <p:childTnLst>
+                  <p:par>
+                    <p:cTn id="3" fill="hold">
+                      <p:stCondLst>
+                        <p:cond delay="indefinite"/>
+                        <p:cond evt="onBegin" delay="0">
+                          <p:tn val="2"/>
+                        </p:cond>
+                      </p:stCondLst>
+                      <p:childTnLst>
+                        <p:par>
+                          <p:cTn id="4" fill="hold">
+                            <p:stCondLst>
+                              <p:cond delay="0"/>
+                            </p:stCondLst>
+                            <p:childTnLst>
+                              <p:par>
+                                <p:cTn id="5" presetID="10" presetClass="entr" presetSubtype="0" fill="hold" grpId="0" nodeType="afterEffect">
+                                  <p:stCondLst>
+                                    <p:cond delay="0"/>
+                                  </p:stCondLst>
+                                  <p:childTnLst>
+                                    <p:set>
+                                      <p:cBhvr>
+                                        <p:cTn id="6" dur="1" fill="hold">
+                                          <p:stCondLst>
+                                            <p:cond delay="0"/>
+                                          </p:stCondLst>
+                                        </p:cTn>
+                                        <p:tgtEl>
+                                          <p:spTgt spid="2"/>
+                                        </p:tgtEl>
+                                        <p:attrNameLst>
+                                          <p:attrName>style.visibility</p:attrName>
+                                        </p:attrNameLst>
+                                      </p:cBhvr>
+                                      <p:to>
+                                        <p:strVal val="visible"/>
+                                      </p:to>
+                                    </p:set>
+                                    <p:animEffect transition="in" filter="fade">
+                                      <p:cBhvr>
+                                        <p:cTn id="7" dur="750"/>
+                                        <p:tgtEl>
+                                          <p:spTgt spid="2"/>
+                                        </p:tgtEl>
+                                      </p:cBhvr>
+                                    </p:animEffect>
+                                  </p:childTnLst>
+                                </p:cTn>
+                              </p:par>
+                            </p:childTnLst>
+                          </p:cTn>
+                        </p:par>
+                        <p:par>
+                          <p:cTn id="8" fill="hold">
+                            <p:stCondLst>
+                              <p:cond delay="750"/>
+                            </p:stCondLst>
+                            <p:childTnLst>
+                              <p:par>
+                                <p:cTn id="9" presetID="10" presetClass="entr" presetSubtype="0" fill="hold" grpId="0" nodeType="afterEffect">
+                                  <p:stCondLst>
+                                    <p:cond delay="0"/>
+                                  </p:stCondLst>
+                                  <p:childTnLst>
+                                    <p:set>
+                                      <p:cBhvr>
+                                        <p:cTn id="10" dur="1" fill="hold">
+                                          <p:stCondLst>
+                                            <p:cond delay="0"/>
+                                          </p:stCondLst>
+                                        </p:cTn>
+                                        <p:tgtEl>
+                                          <p:spTgt spid="3">
+                                            <p:txEl>
+                                              <p:pRg st="0" end="0"/>
+                                            </p:txEl>
+                                          </p:spTgt>
+                                        </p:tgtEl>
+                                        <p:attrNameLst>
+                                          <p:attrName>style.visibility</p:attrName>
+                                        </p:attrNameLst>
+                                      </p:cBhvr>
+                                      <p:to>
+                                        <p:strVal val="visible"/>
+                                      </p:to>
+                                    </p:set>
+                                    <p:animEffect transition="in" filter="fade">
+                                      <p:cBhvr>
+                                        <p:cTn id="11" dur="500"/>
+                                        <p:tgtEl>
+                                          <p:spTgt spid="3">
+                                            <p:txEl>
+                                              <p:pRg st="0" end="0"/>
+                                            </p:txEl>
+                                          </p:spTgt>
+                                        </p:tgtEl>
+                                      </p:cBhvr>
+                                    </p:animEffect>
+                                  </p:childTnLst>
+                                </p:cTn>
+                              </p:par>
+                            </p:childTnLst>
+                          </p:cTn>
+                        </p:par>
+                        <p:par>
+                          <p:cTn id="12" fill="hold">
+                            <p:stCondLst>
+                              <p:cond delay="1250"/>
+                            </p:stCondLst>
+                            <p:childTnLst>
+                              <p:par>
+                                <p:cTn id="13" presetID="10" presetClass="entr" presetSubtype="0" fill="hold" grpId="0" nodeType="afterEffect">
+                                  <p:stCondLst>
+                                    <p:cond delay="0"/>
+                                  </p:stCondLst>
+                                  <p:childTnLst>
+                                    <p:set>
+                                      <p:cBhvr>
+                                        <p:cTn id="14" dur="1" fill="hold">
+                                          <p:stCondLst>
+                                            <p:cond delay="0"/>
+                                          </p:stCondLst>
+                                        </p:cTn>
+                                        <p:tgtEl>
+                                          <p:spTgt spid="3">
+                                            <p:txEl>
+                                              <p:pRg st="1" end="1"/>
+                                            </p:txEl>
+                                          </p:spTgt>
+                                        </p:tgtEl>
+                                        <p:attrNameLst>
+                                          <p:attrName>style.visibility</p:attrName>
+                                        </p:attrNameLst>
+                                      </p:cBhvr>
+                                      <p:to>
+                                        <p:strVal val="visible"/>
+                                      </p:to>
+                                    </p:set>
+                                    <p:animEffect transition="in" filter="fade">
+                                      <p:cBhvr>
+                                        <p:cTn id="15" dur="500"/>
+                                        <p:tgtEl>
+                                          <p:spTgt spid="3">
+                                            <p:txEl>
+                                              <p:pRg st="1" end="1"/>
+                                            </p:txEl>
+                                          </p:spTgt>
+                                        </p:tgtEl>
+                                      </p:cBhvr>
+                                    </p:animEffect>
+                                  </p:childTnLst>
+                                </p:cTn>
+                              </p:par>
+                            </p:childTnLst>
+                          </p:cTn>
+                        </p:par>
+                        <p:par>
+                          <p:cTn id="16" fill="hold">
+                            <p:stCondLst>
+                              <p:cond delay="1750"/>
+                            </p:stCondLst>
+                            <p:childTnLst>
+                              <p:par>
+                                <p:cTn id="17" presetID="10" presetClass="entr" presetSubtype="0" fill="hold" grpId="0" nodeType="afterEffect">
+                                  <p:stCondLst>
+                                    <p:cond delay="0"/>
+                                  </p:stCondLst>
+                                  <p:childTnLst>
+                                    <p:set>
+                                      <p:cBhvr>
+                                        <p:cTn id="18" dur="1" fill="hold">
+                                          <p:stCondLst>
+                                            <p:cond delay="0"/>
+                                          </p:stCondLst>
+                                        </p:cTn>
+                                        <p:tgtEl>
+                                          <p:spTgt spid="3">
+                                            <p:txEl>
+                                              <p:pRg st="2" end="2"/>
+                                            </p:txEl>
+                                          </p:spTgt>
+                                        </p:tgtEl>
+                                        <p:attrNameLst>
+                                          <p:attrName>style.visibility</p:attrName>
+                                        </p:attrNameLst>
+                                      </p:cBhvr>
+                                      <p:to>
+                                        <p:strVal val="visible"/>
+                                      </p:to>
+                                    </p:set>
+                                    <p:animEffect transition="in" filter="fade">
+                                      <p:cBhvr>
+                                        <p:cTn id="19" dur="500"/>
+                                        <p:tgtEl>
+                                          <p:spTgt spid="3">
+                                            <p:txEl>
+                                              <p:pRg st="2" end="2"/>
+                                            </p:txEl>
+                                          </p:spTgt>
+                                        </p:tgtEl>
+                                      </p:cBhvr>
+                                    </p:animEffect>
+                                  </p:childTnLst>
+                                </p:cTn>
+                              </p:par>
+                            </p:childTnLst>
+                          </p:cTn>
+                        </p:par>
+                        <p:par>
+                          <p:cTn id="20" fill="hold">
+                            <p:stCondLst>
+                              <p:cond delay="2250"/>
+                            </p:stCondLst>
+                            <p:childTnLst>
+                              <p:par>
+                                <p:cTn id="21" presetID="10" presetClass="entr" presetSubtype="0" fill="hold" grpId="0" nodeType="afterEffect">
+                                  <p:stCondLst>
+                                    <p:cond delay="0"/>
+                                  </p:stCondLst>
+                                  <p:childTnLst>
+                                    <p:set>
+                                      <p:cBhvr>
+                                        <p:cTn id="22" dur="1" fill="hold">
+                                          <p:stCondLst>
+                                            <p:cond delay="0"/>
+                                          </p:stCondLst>
+                                        </p:cTn>
+                                        <p:tgtEl>
+                                          <p:spTgt spid="3">
+                                            <p:txEl>
+                                              <p:pRg st="3" end="3"/>
+                                            </p:txEl>
+                                          </p:spTgt>
+                                        </p:tgtEl>
+                                        <p:attrNameLst>
+                                          <p:attrName>style.visibility</p:attrName>
+                                        </p:attrNameLst>
+                                      </p:cBhvr>
+                                      <p:to>
+                                        <p:strVal val="visible"/>
+                                      </p:to>
+                                    </p:set>
+                                    <p:animEffect transition="in" filter="fade">
+                                      <p:cBhvr>
+                                        <p:cTn id="23" dur="500"/>
+                                        <p:tgtEl>
+                                          <p:spTgt spid="3">
+                                            <p:txEl>
+                                              <p:pRg st="3" end="3"/>
+                                            </p:txEl>
+                                          </p:spTgt>
+                                        </p:tgtEl>
+                                      </p:cBhvr>
+                                    </p:animEffect>
+                                  </p:childTnLst>
+                                </p:cTn>
+                              </p:par>
+                            </p:childTnLst>
+                          </p:cTn>
+                        </p:par>
+                        <p:par>
+                          <p:cTn id="24" fill="hold">
+                            <p:stCondLst>
+                              <p:cond delay="2750"/>
+                            </p:stCondLst>
+                            <p:childTnLst>
+                              <p:par>
+                                <p:cTn id="25" presetID="10" presetClass="entr" presetSubtype="0" fill="hold" grpId="0" nodeType="afterEffect">
+                                  <p:stCondLst>
+                                    <p:cond delay="0"/>
+                                  </p:stCondLst>
+                                  <p:childTnLst>
+                                    <p:set>
+                                      <p:cBhvr>
+                                        <p:cTn id="26" dur="1" fill="hold">
+                                          <p:stCondLst>
+                                            <p:cond delay="0"/>
+                                          </p:stCondLst>
+                                        </p:cTn>
+                                        <p:tgtEl>
+                                          <p:spTgt spid="3">
+                                            <p:txEl>
+                                              <p:pRg st="4" end="4"/>
+                                            </p:txEl>
+                                          </p:spTgt>
+                                        </p:tgtEl>
+                                        <p:attrNameLst>
+                                          <p:attrName>style.visibility</p:attrName>
+                                        </p:attrNameLst>
+                                      </p:cBhvr>
+                                      <p:to>
+                                        <p:strVal val="visible"/>
+                                      </p:to>
+                                    </p:set>
+                                    <p:animEffect transition="in" filter="fade">
+                                      <p:cBhvr>
+                                        <p:cTn id="27" dur="500"/>
+                                        <p:tgtEl>
+                                          <p:spTgt spid="3">
+                                            <p:txEl>
+                                              <p:pRg st="4" end="4"/>
+                                            </p:txEl>
+                                          </p:spTgt>
+                                        </p:tgtEl>
+                                      </p:cBhvr>
+                                    </p:animEffect>
+                                  </p:childTnLst>
+                                </p:cTn>
+                              </p:par>
+                            </p:childTnLst>
+                          </p:cTn>
+                        </p:par>
+                        <p:par>
+                          <p:cTn id="28" fill="hold">
+                            <p:stCondLst>
+                              <p:cond delay="3250"/>
+                            </p:stCondLst>
+                            <p:childTnLst>
+                              <p:par>
+                                <p:cTn id="29" presetID="10" presetClass="entr" presetSubtype="0" fill="hold" nodeType="afterEffect">
+                                  <p:stCondLst>
+                                    <p:cond delay="0"/>
+                                  </p:stCondLst>
+                                  <p:childTnLst>
+                                    <p:set>
+                                      <p:cBhvr>
+                                        <p:cTn id="30" dur="1" fill="hold">
+                                          <p:stCondLst>
+                                            <p:cond delay="0"/>
+                                          </p:stCondLst>
+                                        </p:cTn>
+                                        <p:tgtEl>
+                                          <p:spTgt spid="5"/>
+                                        </p:tgtEl>
+                                        <p:attrNameLst>
+                                          <p:attrName>style.visibility</p:attrName>
+                                        </p:attrNameLst>
+                                      </p:cBhvr>
+                                      <p:to>
+                                        <p:strVal val="visible"/>
+                                      </p:to>
+                                    </p:set>
+                                    <p:animEffect transition="in" filter="fade">
+                                      <p:cBhvr>
+                                        <p:cTn id="31" dur="500"/>
+                                        <p:tgtEl>
+                                          <p:spTgt spid="5"/>
+                                        </p:tgtEl>
+                                      </p:cBhvr>
+                                    </p:animEffect>
+                                  </p:childTnLst>
+                                </p:cTn>
+                              </p:par>
+                            </p:childTnLst>
+                          </p:cTn>
+                        </p:par>
+                      </p:childTnLst>
+                    </p:cTn>
+                  </p:par>
+                  <p:par>
+                    <p:cTn id="32" fill="hold">
+                      <p:stCondLst>
+                        <p:cond delay="indefinite"/>
+                      </p:stCondLst>
+                      <p:childTnLst>
+                        <p:par>
+                          <p:cTn id="33" fill="hold">
+                            <p:stCondLst>
+                              <p:cond delay="0"/>
+                            </p:stCondLst>
+                            <p:childTnLst>
+                              <p:par>
+                                <p:cTn id="34" presetID="10" presetClass="exit" presetSubtype="0" fill="hold" grpId="1" nodeType="clickEffect">
+                                  <p:stCondLst>
+                                    <p:cond delay="0"/>
+                                  </p:stCondLst>
+                                  <p:childTnLst>
+                                    <p:animEffect transition="out" filter="fade">
+                                      <p:cBhvr>
+                                        <p:cTn id="35" dur="500"/>
+                                        <p:tgtEl>
+                                          <p:spTgt spid="2"/>
+                                        </p:tgtEl>
+                                      </p:cBhvr>
+                                    </p:animEffect>
+                                    <p:set>
+                                      <p:cBhvr>
+                                        <p:cTn id="36" dur="1" fill="hold">
+                                          <p:stCondLst>
+                                            <p:cond delay="499"/>
+                                          </p:stCondLst>
+                                        </p:cTn>
+                                        <p:tgtEl>
+                                          <p:spTgt spid="2"/>
+                                        </p:tgtEl>
+                                        <p:attrNameLst>
+                                          <p:attrName>style.visibility</p:attrName>
+                                        </p:attrNameLst>
+                                      </p:cBhvr>
+                                      <p:to>
+                                        <p:strVal val="hidden"/>
+                                      </p:to>
+                                    </p:set>
+                                  </p:childTnLst>
+                                </p:cTn>
+                              </p:par>
+                              <p:par>
+                                <p:cTn id="37" presetID="10" presetClass="exit" presetSubtype="0" fill="hold" grpId="1" nodeType="withEffect">
+                                  <p:stCondLst>
+                                    <p:cond delay="0"/>
+                                  </p:stCondLst>
+                                  <p:childTnLst>
+                                    <p:animEffect transition="out" filter="fade">
+                                      <p:cBhvr>
+                                        <p:cTn id="38" dur="500"/>
+                                        <p:tgtEl>
+                                          <p:spTgt spid="3">
+                                            <p:txEl>
+                                              <p:pRg st="0" end="0"/>
+                                            </p:txEl>
+                                          </p:spTgt>
+                                        </p:tgtEl>
+                                      </p:cBhvr>
+                                    </p:animEffect>
+                                    <p:set>
+                                      <p:cBhvr>
+                                        <p:cTn id="39" dur="1" fill="hold">
+                                          <p:stCondLst>
+                                            <p:cond delay="499"/>
+                                          </p:stCondLst>
+                                        </p:cTn>
+                                        <p:tgtEl>
+                                          <p:spTgt spid="3">
+                                            <p:txEl>
+                                              <p:pRg st="0" end="0"/>
+                                            </p:txEl>
+                                          </p:spTgt>
+                                        </p:tgtEl>
+                                        <p:attrNameLst>
+                                          <p:attrName>style.visibility</p:attrName>
+                                        </p:attrNameLst>
+                                      </p:cBhvr>
+                                      <p:to>
+                                        <p:strVal val="hidden"/>
+                                      </p:to>
+                                    </p:set>
+                                  </p:childTnLst>
+                                </p:cTn>
+                              </p:par>
+                              <p:par>
+                                <p:cTn id="40" presetID="10" presetClass="exit" presetSubtype="0" fill="hold" grpId="1" nodeType="withEffect">
+                                  <p:stCondLst>
+                                    <p:cond delay="0"/>
+                                  </p:stCondLst>
+                                  <p:childTnLst>
+                                    <p:animEffect transition="out" filter="fade">
+                                      <p:cBhvr>
+                                        <p:cTn id="41" dur="500"/>
+                                        <p:tgtEl>
+                                          <p:spTgt spid="3">
+                                            <p:txEl>
+                                              <p:pRg st="1" end="1"/>
+                                            </p:txEl>
+                                          </p:spTgt>
+                                        </p:tgtEl>
+                                      </p:cBhvr>
+                                    </p:animEffect>
+                                    <p:set>
+                                      <p:cBhvr>
+                                        <p:cTn id="42" dur="1" fill="hold">
+                                          <p:stCondLst>
+                                            <p:cond delay="499"/>
+                                          </p:stCondLst>
+                                        </p:cTn>
+                                        <p:tgtEl>
+                                          <p:spTgt spid="3">
+                                            <p:txEl>
+                                              <p:pRg st="1" end="1"/>
+                                            </p:txEl>
+                                          </p:spTgt>
+                                        </p:tgtEl>
+                                        <p:attrNameLst>
+                                          <p:attrName>style.visibility</p:attrName>
+                                        </p:attrNameLst>
+                                      </p:cBhvr>
+                                      <p:to>
+                                        <p:strVal val="hidden"/>
+                                      </p:to>
+                                    </p:set>
+                                  </p:childTnLst>
+                                </p:cTn>
+                              </p:par>
+                              <p:par>
+                                <p:cTn id="43" presetID="10" presetClass="exit" presetSubtype="0" fill="hold" grpId="1" nodeType="withEffect">
+                                  <p:stCondLst>
+                                    <p:cond delay="0"/>
+                                  </p:stCondLst>
+                                  <p:childTnLst>
+                                    <p:animEffect transition="out" filter="fade">
+                                      <p:cBhvr>
+                                        <p:cTn id="44" dur="500"/>
+                                        <p:tgtEl>
+                                          <p:spTgt spid="3">
+                                            <p:txEl>
+                                              <p:pRg st="2" end="2"/>
+                                            </p:txEl>
+                                          </p:spTgt>
+                                        </p:tgtEl>
+                                      </p:cBhvr>
+                                    </p:animEffect>
+                                    <p:set>
+                                      <p:cBhvr>
+                                        <p:cTn id="45" dur="1" fill="hold">
+                                          <p:stCondLst>
+                                            <p:cond delay="499"/>
+                                          </p:stCondLst>
+                                        </p:cTn>
+                                        <p:tgtEl>
+                                          <p:spTgt spid="3">
+                                            <p:txEl>
+                                              <p:pRg st="2" end="2"/>
+                                            </p:txEl>
+                                          </p:spTgt>
+                                        </p:tgtEl>
+                                        <p:attrNameLst>
+                                          <p:attrName>style.visibility</p:attrName>
+                                        </p:attrNameLst>
+                                      </p:cBhvr>
+                                      <p:to>
+                                        <p:strVal val="hidden"/>
+                                      </p:to>
+                                    </p:set>
+                                  </p:childTnLst>
+                                </p:cTn>
+                              </p:par>
+                              <p:par>
+                                <p:cTn id="46" presetID="10" presetClass="exit" presetSubtype="0" fill="hold" grpId="1" nodeType="withEffect">
+                                  <p:stCondLst>
+                                    <p:cond delay="0"/>
+                                  </p:stCondLst>
+                                  <p:childTnLst>
+                                    <p:animEffect transition="out" filter="fade">
+                                      <p:cBhvr>
+                                        <p:cTn id="47" dur="500"/>
+                                        <p:tgtEl>
+                                          <p:spTgt spid="3">
+                                            <p:txEl>
+                                              <p:pRg st="3" end="3"/>
+                                            </p:txEl>
+                                          </p:spTgt>
+                                        </p:tgtEl>
+                                      </p:cBhvr>
+                                    </p:animEffect>
+                                    <p:set>
+                                      <p:cBhvr>
+                                        <p:cTn id="48" dur="1" fill="hold">
+                                          <p:stCondLst>
+                                            <p:cond delay="499"/>
+                                          </p:stCondLst>
+                                        </p:cTn>
+                                        <p:tgtEl>
+                                          <p:spTgt spid="3">
+                                            <p:txEl>
+                                              <p:pRg st="3" end="3"/>
+                                            </p:txEl>
+                                          </p:spTgt>
+                                        </p:tgtEl>
+                                        <p:attrNameLst>
+                                          <p:attrName>style.visibility</p:attrName>
+                                        </p:attrNameLst>
+                                      </p:cBhvr>
+                                      <p:to>
+                                        <p:strVal val="hidden"/>
+                                      </p:to>
+                                    </p:set>
+                                  </p:childTnLst>
+                                </p:cTn>
+                              </p:par>
+                              <p:par>
+                                <p:cTn id="49" presetID="10" presetClass="exit" presetSubtype="0" fill="hold" grpId="1" nodeType="withEffect">
+                                  <p:stCondLst>
+                                    <p:cond delay="0"/>
+                                  </p:stCondLst>
+                                  <p:childTnLst>
+                                    <p:animEffect transition="out" filter="fade">
+                                      <p:cBhvr>
+                                        <p:cTn id="50" dur="500"/>
+                                        <p:tgtEl>
+                                          <p:spTgt spid="3">
+                                            <p:txEl>
+                                              <p:pRg st="4" end="4"/>
+                                            </p:txEl>
+                                          </p:spTgt>
+                                        </p:tgtEl>
+                                      </p:cBhvr>
+                                    </p:animEffect>
+                                    <p:set>
+                                      <p:cBhvr>
+                                        <p:cTn id="51" dur="1" fill="hold">
+                                          <p:stCondLst>
+                                            <p:cond delay="499"/>
+                                          </p:stCondLst>
+                                        </p:cTn>
+                                        <p:tgtEl>
+                                          <p:spTgt spid="3">
+                                            <p:txEl>
+                                              <p:pRg st="4" end="4"/>
+                                            </p:txEl>
+                                          </p:spTgt>
+                                        </p:tgtEl>
+                                        <p:attrNameLst>
+                                          <p:attrName>style.visibility</p:attrName>
+                                        </p:attrNameLst>
+                                      </p:cBhvr>
+                                      <p:to>
+                                        <p:strVal val="hidden"/>
+                                      </p:to>
+                                    </p:set>
+                                  </p:childTnLst>
+                                </p:cTn>
+                              </p:par>
+                              <p:par>
+                                <p:cTn id="52" presetID="10" presetClass="exit" presetSubtype="0" fill="hold" nodeType="withEffect">
+                                  <p:stCondLst>
+                                    <p:cond delay="0"/>
+                                  </p:stCondLst>
+                                  <p:childTnLst>
+                                    <p:animEffect transition="out" filter="fade">
+                                      <p:cBhvr>
+                                        <p:cTn id="53" dur="500"/>
+                                        <p:tgtEl>
+                                          <p:spTgt spid="5"/>
+                                        </p:tgtEl>
+                                      </p:cBhvr>
+                                    </p:animEffect>
+                                    <p:set>
+                                      <p:cBhvr>
+                                        <p:cTn id="54" dur="1" fill="hold">
+                                          <p:stCondLst>
+                                            <p:cond delay="499"/>
+                                          </p:stCondLst>
+                                        </p:cTn>
+                                        <p:tgtEl>
+                                          <p:spTgt spid="5"/>
+                                        </p:tgtEl>
+                                        <p:attrNameLst>
+                                          <p:attrName>style.visibility</p:attrName>
+                                        </p:attrNameLst>
+                                      </p:cBhvr>
+                                      <p:to>
+                                        <p:strVal val="hidden"/>
+                                      </p:to>
+                                    </p:set>
+                                  </p:childTnLst>
+                                </p:cTn>
+                              </p:par>
+                            </p:childTnLst>
+                          </p:cTn>
+                        </p:par>
+                      </p:childTnLst>
+                    </p:cTn>
+                  </p:par>
+                </p:childTnLst>
+              </p:cTn>
+              <p:prevCondLst>
+                <p:cond evt="onPrev" delay="0">
+                  <p:tgtEl>
+                    <p:sldTgt/>
+                  </p:tgtEl>
+                </p:cond>
+              </p:prevCondLst>
+              <p:nextCondLst>
+                <p:cond evt="onNext" delay="0">
+                  <p:tgtEl>
+                    <p:sldTgt/>
+                  </p:tgtEl>
+                </p:cond>
+              </p:nextCondLst>
+            </p:seq>
+          </p:childTnLst>
+        </p:cTn>
+      </p:par>
+    </p:tnLst>
+    <p:bldLst>
+      <p:bldP spid="2" grpId="0"/>
+      <p:bldP spid="2" grpId="1"/>
+      <p:bldP spid="3" grpId="0" build="p"/>
+      <p:bldP spid="3" grpId="1" uiExpand="1" build="p"/>
+    </p:bldLst>
+  </p:timing>
 </p:sld>
 </file>
 
@@ -5583,19 +9742,54 @@
           <a:lstStyle/>
           <a:p>
             <a:r>
-              <a:rPr lang="it-IT" dirty="0" err="1"/>
-              <a:t>Measurements</a:t>
-            </a:r>
-            <a:endParaRPr lang="it-IT" dirty="0"/>
+              <a:rPr lang="it-IT" b="1" dirty="0"/>
+              <a:t>MEASUREMENTS</a:t>
+            </a:r>
           </a:p>
         </p:txBody>
       </p:sp>
+      <p:pic>
+        <p:nvPicPr>
+          <p:cNvPr id="7" name="Immagine 6" descr="Immagine che contiene testo, diagramma, linea, Rettangolo&#10;&#10;Descrizione generata automaticamente">
+            <a:extLst>
+              <a:ext uri="{FF2B5EF4-FFF2-40B4-BE49-F238E27FC236}">
+                <a16:creationId xmlns:a16="http://schemas.microsoft.com/office/drawing/2014/main" id="{AD85BE30-54FB-A7C6-58FF-3A45F8B26C06}"/>
+              </a:ext>
+            </a:extLst>
+          </p:cNvPr>
+          <p:cNvPicPr>
+            <a:picLocks noChangeAspect="1"/>
+          </p:cNvPicPr>
+          <p:nvPr/>
+        </p:nvPicPr>
+        <p:blipFill>
+          <a:blip r:embed="rId3">
+            <a:extLst>
+              <a:ext uri="{28A0092B-C50C-407E-A947-70E740481C1C}">
+                <a14:useLocalDpi xmlns:a14="http://schemas.microsoft.com/office/drawing/2010/main" val="0"/>
+              </a:ext>
+            </a:extLst>
+          </a:blip>
+          <a:stretch>
+            <a:fillRect/>
+          </a:stretch>
+        </p:blipFill>
+        <p:spPr>
+          <a:xfrm>
+            <a:off x="1260602" y="2171700"/>
+            <a:ext cx="4171396" cy="3128548"/>
+          </a:xfrm>
+          <a:prstGeom prst="rect">
+            <a:avLst/>
+          </a:prstGeom>
+        </p:spPr>
+      </p:pic>
       <p:sp>
         <p:nvSpPr>
-          <p:cNvPr id="3" name="Segnaposto contenuto 2">
+          <p:cNvPr id="8" name="Segnaposto contenuto 2">
             <a:extLst>
               <a:ext uri="{FF2B5EF4-FFF2-40B4-BE49-F238E27FC236}">
-                <a16:creationId xmlns:a16="http://schemas.microsoft.com/office/drawing/2014/main" id="{3C9CB4B1-7DB3-E107-CEBB-64D6FB757FD6}"/>
+                <a16:creationId xmlns:a16="http://schemas.microsoft.com/office/drawing/2014/main" id="{CC8415C3-7E4D-7A73-247B-ECF8794216AF}"/>
               </a:ext>
             </a:extLst>
           </p:cNvPr>
@@ -5606,57 +9800,332 @@
             <p:ph idx="1"/>
           </p:nvPr>
         </p:nvSpPr>
-        <p:spPr/>
+        <p:spPr>
+          <a:xfrm>
+            <a:off x="2158934" y="5300247"/>
+            <a:ext cx="2374731" cy="371475"/>
+          </a:xfrm>
+        </p:spPr>
         <p:txBody>
-          <a:bodyPr/>
+          <a:bodyPr>
+            <a:normAutofit/>
+          </a:bodyPr>
           <a:lstStyle/>
           <a:p>
-            <a:r>
-              <a:rPr lang="it-IT" dirty="0"/>
-              <a:t>Air </a:t>
-            </a:r>
-            <a:r>
-              <a:rPr lang="it-IT" dirty="0" err="1"/>
-              <a:t>quality</a:t>
-            </a:r>
-            <a:r>
-              <a:rPr lang="it-IT" dirty="0"/>
-              <a:t> in </a:t>
-            </a:r>
-            <a:r>
-              <a:rPr lang="it-IT" dirty="0" err="1"/>
-              <a:t>different</a:t>
-            </a:r>
-            <a:r>
-              <a:rPr lang="it-IT" dirty="0"/>
-              <a:t> situations</a:t>
-            </a:r>
-          </a:p>
-          <a:p>
-            <a:r>
-              <a:rPr lang="it-IT" dirty="0" err="1"/>
-              <a:t>Noise</a:t>
-            </a:r>
-            <a:r>
-              <a:rPr lang="it-IT" dirty="0"/>
+            <a:pPr marL="0" indent="0">
+              <a:buNone/>
+            </a:pPr>
+            <a:r>
+              <a:rPr lang="it-IT" sz="1500" dirty="0" err="1"/>
+              <a:t>vTaskDelay</a:t>
+            </a:r>
+            <a:r>
+              <a:rPr lang="it-IT" sz="1500" dirty="0"/>
+              <a:t>() vs light </a:t>
+            </a:r>
+            <a:r>
+              <a:rPr lang="it-IT" sz="1500" dirty="0" err="1"/>
+              <a:t>sleep</a:t>
+            </a:r>
+            <a:endParaRPr lang="it-IT" sz="1500" dirty="0"/>
+          </a:p>
+        </p:txBody>
+      </p:sp>
+      <p:pic>
+        <p:nvPicPr>
+          <p:cNvPr id="10" name="Immagine 9" descr="Immagine che contiene testo, schermata, linea, Diagramma&#10;&#10;Descrizione generata automaticamente">
+            <a:extLst>
+              <a:ext uri="{FF2B5EF4-FFF2-40B4-BE49-F238E27FC236}">
+                <a16:creationId xmlns:a16="http://schemas.microsoft.com/office/drawing/2014/main" id="{31D96B57-74DF-9770-A9CC-7788D1E18A75}"/>
+              </a:ext>
+            </a:extLst>
+          </p:cNvPr>
+          <p:cNvPicPr>
+            <a:picLocks noChangeAspect="1"/>
+          </p:cNvPicPr>
+          <p:nvPr/>
+        </p:nvPicPr>
+        <p:blipFill>
+          <a:blip r:embed="rId4">
+            <a:extLst>
+              <a:ext uri="{28A0092B-C50C-407E-A947-70E740481C1C}">
+                <a14:useLocalDpi xmlns:a14="http://schemas.microsoft.com/office/drawing/2010/main" val="0"/>
+              </a:ext>
+            </a:extLst>
+          </a:blip>
+          <a:stretch>
+            <a:fillRect/>
+          </a:stretch>
+        </p:blipFill>
+        <p:spPr>
+          <a:xfrm>
+            <a:off x="5772150" y="2171700"/>
+            <a:ext cx="5889600" cy="3128548"/>
+          </a:xfrm>
+          <a:prstGeom prst="rect">
+            <a:avLst/>
+          </a:prstGeom>
+        </p:spPr>
+      </p:pic>
+      <p:sp>
+        <p:nvSpPr>
+          <p:cNvPr id="11" name="Segnaposto contenuto 2">
+            <a:extLst>
+              <a:ext uri="{FF2B5EF4-FFF2-40B4-BE49-F238E27FC236}">
+                <a16:creationId xmlns:a16="http://schemas.microsoft.com/office/drawing/2014/main" id="{6BBF8241-FDAF-BE0E-6A3B-42F73195AF78}"/>
+              </a:ext>
+            </a:extLst>
+          </p:cNvPr>
+          <p:cNvSpPr txBox="1">
+            <a:spLocks/>
+          </p:cNvSpPr>
+          <p:nvPr/>
+        </p:nvSpPr>
+        <p:spPr>
+          <a:xfrm>
+            <a:off x="6476229" y="5300248"/>
+            <a:ext cx="4481441" cy="371475"/>
+          </a:xfrm>
+          <a:prstGeom prst="rect">
+            <a:avLst/>
+          </a:prstGeom>
+        </p:spPr>
+        <p:txBody>
+          <a:bodyPr vert="horz" lIns="91440" tIns="45720" rIns="91440" bIns="45720" rtlCol="0">
+            <a:normAutofit/>
+          </a:bodyPr>
+          <a:lstStyle>
+            <a:lvl1pPr marL="384048" indent="-384048" algn="l" defTabSz="914400" rtl="0" eaLnBrk="1" latinLnBrk="0" hangingPunct="1">
+              <a:lnSpc>
+                <a:spcPct val="94000"/>
+              </a:lnSpc>
+              <a:spcBef>
+                <a:spcPts val="1000"/>
+              </a:spcBef>
+              <a:spcAft>
+                <a:spcPts val="200"/>
+              </a:spcAft>
+              <a:buFont typeface="Franklin Gothic Book" panose="020B0503020102020204" pitchFamily="34" charset="0"/>
+              <a:buChar char="■"/>
+              <a:defRPr sz="2000" kern="1200" baseline="0">
+                <a:solidFill>
+                  <a:schemeClr val="tx2"/>
+                </a:solidFill>
+                <a:latin typeface="+mn-lt"/>
+                <a:ea typeface="+mn-ea"/>
+                <a:cs typeface="+mn-cs"/>
+              </a:defRPr>
+            </a:lvl1pPr>
+            <a:lvl2pPr marL="914400" indent="-384048" algn="l" defTabSz="914400" rtl="0" eaLnBrk="1" latinLnBrk="0" hangingPunct="1">
+              <a:lnSpc>
+                <a:spcPct val="94000"/>
+              </a:lnSpc>
+              <a:spcBef>
+                <a:spcPts val="500"/>
+              </a:spcBef>
+              <a:spcAft>
+                <a:spcPts val="200"/>
+              </a:spcAft>
+              <a:buFont typeface="Franklin Gothic Book" panose="020B0503020102020204" pitchFamily="34" charset="0"/>
+              <a:buChar char="–"/>
+              <a:defRPr sz="2000" i="1" kern="1200" baseline="0">
+                <a:solidFill>
+                  <a:schemeClr val="tx2"/>
+                </a:solidFill>
+                <a:latin typeface="+mn-lt"/>
+                <a:ea typeface="+mn-ea"/>
+                <a:cs typeface="+mn-cs"/>
+              </a:defRPr>
+            </a:lvl2pPr>
+            <a:lvl3pPr marL="1371600" indent="-384048" algn="l" defTabSz="914400" rtl="0" eaLnBrk="1" latinLnBrk="0" hangingPunct="1">
+              <a:lnSpc>
+                <a:spcPct val="94000"/>
+              </a:lnSpc>
+              <a:spcBef>
+                <a:spcPts val="500"/>
+              </a:spcBef>
+              <a:spcAft>
+                <a:spcPts val="200"/>
+              </a:spcAft>
+              <a:buFont typeface="Franklin Gothic Book" panose="020B0503020102020204" pitchFamily="34" charset="0"/>
+              <a:buChar char="■"/>
+              <a:defRPr sz="1800" kern="1200" baseline="0">
+                <a:solidFill>
+                  <a:schemeClr val="tx2"/>
+                </a:solidFill>
+                <a:latin typeface="+mn-lt"/>
+                <a:ea typeface="+mn-ea"/>
+                <a:cs typeface="+mn-cs"/>
+              </a:defRPr>
+            </a:lvl3pPr>
+            <a:lvl4pPr marL="1828800" indent="-384048" algn="l" defTabSz="914400" rtl="0" eaLnBrk="1" latinLnBrk="0" hangingPunct="1">
+              <a:lnSpc>
+                <a:spcPct val="94000"/>
+              </a:lnSpc>
+              <a:spcBef>
+                <a:spcPts val="500"/>
+              </a:spcBef>
+              <a:spcAft>
+                <a:spcPts val="200"/>
+              </a:spcAft>
+              <a:buFont typeface="Franklin Gothic Book" panose="020B0503020102020204" pitchFamily="34" charset="0"/>
+              <a:buChar char="–"/>
+              <a:defRPr sz="1800" i="1" kern="1200" baseline="0">
+                <a:solidFill>
+                  <a:schemeClr val="tx2"/>
+                </a:solidFill>
+                <a:latin typeface="+mn-lt"/>
+                <a:ea typeface="+mn-ea"/>
+                <a:cs typeface="+mn-cs"/>
+              </a:defRPr>
+            </a:lvl4pPr>
+            <a:lvl5pPr marL="2286000" indent="-384048" algn="l" defTabSz="914400" rtl="0" eaLnBrk="1" latinLnBrk="0" hangingPunct="1">
+              <a:lnSpc>
+                <a:spcPct val="94000"/>
+              </a:lnSpc>
+              <a:spcBef>
+                <a:spcPts val="500"/>
+              </a:spcBef>
+              <a:spcAft>
+                <a:spcPts val="200"/>
+              </a:spcAft>
+              <a:buFont typeface="Franklin Gothic Book" panose="020B0503020102020204" pitchFamily="34" charset="0"/>
+              <a:buChar char="■"/>
+              <a:defRPr sz="1600" kern="1200" baseline="0">
+                <a:solidFill>
+                  <a:schemeClr val="tx2"/>
+                </a:solidFill>
+                <a:latin typeface="+mn-lt"/>
+                <a:ea typeface="+mn-ea"/>
+                <a:cs typeface="+mn-cs"/>
+              </a:defRPr>
+            </a:lvl5pPr>
+            <a:lvl6pPr marL="2743200" indent="-384048" algn="l" defTabSz="914400" rtl="0" eaLnBrk="1" latinLnBrk="0" hangingPunct="1">
+              <a:lnSpc>
+                <a:spcPct val="94000"/>
+              </a:lnSpc>
+              <a:spcBef>
+                <a:spcPts val="500"/>
+              </a:spcBef>
+              <a:spcAft>
+                <a:spcPts val="200"/>
+              </a:spcAft>
+              <a:buFont typeface="Franklin Gothic Book" panose="020B0503020102020204" pitchFamily="34" charset="0"/>
+              <a:buChar char="–"/>
+              <a:defRPr sz="1600" i="1" kern="1200" baseline="0">
+                <a:solidFill>
+                  <a:schemeClr val="tx2"/>
+                </a:solidFill>
+                <a:latin typeface="+mn-lt"/>
+                <a:ea typeface="+mn-ea"/>
+                <a:cs typeface="+mn-cs"/>
+              </a:defRPr>
+            </a:lvl6pPr>
+            <a:lvl7pPr marL="3200400" indent="-384048" algn="l" defTabSz="914400" rtl="0" eaLnBrk="1" latinLnBrk="0" hangingPunct="1">
+              <a:lnSpc>
+                <a:spcPct val="94000"/>
+              </a:lnSpc>
+              <a:spcBef>
+                <a:spcPts val="500"/>
+              </a:spcBef>
+              <a:spcAft>
+                <a:spcPts val="200"/>
+              </a:spcAft>
+              <a:buFont typeface="Franklin Gothic Book" panose="020B0503020102020204" pitchFamily="34" charset="0"/>
+              <a:buChar char="■"/>
+              <a:defRPr sz="1400" kern="1200" baseline="0">
+                <a:solidFill>
+                  <a:schemeClr val="tx2"/>
+                </a:solidFill>
+                <a:latin typeface="+mn-lt"/>
+                <a:ea typeface="+mn-ea"/>
+                <a:cs typeface="+mn-cs"/>
+              </a:defRPr>
+            </a:lvl7pPr>
+            <a:lvl8pPr marL="3657600" indent="-384048" algn="l" defTabSz="914400" rtl="0" eaLnBrk="1" latinLnBrk="0" hangingPunct="1">
+              <a:lnSpc>
+                <a:spcPct val="94000"/>
+              </a:lnSpc>
+              <a:spcBef>
+                <a:spcPts val="500"/>
+              </a:spcBef>
+              <a:spcAft>
+                <a:spcPts val="200"/>
+              </a:spcAft>
+              <a:buFont typeface="Franklin Gothic Book" panose="020B0503020102020204" pitchFamily="34" charset="0"/>
+              <a:buChar char="–"/>
+              <a:defRPr sz="1400" i="1" kern="1200" baseline="0">
+                <a:solidFill>
+                  <a:schemeClr val="tx2"/>
+                </a:solidFill>
+                <a:latin typeface="+mn-lt"/>
+                <a:ea typeface="+mn-ea"/>
+                <a:cs typeface="+mn-cs"/>
+              </a:defRPr>
+            </a:lvl8pPr>
+            <a:lvl9pPr marL="4114800" indent="-384048" algn="l" defTabSz="914400" rtl="0" eaLnBrk="1" latinLnBrk="0" hangingPunct="1">
+              <a:lnSpc>
+                <a:spcPct val="94000"/>
+              </a:lnSpc>
+              <a:spcBef>
+                <a:spcPts val="500"/>
+              </a:spcBef>
+              <a:spcAft>
+                <a:spcPts val="200"/>
+              </a:spcAft>
+              <a:buFont typeface="Franklin Gothic Book" panose="020B0503020102020204" pitchFamily="34" charset="0"/>
+              <a:buChar char="■"/>
+              <a:defRPr sz="1400" kern="1200" baseline="0">
+                <a:solidFill>
+                  <a:schemeClr val="tx2"/>
+                </a:solidFill>
+                <a:latin typeface="+mn-lt"/>
+                <a:ea typeface="+mn-ea"/>
+                <a:cs typeface="+mn-cs"/>
+              </a:defRPr>
+            </a:lvl9pPr>
+          </a:lstStyle>
+          <a:p>
+            <a:pPr marL="0" indent="0" algn="ctr">
+              <a:buFont typeface="Franklin Gothic Book" panose="020B0503020102020204" pitchFamily="34" charset="0"/>
+              <a:buNone/>
+            </a:pPr>
+            <a:r>
+              <a:rPr lang="it-IT" sz="1500" dirty="0" err="1"/>
+              <a:t>Measurement</a:t>
+            </a:r>
+            <a:r>
+              <a:rPr lang="it-IT" sz="1500" dirty="0"/>
               <a:t> </a:t>
             </a:r>
             <a:r>
-              <a:rPr lang="it-IT" dirty="0" err="1"/>
-              <a:t>detection</a:t>
-            </a:r>
-            <a:endParaRPr lang="it-IT" dirty="0"/>
-          </a:p>
-          <a:p>
-            <a:r>
-              <a:rPr lang="it-IT" dirty="0"/>
-              <a:t>Energy </a:t>
-            </a:r>
-            <a:r>
-              <a:rPr lang="it-IT" dirty="0" err="1"/>
-              <a:t>consumption</a:t>
-            </a:r>
-            <a:endParaRPr lang="it-IT" dirty="0"/>
+              <a:rPr lang="it-IT" sz="1500" dirty="0" err="1"/>
+              <a:t>done</a:t>
+            </a:r>
+            <a:r>
+              <a:rPr lang="it-IT" sz="1500" dirty="0"/>
+              <a:t> </a:t>
+            </a:r>
+            <a:r>
+              <a:rPr lang="it-IT" sz="1500" dirty="0" err="1"/>
+              <a:t>during</a:t>
+            </a:r>
+            <a:r>
+              <a:rPr lang="it-IT" sz="1500" dirty="0"/>
+              <a:t> </a:t>
+            </a:r>
+            <a:r>
+              <a:rPr lang="it-IT" sz="1500" dirty="0" err="1"/>
+              <a:t>lectures</a:t>
+            </a:r>
+            <a:endParaRPr lang="it-IT" sz="1500" dirty="0"/>
+          </a:p>
+          <a:p>
+            <a:pPr marL="0" indent="0" algn="ctr">
+              <a:buFont typeface="Franklin Gothic Book" panose="020B0503020102020204" pitchFamily="34" charset="0"/>
+              <a:buNone/>
+            </a:pPr>
+            <a:endParaRPr lang="it-IT" sz="1500" dirty="0"/>
           </a:p>
         </p:txBody>
       </p:sp>
@@ -5670,6 +10139,484 @@
   <p:clrMapOvr>
     <a:masterClrMapping/>
   </p:clrMapOvr>
+  <p:timing>
+    <p:tnLst>
+      <p:par>
+        <p:cTn id="1" dur="indefinite" restart="never" nodeType="tmRoot">
+          <p:childTnLst>
+            <p:seq concurrent="1" nextAc="seek">
+              <p:cTn id="2" dur="indefinite" nodeType="mainSeq">
+                <p:childTnLst>
+                  <p:par>
+                    <p:cTn id="3" fill="hold">
+                      <p:stCondLst>
+                        <p:cond delay="indefinite"/>
+                        <p:cond evt="onBegin" delay="0">
+                          <p:tn val="2"/>
+                        </p:cond>
+                      </p:stCondLst>
+                      <p:childTnLst>
+                        <p:par>
+                          <p:cTn id="4" fill="hold">
+                            <p:stCondLst>
+                              <p:cond delay="0"/>
+                            </p:stCondLst>
+                            <p:childTnLst>
+                              <p:par>
+                                <p:cTn id="5" presetID="10" presetClass="entr" presetSubtype="0" fill="hold" grpId="0" nodeType="afterEffect">
+                                  <p:stCondLst>
+                                    <p:cond delay="0"/>
+                                  </p:stCondLst>
+                                  <p:childTnLst>
+                                    <p:set>
+                                      <p:cBhvr>
+                                        <p:cTn id="6" dur="1" fill="hold">
+                                          <p:stCondLst>
+                                            <p:cond delay="0"/>
+                                          </p:stCondLst>
+                                        </p:cTn>
+                                        <p:tgtEl>
+                                          <p:spTgt spid="2"/>
+                                        </p:tgtEl>
+                                        <p:attrNameLst>
+                                          <p:attrName>style.visibility</p:attrName>
+                                        </p:attrNameLst>
+                                      </p:cBhvr>
+                                      <p:to>
+                                        <p:strVal val="visible"/>
+                                      </p:to>
+                                    </p:set>
+                                    <p:animEffect transition="in" filter="fade">
+                                      <p:cBhvr>
+                                        <p:cTn id="7" dur="750"/>
+                                        <p:tgtEl>
+                                          <p:spTgt spid="2"/>
+                                        </p:tgtEl>
+                                      </p:cBhvr>
+                                    </p:animEffect>
+                                  </p:childTnLst>
+                                </p:cTn>
+                              </p:par>
+                            </p:childTnLst>
+                          </p:cTn>
+                        </p:par>
+                        <p:par>
+                          <p:cTn id="8" fill="hold">
+                            <p:stCondLst>
+                              <p:cond delay="750"/>
+                            </p:stCondLst>
+                            <p:childTnLst>
+                              <p:par>
+                                <p:cTn id="9" presetID="10" presetClass="entr" presetSubtype="0" fill="hold" nodeType="afterEffect">
+                                  <p:stCondLst>
+                                    <p:cond delay="0"/>
+                                  </p:stCondLst>
+                                  <p:childTnLst>
+                                    <p:set>
+                                      <p:cBhvr>
+                                        <p:cTn id="10" dur="1" fill="hold">
+                                          <p:stCondLst>
+                                            <p:cond delay="0"/>
+                                          </p:stCondLst>
+                                        </p:cTn>
+                                        <p:tgtEl>
+                                          <p:spTgt spid="7"/>
+                                        </p:tgtEl>
+                                        <p:attrNameLst>
+                                          <p:attrName>style.visibility</p:attrName>
+                                        </p:attrNameLst>
+                                      </p:cBhvr>
+                                      <p:to>
+                                        <p:strVal val="visible"/>
+                                      </p:to>
+                                    </p:set>
+                                    <p:animEffect transition="in" filter="fade">
+                                      <p:cBhvr>
+                                        <p:cTn id="11" dur="750"/>
+                                        <p:tgtEl>
+                                          <p:spTgt spid="7"/>
+                                        </p:tgtEl>
+                                      </p:cBhvr>
+                                    </p:animEffect>
+                                  </p:childTnLst>
+                                </p:cTn>
+                              </p:par>
+                            </p:childTnLst>
+                          </p:cTn>
+                        </p:par>
+                        <p:par>
+                          <p:cTn id="12" fill="hold">
+                            <p:stCondLst>
+                              <p:cond delay="1500"/>
+                            </p:stCondLst>
+                            <p:childTnLst>
+                              <p:par>
+                                <p:cTn id="13" presetID="10" presetClass="entr" presetSubtype="0" fill="hold" nodeType="afterEffect">
+                                  <p:stCondLst>
+                                    <p:cond delay="0"/>
+                                  </p:stCondLst>
+                                  <p:childTnLst>
+                                    <p:set>
+                                      <p:cBhvr>
+                                        <p:cTn id="14" dur="1" fill="hold">
+                                          <p:stCondLst>
+                                            <p:cond delay="0"/>
+                                          </p:stCondLst>
+                                        </p:cTn>
+                                        <p:tgtEl>
+                                          <p:spTgt spid="8">
+                                            <p:txEl>
+                                              <p:pRg st="0" end="0"/>
+                                            </p:txEl>
+                                          </p:spTgt>
+                                        </p:tgtEl>
+                                        <p:attrNameLst>
+                                          <p:attrName>style.visibility</p:attrName>
+                                        </p:attrNameLst>
+                                      </p:cBhvr>
+                                      <p:to>
+                                        <p:strVal val="visible"/>
+                                      </p:to>
+                                    </p:set>
+                                    <p:animEffect transition="in" filter="fade">
+                                      <p:cBhvr>
+                                        <p:cTn id="15" dur="500"/>
+                                        <p:tgtEl>
+                                          <p:spTgt spid="8">
+                                            <p:txEl>
+                                              <p:pRg st="0" end="0"/>
+                                            </p:txEl>
+                                          </p:spTgt>
+                                        </p:tgtEl>
+                                      </p:cBhvr>
+                                    </p:animEffect>
+                                  </p:childTnLst>
+                                </p:cTn>
+                              </p:par>
+                            </p:childTnLst>
+                          </p:cTn>
+                        </p:par>
+                        <p:par>
+                          <p:cTn id="16" fill="hold">
+                            <p:stCondLst>
+                              <p:cond delay="2000"/>
+                            </p:stCondLst>
+                            <p:childTnLst>
+                              <p:par>
+                                <p:cTn id="17" presetID="10" presetClass="entr" presetSubtype="0" fill="hold" nodeType="afterEffect">
+                                  <p:stCondLst>
+                                    <p:cond delay="0"/>
+                                  </p:stCondLst>
+                                  <p:childTnLst>
+                                    <p:set>
+                                      <p:cBhvr>
+                                        <p:cTn id="18" dur="1" fill="hold">
+                                          <p:stCondLst>
+                                            <p:cond delay="0"/>
+                                          </p:stCondLst>
+                                        </p:cTn>
+                                        <p:tgtEl>
+                                          <p:spTgt spid="10"/>
+                                        </p:tgtEl>
+                                        <p:attrNameLst>
+                                          <p:attrName>style.visibility</p:attrName>
+                                        </p:attrNameLst>
+                                      </p:cBhvr>
+                                      <p:to>
+                                        <p:strVal val="visible"/>
+                                      </p:to>
+                                    </p:set>
+                                    <p:animEffect transition="in" filter="fade">
+                                      <p:cBhvr>
+                                        <p:cTn id="19" dur="750"/>
+                                        <p:tgtEl>
+                                          <p:spTgt spid="10"/>
+                                        </p:tgtEl>
+                                      </p:cBhvr>
+                                    </p:animEffect>
+                                  </p:childTnLst>
+                                </p:cTn>
+                              </p:par>
+                            </p:childTnLst>
+                          </p:cTn>
+                        </p:par>
+                        <p:par>
+                          <p:cTn id="20" fill="hold">
+                            <p:stCondLst>
+                              <p:cond delay="2750"/>
+                            </p:stCondLst>
+                            <p:childTnLst>
+                              <p:par>
+                                <p:cTn id="21" presetID="10" presetClass="entr" presetSubtype="0" fill="hold" grpId="0" nodeType="afterEffect">
+                                  <p:stCondLst>
+                                    <p:cond delay="0"/>
+                                  </p:stCondLst>
+                                  <p:childTnLst>
+                                    <p:set>
+                                      <p:cBhvr>
+                                        <p:cTn id="22" dur="1" fill="hold">
+                                          <p:stCondLst>
+                                            <p:cond delay="0"/>
+                                          </p:stCondLst>
+                                        </p:cTn>
+                                        <p:tgtEl>
+                                          <p:spTgt spid="11"/>
+                                        </p:tgtEl>
+                                        <p:attrNameLst>
+                                          <p:attrName>style.visibility</p:attrName>
+                                        </p:attrNameLst>
+                                      </p:cBhvr>
+                                      <p:to>
+                                        <p:strVal val="visible"/>
+                                      </p:to>
+                                    </p:set>
+                                    <p:animEffect transition="in" filter="fade">
+                                      <p:cBhvr>
+                                        <p:cTn id="23" dur="500"/>
+                                        <p:tgtEl>
+                                          <p:spTgt spid="11"/>
+                                        </p:tgtEl>
+                                      </p:cBhvr>
+                                    </p:animEffect>
+                                  </p:childTnLst>
+                                </p:cTn>
+                              </p:par>
+                            </p:childTnLst>
+                          </p:cTn>
+                        </p:par>
+                      </p:childTnLst>
+                    </p:cTn>
+                  </p:par>
+                  <p:par>
+                    <p:cTn id="24" fill="hold">
+                      <p:stCondLst>
+                        <p:cond delay="indefinite"/>
+                      </p:stCondLst>
+                      <p:childTnLst>
+                        <p:par>
+                          <p:cTn id="25" fill="hold">
+                            <p:stCondLst>
+                              <p:cond delay="0"/>
+                            </p:stCondLst>
+                            <p:childTnLst>
+                              <p:par>
+                                <p:cTn id="26" presetID="10" presetClass="exit" presetSubtype="0" fill="hold" grpId="1" nodeType="clickEffect">
+                                  <p:stCondLst>
+                                    <p:cond delay="0"/>
+                                  </p:stCondLst>
+                                  <p:childTnLst>
+                                    <p:animEffect transition="out" filter="fade">
+                                      <p:cBhvr>
+                                        <p:cTn id="27" dur="500"/>
+                                        <p:tgtEl>
+                                          <p:spTgt spid="2"/>
+                                        </p:tgtEl>
+                                      </p:cBhvr>
+                                    </p:animEffect>
+                                    <p:set>
+                                      <p:cBhvr>
+                                        <p:cTn id="28" dur="1" fill="hold">
+                                          <p:stCondLst>
+                                            <p:cond delay="499"/>
+                                          </p:stCondLst>
+                                        </p:cTn>
+                                        <p:tgtEl>
+                                          <p:spTgt spid="2"/>
+                                        </p:tgtEl>
+                                        <p:attrNameLst>
+                                          <p:attrName>style.visibility</p:attrName>
+                                        </p:attrNameLst>
+                                      </p:cBhvr>
+                                      <p:to>
+                                        <p:strVal val="hidden"/>
+                                      </p:to>
+                                    </p:set>
+                                  </p:childTnLst>
+                                </p:cTn>
+                              </p:par>
+                              <p:par>
+                                <p:cTn id="29" presetID="10" presetClass="exit" presetSubtype="0" fill="hold" nodeType="withEffect">
+                                  <p:stCondLst>
+                                    <p:cond delay="0"/>
+                                  </p:stCondLst>
+                                  <p:childTnLst>
+                                    <p:animEffect transition="out" filter="fade">
+                                      <p:cBhvr>
+                                        <p:cTn id="30" dur="500"/>
+                                        <p:tgtEl>
+                                          <p:spTgt spid="7"/>
+                                        </p:tgtEl>
+                                      </p:cBhvr>
+                                    </p:animEffect>
+                                    <p:set>
+                                      <p:cBhvr>
+                                        <p:cTn id="31" dur="1" fill="hold">
+                                          <p:stCondLst>
+                                            <p:cond delay="499"/>
+                                          </p:stCondLst>
+                                        </p:cTn>
+                                        <p:tgtEl>
+                                          <p:spTgt spid="7"/>
+                                        </p:tgtEl>
+                                        <p:attrNameLst>
+                                          <p:attrName>style.visibility</p:attrName>
+                                        </p:attrNameLst>
+                                      </p:cBhvr>
+                                      <p:to>
+                                        <p:strVal val="hidden"/>
+                                      </p:to>
+                                    </p:set>
+                                  </p:childTnLst>
+                                </p:cTn>
+                              </p:par>
+                              <p:par>
+                                <p:cTn id="32" presetID="10" presetClass="exit" presetSubtype="0" fill="hold" grpId="0" nodeType="withEffect">
+                                  <p:stCondLst>
+                                    <p:cond delay="0"/>
+                                  </p:stCondLst>
+                                  <p:childTnLst>
+                                    <p:animEffect transition="out" filter="fade">
+                                      <p:cBhvr>
+                                        <p:cTn id="33" dur="500"/>
+                                        <p:tgtEl>
+                                          <p:spTgt spid="8">
+                                            <p:txEl>
+                                              <p:pRg st="0" end="0"/>
+                                            </p:txEl>
+                                          </p:spTgt>
+                                        </p:tgtEl>
+                                      </p:cBhvr>
+                                    </p:animEffect>
+                                    <p:set>
+                                      <p:cBhvr>
+                                        <p:cTn id="34" dur="1" fill="hold">
+                                          <p:stCondLst>
+                                            <p:cond delay="499"/>
+                                          </p:stCondLst>
+                                        </p:cTn>
+                                        <p:tgtEl>
+                                          <p:spTgt spid="8">
+                                            <p:txEl>
+                                              <p:pRg st="0" end="0"/>
+                                            </p:txEl>
+                                          </p:spTgt>
+                                        </p:tgtEl>
+                                        <p:attrNameLst>
+                                          <p:attrName>style.visibility</p:attrName>
+                                        </p:attrNameLst>
+                                      </p:cBhvr>
+                                      <p:to>
+                                        <p:strVal val="hidden"/>
+                                      </p:to>
+                                    </p:set>
+                                  </p:childTnLst>
+                                </p:cTn>
+                              </p:par>
+                              <p:par>
+                                <p:cTn id="35" presetID="10" presetClass="exit" presetSubtype="0" fill="hold" nodeType="withEffect">
+                                  <p:stCondLst>
+                                    <p:cond delay="0"/>
+                                  </p:stCondLst>
+                                  <p:childTnLst>
+                                    <p:animEffect transition="out" filter="fade">
+                                      <p:cBhvr>
+                                        <p:cTn id="36" dur="500"/>
+                                        <p:tgtEl>
+                                          <p:spTgt spid="10"/>
+                                        </p:tgtEl>
+                                      </p:cBhvr>
+                                    </p:animEffect>
+                                    <p:set>
+                                      <p:cBhvr>
+                                        <p:cTn id="37" dur="1" fill="hold">
+                                          <p:stCondLst>
+                                            <p:cond delay="499"/>
+                                          </p:stCondLst>
+                                        </p:cTn>
+                                        <p:tgtEl>
+                                          <p:spTgt spid="10"/>
+                                        </p:tgtEl>
+                                        <p:attrNameLst>
+                                          <p:attrName>style.visibility</p:attrName>
+                                        </p:attrNameLst>
+                                      </p:cBhvr>
+                                      <p:to>
+                                        <p:strVal val="hidden"/>
+                                      </p:to>
+                                    </p:set>
+                                  </p:childTnLst>
+                                </p:cTn>
+                              </p:par>
+                              <p:par>
+                                <p:cTn id="38" presetID="10" presetClass="exit" presetSubtype="0" fill="hold" grpId="1" nodeType="withEffect">
+                                  <p:stCondLst>
+                                    <p:cond delay="0"/>
+                                  </p:stCondLst>
+                                  <p:childTnLst>
+                                    <p:animEffect transition="out" filter="fade">
+                                      <p:cBhvr>
+                                        <p:cTn id="39" dur="500"/>
+                                        <p:tgtEl>
+                                          <p:spTgt spid="11"/>
+                                        </p:tgtEl>
+                                      </p:cBhvr>
+                                    </p:animEffect>
+                                    <p:set>
+                                      <p:cBhvr>
+                                        <p:cTn id="40" dur="1" fill="hold">
+                                          <p:stCondLst>
+                                            <p:cond delay="499"/>
+                                          </p:stCondLst>
+                                        </p:cTn>
+                                        <p:tgtEl>
+                                          <p:spTgt spid="11"/>
+                                        </p:tgtEl>
+                                        <p:attrNameLst>
+                                          <p:attrName>style.visibility</p:attrName>
+                                        </p:attrNameLst>
+                                      </p:cBhvr>
+                                      <p:to>
+                                        <p:strVal val="hidden"/>
+                                      </p:to>
+                                    </p:set>
+                                  </p:childTnLst>
+                                </p:cTn>
+                              </p:par>
+                            </p:childTnLst>
+                          </p:cTn>
+                        </p:par>
+                      </p:childTnLst>
+                    </p:cTn>
+                  </p:par>
+                </p:childTnLst>
+              </p:cTn>
+              <p:prevCondLst>
+                <p:cond evt="onPrev" delay="0">
+                  <p:tgtEl>
+                    <p:sldTgt/>
+                  </p:tgtEl>
+                </p:cond>
+              </p:prevCondLst>
+              <p:nextCondLst>
+                <p:cond evt="onNext" delay="0">
+                  <p:tgtEl>
+                    <p:sldTgt/>
+                  </p:tgtEl>
+                </p:cond>
+              </p:nextCondLst>
+            </p:seq>
+          </p:childTnLst>
+        </p:cTn>
+      </p:par>
+    </p:tnLst>
+    <p:bldLst>
+      <p:bldP spid="2" grpId="0"/>
+      <p:bldP spid="2" grpId="1"/>
+      <p:bldP spid="8" grpId="0" build="p"/>
+      <p:bldP spid="11" grpId="0"/>
+      <p:bldP spid="11" grpId="1"/>
+    </p:bldLst>
+  </p:timing>
 </p:sld>
 </file>
 
@@ -5727,18 +10674,9 @@
           <a:lstStyle/>
           <a:p>
             <a:r>
-              <a:rPr lang="it-IT" dirty="0" err="1"/>
-              <a:t>Problems</a:t>
-            </a:r>
-            <a:r>
-              <a:rPr lang="it-IT" dirty="0"/>
-              <a:t> and </a:t>
-            </a:r>
-            <a:r>
-              <a:rPr lang="it-IT" dirty="0" err="1"/>
-              <a:t>solutions</a:t>
-            </a:r>
-            <a:endParaRPr lang="it-IT" dirty="0"/>
+              <a:rPr lang="it-IT" b="1" dirty="0"/>
+              <a:t>PROBLEMS AND SOLUTIONS</a:t>
+            </a:r>
           </a:p>
         </p:txBody>
       </p:sp>
@@ -5770,6 +10708,11 @@
           </a:bodyPr>
           <a:lstStyle/>
           <a:p>
+            <a:pPr>
+              <a:buBlip>
+                <a:blip r:embed="rId3"/>
+              </a:buBlip>
+            </a:pPr>
             <a:r>
               <a:rPr lang="it-IT" dirty="0"/>
               <a:t>Development </a:t>
@@ -5784,7 +10727,11 @@
             </a:r>
           </a:p>
           <a:p>
-            <a:pPr lvl="1"/>
+            <a:pPr lvl="1">
+              <a:buBlip>
+                <a:blip r:embed="rId4"/>
+              </a:buBlip>
+            </a:pPr>
             <a:r>
               <a:rPr lang="it-IT" dirty="0" err="1"/>
               <a:t>Microphone</a:t>
@@ -5808,7 +10755,11 @@
             <a:endParaRPr lang="it-IT" dirty="0"/>
           </a:p>
           <a:p>
-            <a:pPr lvl="1"/>
+            <a:pPr lvl="1">
+              <a:buBlip>
+                <a:blip r:embed="rId4"/>
+              </a:buBlip>
+            </a:pPr>
             <a:r>
               <a:rPr lang="it-IT" dirty="0"/>
               <a:t>ESP-NOW </a:t>
@@ -5823,6 +10774,11 @@
             </a:r>
           </a:p>
           <a:p>
+            <a:pPr>
+              <a:buBlip>
+                <a:blip r:embed="rId3"/>
+              </a:buBlip>
+            </a:pPr>
             <a:r>
               <a:rPr lang="it-IT" dirty="0" err="1"/>
               <a:t>Measurment</a:t>
@@ -5841,13 +10797,22 @@
             </a:r>
           </a:p>
           <a:p>
-            <a:pPr lvl="1"/>
+            <a:pPr lvl="1">
+              <a:buBlip>
+                <a:blip r:embed="rId4"/>
+              </a:buBlip>
+            </a:pPr>
             <a:r>
               <a:rPr lang="it-IT" dirty="0"/>
               <a:t>Good places for sampling</a:t>
             </a:r>
           </a:p>
           <a:p>
+            <a:pPr>
+              <a:buBlip>
+                <a:blip r:embed="rId3"/>
+              </a:buBlip>
+            </a:pPr>
             <a:r>
               <a:rPr lang="it-IT" dirty="0" err="1"/>
               <a:t>Acting</a:t>
@@ -5866,7 +10831,11 @@
             </a:r>
           </a:p>
           <a:p>
-            <a:pPr lvl="1"/>
+            <a:pPr lvl="1">
+              <a:buBlip>
+                <a:blip r:embed="rId4"/>
+              </a:buBlip>
+            </a:pPr>
             <a:r>
               <a:rPr lang="it-IT" dirty="0"/>
               <a:t>Setting up the </a:t>
@@ -5889,6 +10858,816 @@
   <p:clrMapOvr>
     <a:masterClrMapping/>
   </p:clrMapOvr>
+  <p:timing>
+    <p:tnLst>
+      <p:par>
+        <p:cTn id="1" dur="indefinite" restart="never" nodeType="tmRoot">
+          <p:childTnLst>
+            <p:seq concurrent="1" nextAc="seek">
+              <p:cTn id="2" dur="indefinite" nodeType="mainSeq">
+                <p:childTnLst>
+                  <p:par>
+                    <p:cTn id="3" fill="hold">
+                      <p:stCondLst>
+                        <p:cond delay="indefinite"/>
+                        <p:cond evt="onBegin" delay="0">
+                          <p:tn val="2"/>
+                        </p:cond>
+                      </p:stCondLst>
+                      <p:childTnLst>
+                        <p:par>
+                          <p:cTn id="4" fill="hold">
+                            <p:stCondLst>
+                              <p:cond delay="0"/>
+                            </p:stCondLst>
+                            <p:childTnLst>
+                              <p:par>
+                                <p:cTn id="5" presetID="10" presetClass="entr" presetSubtype="0" fill="hold" grpId="0" nodeType="afterEffect">
+                                  <p:stCondLst>
+                                    <p:cond delay="0"/>
+                                  </p:stCondLst>
+                                  <p:childTnLst>
+                                    <p:set>
+                                      <p:cBhvr>
+                                        <p:cTn id="6" dur="1" fill="hold">
+                                          <p:stCondLst>
+                                            <p:cond delay="0"/>
+                                          </p:stCondLst>
+                                        </p:cTn>
+                                        <p:tgtEl>
+                                          <p:spTgt spid="2"/>
+                                        </p:tgtEl>
+                                        <p:attrNameLst>
+                                          <p:attrName>style.visibility</p:attrName>
+                                        </p:attrNameLst>
+                                      </p:cBhvr>
+                                      <p:to>
+                                        <p:strVal val="visible"/>
+                                      </p:to>
+                                    </p:set>
+                                    <p:animEffect transition="in" filter="fade">
+                                      <p:cBhvr>
+                                        <p:cTn id="7" dur="750"/>
+                                        <p:tgtEl>
+                                          <p:spTgt spid="2"/>
+                                        </p:tgtEl>
+                                      </p:cBhvr>
+                                    </p:animEffect>
+                                  </p:childTnLst>
+                                </p:cTn>
+                              </p:par>
+                            </p:childTnLst>
+                          </p:cTn>
+                        </p:par>
+                        <p:par>
+                          <p:cTn id="8" fill="hold">
+                            <p:stCondLst>
+                              <p:cond delay="750"/>
+                            </p:stCondLst>
+                            <p:childTnLst>
+                              <p:par>
+                                <p:cTn id="9" presetID="10" presetClass="entr" presetSubtype="0" fill="hold" grpId="0" nodeType="afterEffect">
+                                  <p:stCondLst>
+                                    <p:cond delay="0"/>
+                                  </p:stCondLst>
+                                  <p:childTnLst>
+                                    <p:set>
+                                      <p:cBhvr>
+                                        <p:cTn id="10" dur="1" fill="hold">
+                                          <p:stCondLst>
+                                            <p:cond delay="0"/>
+                                          </p:stCondLst>
+                                        </p:cTn>
+                                        <p:tgtEl>
+                                          <p:spTgt spid="3">
+                                            <p:txEl>
+                                              <p:pRg st="0" end="0"/>
+                                            </p:txEl>
+                                          </p:spTgt>
+                                        </p:tgtEl>
+                                        <p:attrNameLst>
+                                          <p:attrName>style.visibility</p:attrName>
+                                        </p:attrNameLst>
+                                      </p:cBhvr>
+                                      <p:to>
+                                        <p:strVal val="visible"/>
+                                      </p:to>
+                                    </p:set>
+                                    <p:animEffect transition="in" filter="fade">
+                                      <p:cBhvr>
+                                        <p:cTn id="11" dur="500"/>
+                                        <p:tgtEl>
+                                          <p:spTgt spid="3">
+                                            <p:txEl>
+                                              <p:pRg st="0" end="0"/>
+                                            </p:txEl>
+                                          </p:spTgt>
+                                        </p:tgtEl>
+                                      </p:cBhvr>
+                                    </p:animEffect>
+                                  </p:childTnLst>
+                                </p:cTn>
+                              </p:par>
+                            </p:childTnLst>
+                          </p:cTn>
+                        </p:par>
+                        <p:par>
+                          <p:cTn id="12" fill="hold">
+                            <p:stCondLst>
+                              <p:cond delay="1250"/>
+                            </p:stCondLst>
+                            <p:childTnLst>
+                              <p:par>
+                                <p:cTn id="13" presetID="10" presetClass="entr" presetSubtype="0" fill="hold" grpId="0" nodeType="afterEffect">
+                                  <p:stCondLst>
+                                    <p:cond delay="0"/>
+                                  </p:stCondLst>
+                                  <p:childTnLst>
+                                    <p:set>
+                                      <p:cBhvr>
+                                        <p:cTn id="14" dur="1" fill="hold">
+                                          <p:stCondLst>
+                                            <p:cond delay="0"/>
+                                          </p:stCondLst>
+                                        </p:cTn>
+                                        <p:tgtEl>
+                                          <p:spTgt spid="3">
+                                            <p:txEl>
+                                              <p:pRg st="1" end="1"/>
+                                            </p:txEl>
+                                          </p:spTgt>
+                                        </p:tgtEl>
+                                        <p:attrNameLst>
+                                          <p:attrName>style.visibility</p:attrName>
+                                        </p:attrNameLst>
+                                      </p:cBhvr>
+                                      <p:to>
+                                        <p:strVal val="visible"/>
+                                      </p:to>
+                                    </p:set>
+                                    <p:animEffect transition="in" filter="fade">
+                                      <p:cBhvr>
+                                        <p:cTn id="15" dur="500"/>
+                                        <p:tgtEl>
+                                          <p:spTgt spid="3">
+                                            <p:txEl>
+                                              <p:pRg st="1" end="1"/>
+                                            </p:txEl>
+                                          </p:spTgt>
+                                        </p:tgtEl>
+                                      </p:cBhvr>
+                                    </p:animEffect>
+                                  </p:childTnLst>
+                                </p:cTn>
+                              </p:par>
+                            </p:childTnLst>
+                          </p:cTn>
+                        </p:par>
+                        <p:par>
+                          <p:cTn id="16" fill="hold">
+                            <p:stCondLst>
+                              <p:cond delay="1750"/>
+                            </p:stCondLst>
+                            <p:childTnLst>
+                              <p:par>
+                                <p:cTn id="17" presetID="10" presetClass="entr" presetSubtype="0" fill="hold" grpId="0" nodeType="afterEffect">
+                                  <p:stCondLst>
+                                    <p:cond delay="0"/>
+                                  </p:stCondLst>
+                                  <p:childTnLst>
+                                    <p:set>
+                                      <p:cBhvr>
+                                        <p:cTn id="18" dur="1" fill="hold">
+                                          <p:stCondLst>
+                                            <p:cond delay="0"/>
+                                          </p:stCondLst>
+                                        </p:cTn>
+                                        <p:tgtEl>
+                                          <p:spTgt spid="3">
+                                            <p:txEl>
+                                              <p:pRg st="2" end="2"/>
+                                            </p:txEl>
+                                          </p:spTgt>
+                                        </p:tgtEl>
+                                        <p:attrNameLst>
+                                          <p:attrName>style.visibility</p:attrName>
+                                        </p:attrNameLst>
+                                      </p:cBhvr>
+                                      <p:to>
+                                        <p:strVal val="visible"/>
+                                      </p:to>
+                                    </p:set>
+                                    <p:animEffect transition="in" filter="fade">
+                                      <p:cBhvr>
+                                        <p:cTn id="19" dur="500"/>
+                                        <p:tgtEl>
+                                          <p:spTgt spid="3">
+                                            <p:txEl>
+                                              <p:pRg st="2" end="2"/>
+                                            </p:txEl>
+                                          </p:spTgt>
+                                        </p:tgtEl>
+                                      </p:cBhvr>
+                                    </p:animEffect>
+                                  </p:childTnLst>
+                                </p:cTn>
+                              </p:par>
+                            </p:childTnLst>
+                          </p:cTn>
+                        </p:par>
+                        <p:par>
+                          <p:cTn id="20" fill="hold">
+                            <p:stCondLst>
+                              <p:cond delay="2250"/>
+                            </p:stCondLst>
+                            <p:childTnLst>
+                              <p:par>
+                                <p:cTn id="21" presetID="10" presetClass="entr" presetSubtype="0" fill="hold" grpId="0" nodeType="afterEffect">
+                                  <p:stCondLst>
+                                    <p:cond delay="0"/>
+                                  </p:stCondLst>
+                                  <p:childTnLst>
+                                    <p:set>
+                                      <p:cBhvr>
+                                        <p:cTn id="22" dur="1" fill="hold">
+                                          <p:stCondLst>
+                                            <p:cond delay="0"/>
+                                          </p:stCondLst>
+                                        </p:cTn>
+                                        <p:tgtEl>
+                                          <p:spTgt spid="3">
+                                            <p:txEl>
+                                              <p:pRg st="3" end="3"/>
+                                            </p:txEl>
+                                          </p:spTgt>
+                                        </p:tgtEl>
+                                        <p:attrNameLst>
+                                          <p:attrName>style.visibility</p:attrName>
+                                        </p:attrNameLst>
+                                      </p:cBhvr>
+                                      <p:to>
+                                        <p:strVal val="visible"/>
+                                      </p:to>
+                                    </p:set>
+                                    <p:animEffect transition="in" filter="fade">
+                                      <p:cBhvr>
+                                        <p:cTn id="23" dur="500"/>
+                                        <p:tgtEl>
+                                          <p:spTgt spid="3">
+                                            <p:txEl>
+                                              <p:pRg st="3" end="3"/>
+                                            </p:txEl>
+                                          </p:spTgt>
+                                        </p:tgtEl>
+                                      </p:cBhvr>
+                                    </p:animEffect>
+                                  </p:childTnLst>
+                                </p:cTn>
+                              </p:par>
+                            </p:childTnLst>
+                          </p:cTn>
+                        </p:par>
+                        <p:par>
+                          <p:cTn id="24" fill="hold">
+                            <p:stCondLst>
+                              <p:cond delay="2750"/>
+                            </p:stCondLst>
+                            <p:childTnLst>
+                              <p:par>
+                                <p:cTn id="25" presetID="10" presetClass="entr" presetSubtype="0" fill="hold" grpId="0" nodeType="afterEffect">
+                                  <p:stCondLst>
+                                    <p:cond delay="0"/>
+                                  </p:stCondLst>
+                                  <p:childTnLst>
+                                    <p:set>
+                                      <p:cBhvr>
+                                        <p:cTn id="26" dur="1" fill="hold">
+                                          <p:stCondLst>
+                                            <p:cond delay="0"/>
+                                          </p:stCondLst>
+                                        </p:cTn>
+                                        <p:tgtEl>
+                                          <p:spTgt spid="3">
+                                            <p:txEl>
+                                              <p:pRg st="4" end="4"/>
+                                            </p:txEl>
+                                          </p:spTgt>
+                                        </p:tgtEl>
+                                        <p:attrNameLst>
+                                          <p:attrName>style.visibility</p:attrName>
+                                        </p:attrNameLst>
+                                      </p:cBhvr>
+                                      <p:to>
+                                        <p:strVal val="visible"/>
+                                      </p:to>
+                                    </p:set>
+                                    <p:animEffect transition="in" filter="fade">
+                                      <p:cBhvr>
+                                        <p:cTn id="27" dur="500"/>
+                                        <p:tgtEl>
+                                          <p:spTgt spid="3">
+                                            <p:txEl>
+                                              <p:pRg st="4" end="4"/>
+                                            </p:txEl>
+                                          </p:spTgt>
+                                        </p:tgtEl>
+                                      </p:cBhvr>
+                                    </p:animEffect>
+                                  </p:childTnLst>
+                                </p:cTn>
+                              </p:par>
+                            </p:childTnLst>
+                          </p:cTn>
+                        </p:par>
+                        <p:par>
+                          <p:cTn id="28" fill="hold">
+                            <p:stCondLst>
+                              <p:cond delay="3250"/>
+                            </p:stCondLst>
+                            <p:childTnLst>
+                              <p:par>
+                                <p:cTn id="29" presetID="10" presetClass="entr" presetSubtype="0" fill="hold" grpId="0" nodeType="afterEffect">
+                                  <p:stCondLst>
+                                    <p:cond delay="0"/>
+                                  </p:stCondLst>
+                                  <p:childTnLst>
+                                    <p:set>
+                                      <p:cBhvr>
+                                        <p:cTn id="30" dur="1" fill="hold">
+                                          <p:stCondLst>
+                                            <p:cond delay="0"/>
+                                          </p:stCondLst>
+                                        </p:cTn>
+                                        <p:tgtEl>
+                                          <p:spTgt spid="3">
+                                            <p:txEl>
+                                              <p:pRg st="5" end="5"/>
+                                            </p:txEl>
+                                          </p:spTgt>
+                                        </p:tgtEl>
+                                        <p:attrNameLst>
+                                          <p:attrName>style.visibility</p:attrName>
+                                        </p:attrNameLst>
+                                      </p:cBhvr>
+                                      <p:to>
+                                        <p:strVal val="visible"/>
+                                      </p:to>
+                                    </p:set>
+                                    <p:animEffect transition="in" filter="fade">
+                                      <p:cBhvr>
+                                        <p:cTn id="31" dur="500"/>
+                                        <p:tgtEl>
+                                          <p:spTgt spid="3">
+                                            <p:txEl>
+                                              <p:pRg st="5" end="5"/>
+                                            </p:txEl>
+                                          </p:spTgt>
+                                        </p:tgtEl>
+                                      </p:cBhvr>
+                                    </p:animEffect>
+                                  </p:childTnLst>
+                                </p:cTn>
+                              </p:par>
+                            </p:childTnLst>
+                          </p:cTn>
+                        </p:par>
+                        <p:par>
+                          <p:cTn id="32" fill="hold">
+                            <p:stCondLst>
+                              <p:cond delay="3750"/>
+                            </p:stCondLst>
+                            <p:childTnLst>
+                              <p:par>
+                                <p:cTn id="33" presetID="10" presetClass="entr" presetSubtype="0" fill="hold" grpId="0" nodeType="afterEffect">
+                                  <p:stCondLst>
+                                    <p:cond delay="0"/>
+                                  </p:stCondLst>
+                                  <p:childTnLst>
+                                    <p:set>
+                                      <p:cBhvr>
+                                        <p:cTn id="34" dur="1" fill="hold">
+                                          <p:stCondLst>
+                                            <p:cond delay="0"/>
+                                          </p:stCondLst>
+                                        </p:cTn>
+                                        <p:tgtEl>
+                                          <p:spTgt spid="3">
+                                            <p:txEl>
+                                              <p:pRg st="6" end="6"/>
+                                            </p:txEl>
+                                          </p:spTgt>
+                                        </p:tgtEl>
+                                        <p:attrNameLst>
+                                          <p:attrName>style.visibility</p:attrName>
+                                        </p:attrNameLst>
+                                      </p:cBhvr>
+                                      <p:to>
+                                        <p:strVal val="visible"/>
+                                      </p:to>
+                                    </p:set>
+                                    <p:animEffect transition="in" filter="fade">
+                                      <p:cBhvr>
+                                        <p:cTn id="35" dur="500"/>
+                                        <p:tgtEl>
+                                          <p:spTgt spid="3">
+                                            <p:txEl>
+                                              <p:pRg st="6" end="6"/>
+                                            </p:txEl>
+                                          </p:spTgt>
+                                        </p:tgtEl>
+                                      </p:cBhvr>
+                                    </p:animEffect>
+                                  </p:childTnLst>
+                                </p:cTn>
+                              </p:par>
+                            </p:childTnLst>
+                          </p:cTn>
+                        </p:par>
+                      </p:childTnLst>
+                    </p:cTn>
+                  </p:par>
+                  <p:par>
+                    <p:cTn id="36" fill="hold">
+                      <p:stCondLst>
+                        <p:cond delay="indefinite"/>
+                      </p:stCondLst>
+                      <p:childTnLst>
+                        <p:par>
+                          <p:cTn id="37" fill="hold">
+                            <p:stCondLst>
+                              <p:cond delay="0"/>
+                            </p:stCondLst>
+                            <p:childTnLst>
+                              <p:par>
+                                <p:cTn id="38" presetID="10" presetClass="exit" presetSubtype="0" fill="hold" grpId="1" nodeType="clickEffect">
+                                  <p:stCondLst>
+                                    <p:cond delay="0"/>
+                                  </p:stCondLst>
+                                  <p:childTnLst>
+                                    <p:animEffect transition="out" filter="fade">
+                                      <p:cBhvr>
+                                        <p:cTn id="39" dur="500"/>
+                                        <p:tgtEl>
+                                          <p:spTgt spid="2"/>
+                                        </p:tgtEl>
+                                      </p:cBhvr>
+                                    </p:animEffect>
+                                    <p:set>
+                                      <p:cBhvr>
+                                        <p:cTn id="40" dur="1" fill="hold">
+                                          <p:stCondLst>
+                                            <p:cond delay="499"/>
+                                          </p:stCondLst>
+                                        </p:cTn>
+                                        <p:tgtEl>
+                                          <p:spTgt spid="2"/>
+                                        </p:tgtEl>
+                                        <p:attrNameLst>
+                                          <p:attrName>style.visibility</p:attrName>
+                                        </p:attrNameLst>
+                                      </p:cBhvr>
+                                      <p:to>
+                                        <p:strVal val="hidden"/>
+                                      </p:to>
+                                    </p:set>
+                                  </p:childTnLst>
+                                </p:cTn>
+                              </p:par>
+                              <p:par>
+                                <p:cTn id="41" presetID="10" presetClass="exit" presetSubtype="0" fill="hold" grpId="1" nodeType="withEffect">
+                                  <p:stCondLst>
+                                    <p:cond delay="0"/>
+                                  </p:stCondLst>
+                                  <p:childTnLst>
+                                    <p:animEffect transition="out" filter="fade">
+                                      <p:cBhvr>
+                                        <p:cTn id="42" dur="500"/>
+                                        <p:tgtEl>
+                                          <p:spTgt spid="3">
+                                            <p:txEl>
+                                              <p:pRg st="0" end="0"/>
+                                            </p:txEl>
+                                          </p:spTgt>
+                                        </p:tgtEl>
+                                      </p:cBhvr>
+                                    </p:animEffect>
+                                    <p:set>
+                                      <p:cBhvr>
+                                        <p:cTn id="43" dur="1" fill="hold">
+                                          <p:stCondLst>
+                                            <p:cond delay="499"/>
+                                          </p:stCondLst>
+                                        </p:cTn>
+                                        <p:tgtEl>
+                                          <p:spTgt spid="3">
+                                            <p:txEl>
+                                              <p:pRg st="0" end="0"/>
+                                            </p:txEl>
+                                          </p:spTgt>
+                                        </p:tgtEl>
+                                        <p:attrNameLst>
+                                          <p:attrName>style.visibility</p:attrName>
+                                        </p:attrNameLst>
+                                      </p:cBhvr>
+                                      <p:to>
+                                        <p:strVal val="hidden"/>
+                                      </p:to>
+                                    </p:set>
+                                  </p:childTnLst>
+                                </p:cTn>
+                              </p:par>
+                              <p:par>
+                                <p:cTn id="44" presetID="10" presetClass="exit" presetSubtype="0" fill="hold" grpId="1" nodeType="withEffect">
+                                  <p:stCondLst>
+                                    <p:cond delay="0"/>
+                                  </p:stCondLst>
+                                  <p:childTnLst>
+                                    <p:animEffect transition="out" filter="fade">
+                                      <p:cBhvr>
+                                        <p:cTn id="45" dur="500"/>
+                                        <p:tgtEl>
+                                          <p:spTgt spid="3">
+                                            <p:txEl>
+                                              <p:pRg st="1" end="1"/>
+                                            </p:txEl>
+                                          </p:spTgt>
+                                        </p:tgtEl>
+                                      </p:cBhvr>
+                                    </p:animEffect>
+                                    <p:set>
+                                      <p:cBhvr>
+                                        <p:cTn id="46" dur="1" fill="hold">
+                                          <p:stCondLst>
+                                            <p:cond delay="499"/>
+                                          </p:stCondLst>
+                                        </p:cTn>
+                                        <p:tgtEl>
+                                          <p:spTgt spid="3">
+                                            <p:txEl>
+                                              <p:pRg st="1" end="1"/>
+                                            </p:txEl>
+                                          </p:spTgt>
+                                        </p:tgtEl>
+                                        <p:attrNameLst>
+                                          <p:attrName>style.visibility</p:attrName>
+                                        </p:attrNameLst>
+                                      </p:cBhvr>
+                                      <p:to>
+                                        <p:strVal val="hidden"/>
+                                      </p:to>
+                                    </p:set>
+                                  </p:childTnLst>
+                                </p:cTn>
+                              </p:par>
+                              <p:par>
+                                <p:cTn id="47" presetID="10" presetClass="exit" presetSubtype="0" fill="hold" grpId="1" nodeType="withEffect">
+                                  <p:stCondLst>
+                                    <p:cond delay="0"/>
+                                  </p:stCondLst>
+                                  <p:childTnLst>
+                                    <p:animEffect transition="out" filter="fade">
+                                      <p:cBhvr>
+                                        <p:cTn id="48" dur="500"/>
+                                        <p:tgtEl>
+                                          <p:spTgt spid="3">
+                                            <p:txEl>
+                                              <p:pRg st="2" end="2"/>
+                                            </p:txEl>
+                                          </p:spTgt>
+                                        </p:tgtEl>
+                                      </p:cBhvr>
+                                    </p:animEffect>
+                                    <p:set>
+                                      <p:cBhvr>
+                                        <p:cTn id="49" dur="1" fill="hold">
+                                          <p:stCondLst>
+                                            <p:cond delay="499"/>
+                                          </p:stCondLst>
+                                        </p:cTn>
+                                        <p:tgtEl>
+                                          <p:spTgt spid="3">
+                                            <p:txEl>
+                                              <p:pRg st="2" end="2"/>
+                                            </p:txEl>
+                                          </p:spTgt>
+                                        </p:tgtEl>
+                                        <p:attrNameLst>
+                                          <p:attrName>style.visibility</p:attrName>
+                                        </p:attrNameLst>
+                                      </p:cBhvr>
+                                      <p:to>
+                                        <p:strVal val="hidden"/>
+                                      </p:to>
+                                    </p:set>
+                                  </p:childTnLst>
+                                </p:cTn>
+                              </p:par>
+                              <p:par>
+                                <p:cTn id="50" presetID="10" presetClass="exit" presetSubtype="0" fill="hold" grpId="1" nodeType="withEffect">
+                                  <p:stCondLst>
+                                    <p:cond delay="0"/>
+                                  </p:stCondLst>
+                                  <p:childTnLst>
+                                    <p:animEffect transition="out" filter="fade">
+                                      <p:cBhvr>
+                                        <p:cTn id="51" dur="500"/>
+                                        <p:tgtEl>
+                                          <p:spTgt spid="3">
+                                            <p:txEl>
+                                              <p:pRg st="3" end="3"/>
+                                            </p:txEl>
+                                          </p:spTgt>
+                                        </p:tgtEl>
+                                      </p:cBhvr>
+                                    </p:animEffect>
+                                    <p:set>
+                                      <p:cBhvr>
+                                        <p:cTn id="52" dur="1" fill="hold">
+                                          <p:stCondLst>
+                                            <p:cond delay="499"/>
+                                          </p:stCondLst>
+                                        </p:cTn>
+                                        <p:tgtEl>
+                                          <p:spTgt spid="3">
+                                            <p:txEl>
+                                              <p:pRg st="3" end="3"/>
+                                            </p:txEl>
+                                          </p:spTgt>
+                                        </p:tgtEl>
+                                        <p:attrNameLst>
+                                          <p:attrName>style.visibility</p:attrName>
+                                        </p:attrNameLst>
+                                      </p:cBhvr>
+                                      <p:to>
+                                        <p:strVal val="hidden"/>
+                                      </p:to>
+                                    </p:set>
+                                  </p:childTnLst>
+                                </p:cTn>
+                              </p:par>
+                              <p:par>
+                                <p:cTn id="53" presetID="10" presetClass="exit" presetSubtype="0" fill="hold" grpId="1" nodeType="withEffect">
+                                  <p:stCondLst>
+                                    <p:cond delay="0"/>
+                                  </p:stCondLst>
+                                  <p:childTnLst>
+                                    <p:animEffect transition="out" filter="fade">
+                                      <p:cBhvr>
+                                        <p:cTn id="54" dur="500"/>
+                                        <p:tgtEl>
+                                          <p:spTgt spid="3">
+                                            <p:txEl>
+                                              <p:pRg st="4" end="4"/>
+                                            </p:txEl>
+                                          </p:spTgt>
+                                        </p:tgtEl>
+                                      </p:cBhvr>
+                                    </p:animEffect>
+                                    <p:set>
+                                      <p:cBhvr>
+                                        <p:cTn id="55" dur="1" fill="hold">
+                                          <p:stCondLst>
+                                            <p:cond delay="499"/>
+                                          </p:stCondLst>
+                                        </p:cTn>
+                                        <p:tgtEl>
+                                          <p:spTgt spid="3">
+                                            <p:txEl>
+                                              <p:pRg st="4" end="4"/>
+                                            </p:txEl>
+                                          </p:spTgt>
+                                        </p:tgtEl>
+                                        <p:attrNameLst>
+                                          <p:attrName>style.visibility</p:attrName>
+                                        </p:attrNameLst>
+                                      </p:cBhvr>
+                                      <p:to>
+                                        <p:strVal val="hidden"/>
+                                      </p:to>
+                                    </p:set>
+                                  </p:childTnLst>
+                                </p:cTn>
+                              </p:par>
+                              <p:par>
+                                <p:cTn id="56" presetID="10" presetClass="exit" presetSubtype="0" fill="hold" grpId="1" nodeType="withEffect">
+                                  <p:stCondLst>
+                                    <p:cond delay="0"/>
+                                  </p:stCondLst>
+                                  <p:childTnLst>
+                                    <p:animEffect transition="out" filter="fade">
+                                      <p:cBhvr>
+                                        <p:cTn id="57" dur="500"/>
+                                        <p:tgtEl>
+                                          <p:spTgt spid="3">
+                                            <p:txEl>
+                                              <p:pRg st="5" end="5"/>
+                                            </p:txEl>
+                                          </p:spTgt>
+                                        </p:tgtEl>
+                                      </p:cBhvr>
+                                    </p:animEffect>
+                                    <p:set>
+                                      <p:cBhvr>
+                                        <p:cTn id="58" dur="1" fill="hold">
+                                          <p:stCondLst>
+                                            <p:cond delay="499"/>
+                                          </p:stCondLst>
+                                        </p:cTn>
+                                        <p:tgtEl>
+                                          <p:spTgt spid="3">
+                                            <p:txEl>
+                                              <p:pRg st="5" end="5"/>
+                                            </p:txEl>
+                                          </p:spTgt>
+                                        </p:tgtEl>
+                                        <p:attrNameLst>
+                                          <p:attrName>style.visibility</p:attrName>
+                                        </p:attrNameLst>
+                                      </p:cBhvr>
+                                      <p:to>
+                                        <p:strVal val="hidden"/>
+                                      </p:to>
+                                    </p:set>
+                                  </p:childTnLst>
+                                </p:cTn>
+                              </p:par>
+                              <p:par>
+                                <p:cTn id="59" presetID="10" presetClass="exit" presetSubtype="0" fill="hold" grpId="1" nodeType="withEffect">
+                                  <p:stCondLst>
+                                    <p:cond delay="0"/>
+                                  </p:stCondLst>
+                                  <p:childTnLst>
+                                    <p:animEffect transition="out" filter="fade">
+                                      <p:cBhvr>
+                                        <p:cTn id="60" dur="500"/>
+                                        <p:tgtEl>
+                                          <p:spTgt spid="3">
+                                            <p:txEl>
+                                              <p:pRg st="6" end="6"/>
+                                            </p:txEl>
+                                          </p:spTgt>
+                                        </p:tgtEl>
+                                      </p:cBhvr>
+                                    </p:animEffect>
+                                    <p:set>
+                                      <p:cBhvr>
+                                        <p:cTn id="61" dur="1" fill="hold">
+                                          <p:stCondLst>
+                                            <p:cond delay="499"/>
+                                          </p:stCondLst>
+                                        </p:cTn>
+                                        <p:tgtEl>
+                                          <p:spTgt spid="3">
+                                            <p:txEl>
+                                              <p:pRg st="6" end="6"/>
+                                            </p:txEl>
+                                          </p:spTgt>
+                                        </p:tgtEl>
+                                        <p:attrNameLst>
+                                          <p:attrName>style.visibility</p:attrName>
+                                        </p:attrNameLst>
+                                      </p:cBhvr>
+                                      <p:to>
+                                        <p:strVal val="hidden"/>
+                                      </p:to>
+                                    </p:set>
+                                  </p:childTnLst>
+                                </p:cTn>
+                              </p:par>
+                            </p:childTnLst>
+                          </p:cTn>
+                        </p:par>
+                      </p:childTnLst>
+                    </p:cTn>
+                  </p:par>
+                </p:childTnLst>
+              </p:cTn>
+              <p:prevCondLst>
+                <p:cond evt="onPrev" delay="0">
+                  <p:tgtEl>
+                    <p:sldTgt/>
+                  </p:tgtEl>
+                </p:cond>
+              </p:prevCondLst>
+              <p:nextCondLst>
+                <p:cond evt="onNext" delay="0">
+                  <p:tgtEl>
+                    <p:sldTgt/>
+                  </p:tgtEl>
+                </p:cond>
+              </p:nextCondLst>
+            </p:seq>
+          </p:childTnLst>
+        </p:cTn>
+      </p:par>
+    </p:tnLst>
+    <p:bldLst>
+      <p:bldP spid="2" grpId="0"/>
+      <p:bldP spid="2" grpId="1"/>
+      <p:bldP spid="3" grpId="0" build="p"/>
+      <p:bldP spid="3" grpId="1" build="p"/>
+    </p:bldLst>
+  </p:timing>
 </p:sld>
 </file>
 
@@ -5981,6 +11760,95 @@
   <p:clrMapOvr>
     <a:masterClrMapping/>
   </p:clrMapOvr>
+  <p:timing>
+    <p:tnLst>
+      <p:par>
+        <p:cTn id="1" dur="indefinite" restart="never" nodeType="tmRoot">
+          <p:childTnLst>
+            <p:seq concurrent="1" nextAc="seek">
+              <p:cTn id="2" dur="indefinite" nodeType="mainSeq">
+                <p:childTnLst>
+                  <p:par>
+                    <p:cTn id="3" fill="hold">
+                      <p:stCondLst>
+                        <p:cond delay="indefinite"/>
+                        <p:cond evt="onBegin" delay="0">
+                          <p:tn val="2"/>
+                        </p:cond>
+                      </p:stCondLst>
+                      <p:childTnLst>
+                        <p:par>
+                          <p:cTn id="4" fill="hold">
+                            <p:stCondLst>
+                              <p:cond delay="0"/>
+                            </p:stCondLst>
+                            <p:childTnLst>
+                              <p:par>
+                                <p:cTn id="5" presetID="10" presetClass="entr" presetSubtype="0" fill="hold" grpId="0" nodeType="afterEffect">
+                                  <p:stCondLst>
+                                    <p:cond delay="0"/>
+                                  </p:stCondLst>
+                                  <p:childTnLst>
+                                    <p:set>
+                                      <p:cBhvr>
+                                        <p:cTn id="6" dur="1" fill="hold">
+                                          <p:stCondLst>
+                                            <p:cond delay="0"/>
+                                          </p:stCondLst>
+                                        </p:cTn>
+                                        <p:tgtEl>
+                                          <p:spTgt spid="2"/>
+                                        </p:tgtEl>
+                                        <p:attrNameLst>
+                                          <p:attrName>style.visibility</p:attrName>
+                                        </p:attrNameLst>
+                                      </p:cBhvr>
+                                      <p:to>
+                                        <p:strVal val="visible"/>
+                                      </p:to>
+                                    </p:set>
+                                    <p:animEffect transition="in" filter="fade">
+                                      <p:cBhvr>
+                                        <p:cTn id="7" dur="500"/>
+                                        <p:tgtEl>
+                                          <p:spTgt spid="2"/>
+                                        </p:tgtEl>
+                                      </p:cBhvr>
+                                    </p:animEffect>
+                                  </p:childTnLst>
+                                </p:cTn>
+                              </p:par>
+                            </p:childTnLst>
+                          </p:cTn>
+                        </p:par>
+                      </p:childTnLst>
+                    </p:cTn>
+                  </p:par>
+                </p:childTnLst>
+              </p:cTn>
+              <p:prevCondLst>
+                <p:cond evt="onPrev" delay="0">
+                  <p:tgtEl>
+                    <p:sldTgt/>
+                  </p:tgtEl>
+                </p:cond>
+              </p:prevCondLst>
+              <p:nextCondLst>
+                <p:cond evt="onNext" delay="0">
+                  <p:tgtEl>
+                    <p:sldTgt/>
+                  </p:tgtEl>
+                </p:cond>
+              </p:nextCondLst>
+            </p:seq>
+          </p:childTnLst>
+        </p:cTn>
+      </p:par>
+    </p:tnLst>
+    <p:bldLst>
+      <p:bldP spid="2" grpId="0"/>
+    </p:bldLst>
+  </p:timing>
 </p:sld>
 </file>
 

--- a/presentation/intermediate_pres.pptx
+++ b/presentation/intermediate_pres.pptx
@@ -204,7 +204,7 @@
           <a:p>
             <a:fld id="{B59532E3-6C5C-4727-A1E2-C1325B6F8B19}" type="datetimeFigureOut">
               <a:rPr lang="it-IT" smtClean="0"/>
-              <a:t>30/05/2024</a:t>
+              <a:t>31/05/2024</a:t>
             </a:fld>
             <a:endParaRPr lang="it-IT"/>
           </a:p>
@@ -724,7 +724,7 @@
           <a:p>
             <a:fld id="{F7610621-398E-4E40-9D6B-5068DC0E40D1}" type="datetimeFigureOut">
               <a:rPr lang="it-IT" smtClean="0"/>
-              <a:t>30/05/2024</a:t>
+              <a:t>31/05/2024</a:t>
             </a:fld>
             <a:endParaRPr lang="it-IT"/>
           </a:p>
@@ -1054,7 +1054,7 @@
           <a:p>
             <a:fld id="{F7610621-398E-4E40-9D6B-5068DC0E40D1}" type="datetimeFigureOut">
               <a:rPr lang="it-IT" smtClean="0"/>
-              <a:t>30/05/2024</a:t>
+              <a:t>31/05/2024</a:t>
             </a:fld>
             <a:endParaRPr lang="it-IT"/>
           </a:p>
@@ -1234,7 +1234,7 @@
           <a:p>
             <a:fld id="{F7610621-398E-4E40-9D6B-5068DC0E40D1}" type="datetimeFigureOut">
               <a:rPr lang="it-IT" smtClean="0"/>
-              <a:t>30/05/2024</a:t>
+              <a:t>31/05/2024</a:t>
             </a:fld>
             <a:endParaRPr lang="it-IT"/>
           </a:p>
@@ -1404,7 +1404,7 @@
           <a:p>
             <a:fld id="{F7610621-398E-4E40-9D6B-5068DC0E40D1}" type="datetimeFigureOut">
               <a:rPr lang="it-IT" smtClean="0"/>
-              <a:t>30/05/2024</a:t>
+              <a:t>31/05/2024</a:t>
             </a:fld>
             <a:endParaRPr lang="it-IT"/>
           </a:p>
@@ -1681,7 +1681,7 @@
           <a:p>
             <a:fld id="{F7610621-398E-4E40-9D6B-5068DC0E40D1}" type="datetimeFigureOut">
               <a:rPr lang="it-IT" smtClean="0"/>
-              <a:t>30/05/2024</a:t>
+              <a:t>31/05/2024</a:t>
             </a:fld>
             <a:endParaRPr lang="it-IT"/>
           </a:p>
@@ -2075,7 +2075,7 @@
           <a:p>
             <a:fld id="{F7610621-398E-4E40-9D6B-5068DC0E40D1}" type="datetimeFigureOut">
               <a:rPr lang="it-IT" smtClean="0"/>
-              <a:t>30/05/2024</a:t>
+              <a:t>31/05/2024</a:t>
             </a:fld>
             <a:endParaRPr lang="it-IT"/>
           </a:p>
@@ -2552,7 +2552,7 @@
           <a:p>
             <a:fld id="{F7610621-398E-4E40-9D6B-5068DC0E40D1}" type="datetimeFigureOut">
               <a:rPr lang="it-IT" smtClean="0"/>
-              <a:t>30/05/2024</a:t>
+              <a:t>31/05/2024</a:t>
             </a:fld>
             <a:endParaRPr lang="it-IT"/>
           </a:p>
@@ -2670,7 +2670,7 @@
           <a:p>
             <a:fld id="{F7610621-398E-4E40-9D6B-5068DC0E40D1}" type="datetimeFigureOut">
               <a:rPr lang="it-IT" smtClean="0"/>
-              <a:t>30/05/2024</a:t>
+              <a:t>31/05/2024</a:t>
             </a:fld>
             <a:endParaRPr lang="it-IT"/>
           </a:p>
@@ -2765,7 +2765,7 @@
           <a:p>
             <a:fld id="{F7610621-398E-4E40-9D6B-5068DC0E40D1}" type="datetimeFigureOut">
               <a:rPr lang="it-IT" smtClean="0"/>
-              <a:t>30/05/2024</a:t>
+              <a:t>31/05/2024</a:t>
             </a:fld>
             <a:endParaRPr lang="it-IT"/>
           </a:p>
@@ -3111,7 +3111,7 @@
           <a:p>
             <a:fld id="{F7610621-398E-4E40-9D6B-5068DC0E40D1}" type="datetimeFigureOut">
               <a:rPr lang="it-IT" smtClean="0"/>
-              <a:t>30/05/2024</a:t>
+              <a:t>31/05/2024</a:t>
             </a:fld>
             <a:endParaRPr lang="it-IT"/>
           </a:p>
@@ -3499,7 +3499,7 @@
           <a:p>
             <a:fld id="{F7610621-398E-4E40-9D6B-5068DC0E40D1}" type="datetimeFigureOut">
               <a:rPr lang="it-IT" smtClean="0"/>
-              <a:t>30/05/2024</a:t>
+              <a:t>31/05/2024</a:t>
             </a:fld>
             <a:endParaRPr lang="it-IT"/>
           </a:p>
@@ -3777,7 +3777,7 @@
           <a:p>
             <a:fld id="{F7610621-398E-4E40-9D6B-5068DC0E40D1}" type="datetimeFigureOut">
               <a:rPr lang="it-IT" smtClean="0"/>
-              <a:t>30/05/2024</a:t>
+              <a:t>31/05/2024</a:t>
             </a:fld>
             <a:endParaRPr lang="it-IT"/>
           </a:p>
@@ -4466,13 +4466,13 @@
   <p:clrMapOvr>
     <a:overrideClrMapping bg1="dk1" tx1="lt1" bg2="dk2" tx2="lt2" accent1="accent1" accent2="accent2" accent3="accent3" accent4="accent4" accent5="accent5" accent6="accent6" hlink="hlink" folHlink="folHlink"/>
   </p:clrMapOvr>
-  <mc:AlternateContent xmlns:mc="http://schemas.openxmlformats.org/markup-compatibility/2006">
-    <mc:Choice xmlns:p159="http://schemas.microsoft.com/office/powerpoint/2015/09/main" Requires="p159">
+  <mc:AlternateContent xmlns:mc="http://schemas.openxmlformats.org/markup-compatibility/2006" xmlns:p159="http://schemas.microsoft.com/office/powerpoint/2015/09/main">
+    <mc:Choice Requires="p159">
       <p:transition xmlns:p14="http://schemas.microsoft.com/office/powerpoint/2010/main" spd="slow" p14:dur="2000">
         <p159:morph option="byObject"/>
       </p:transition>
     </mc:Choice>
-    <mc:Fallback>
+    <mc:Fallback xmlns="">
       <p:transition spd="slow">
         <p:fade/>
       </p:transition>
@@ -5498,13 +5498,13 @@
   <p:clrMapOvr>
     <a:masterClrMapping/>
   </p:clrMapOvr>
-  <mc:AlternateContent xmlns:mc="http://schemas.openxmlformats.org/markup-compatibility/2006">
-    <mc:Choice xmlns:p159="http://schemas.microsoft.com/office/powerpoint/2015/09/main" Requires="p159">
+  <mc:AlternateContent xmlns:mc="http://schemas.openxmlformats.org/markup-compatibility/2006" xmlns:p159="http://schemas.microsoft.com/office/powerpoint/2015/09/main">
+    <mc:Choice Requires="p159">
       <p:transition xmlns:p14="http://schemas.microsoft.com/office/powerpoint/2010/main" spd="slow" p14:dur="2000">
         <p159:morph option="byObject"/>
       </p:transition>
     </mc:Choice>
-    <mc:Fallback>
+    <mc:Fallback xmlns="">
       <p:transition spd="slow">
         <p:fade/>
       </p:transition>
@@ -10698,7 +10698,7 @@
         </p:nvSpPr>
         <p:spPr>
           <a:xfrm>
-            <a:off x="1451579" y="1853754"/>
+            <a:off x="1451579" y="2119226"/>
             <a:ext cx="9492916" cy="2666164"/>
           </a:xfrm>
         </p:spPr>
@@ -10715,15 +10715,7 @@
             </a:pPr>
             <a:r>
               <a:rPr lang="it-IT" dirty="0"/>
-              <a:t>Development </a:t>
-            </a:r>
-            <a:r>
-              <a:rPr lang="it-IT" dirty="0" err="1"/>
-              <a:t>problems</a:t>
-            </a:r>
-            <a:r>
-              <a:rPr lang="it-IT" dirty="0"/>
-              <a:t>:</a:t>
+              <a:t>Development:</a:t>
             </a:r>
           </a:p>
           <a:p>
@@ -10785,14 +10777,6 @@
             </a:r>
             <a:r>
               <a:rPr lang="it-IT" dirty="0"/>
-              <a:t> </a:t>
-            </a:r>
-            <a:r>
-              <a:rPr lang="it-IT" dirty="0" err="1"/>
-              <a:t>problem</a:t>
-            </a:r>
-            <a:r>
-              <a:rPr lang="it-IT" dirty="0"/>
               <a:t>:</a:t>
             </a:r>
           </a:p>
@@ -10816,14 +10800,6 @@
             <a:r>
               <a:rPr lang="it-IT" dirty="0" err="1"/>
               <a:t>Acting</a:t>
-            </a:r>
-            <a:r>
-              <a:rPr lang="it-IT" dirty="0"/>
-              <a:t> </a:t>
-            </a:r>
-            <a:r>
-              <a:rPr lang="it-IT" dirty="0" err="1"/>
-              <a:t>problem</a:t>
             </a:r>
             <a:r>
               <a:rPr lang="it-IT" dirty="0"/>
